--- a/doc/박종수/박종수 스토리보드.pptx
+++ b/doc/박종수/박종수 스토리보드.pptx
@@ -42,7 +42,7 @@
   </p:defaultTextStyle>
   <p:extLst>
     <p:ext uri="{EFAFB233-063F-42B5-8137-9DF3F51BA10A}">
-      <p15:sldGuideLst xmlns:p15="http://schemas.microsoft.com/office/powerpoint/2012/main" xmlns=""/>
+      <p15:sldGuideLst xmlns="" xmlns:p15="http://schemas.microsoft.com/office/powerpoint/2012/main"/>
     </p:ext>
   </p:extLst>
 </p:presentation>
@@ -220,7 +220,7 @@
               <a:buNone/>
             </a:pPr>
             <a:fld id="{B9320F77-B9A0-41C5-862A-B4B631284C64}" type="slidenum">
-              <a:rPr lang="en-US" altLang="ko-KR" sz="1200" b="0" cap="none" dirty="0" smtClean="0">
+              <a:rPr lang="en-US" altLang="ko-KR" sz="1200" b="0" cap="none" smtClean="0">
                 <a:solidFill>
                   <a:srgbClr val="898989"/>
                 </a:solidFill>
@@ -242,7 +242,7 @@
               </a:pPr>
               <a:t>‹#›</a:t>
             </a:fld>
-            <a:endParaRPr lang="ko-KR" altLang="en-US" sz="1200" b="0" cap="none" dirty="0" smtClean="0">
+            <a:endParaRPr lang="ko-KR" altLang="en-US" sz="1200" b="0" cap="none" smtClean="0">
               <a:solidFill>
                 <a:srgbClr val="898989"/>
               </a:solidFill>
@@ -291,7 +291,7 @@
               <a:buNone/>
             </a:pPr>
             <a:fld id="{B9320F77-B9A0-41C5-862A-B4B631284C64}" type="datetime1">
-              <a:rPr lang="ko-KR" altLang="en-US" sz="1200" b="0" cap="none" dirty="0" smtClean="0">
+              <a:rPr lang="ko-KR" altLang="en-US" sz="1200" b="0" cap="none" smtClean="0">
                 <a:solidFill>
                   <a:srgbClr val="898989"/>
                 </a:solidFill>
@@ -313,7 +313,7 @@
               </a:pPr>
               <a:t>2020-05-25</a:t>
             </a:fld>
-            <a:endParaRPr lang="ko-KR" altLang="en-US" sz="1200" b="0" cap="none" dirty="0" smtClean="0">
+            <a:endParaRPr lang="ko-KR" altLang="en-US" sz="1200" b="0" cap="none" smtClean="0">
               <a:solidFill>
                 <a:srgbClr val="898989"/>
               </a:solidFill>
@@ -361,7 +361,7 @@
               <a:buFontTx/>
               <a:buNone/>
             </a:pPr>
-            <a:endParaRPr lang="ko-KR" altLang="en-US" sz="1200" b="0" cap="none" dirty="0" smtClean="0">
+            <a:endParaRPr lang="ko-KR" altLang="en-US" sz="1200" b="0" cap="none" smtClean="0">
               <a:solidFill>
                 <a:srgbClr val="898989"/>
               </a:solidFill>
@@ -377,7 +377,7 @@
     <a:masterClrMapping/>
   </p:clrMapOvr>
   <mc:AlternateContent xmlns:mc="http://schemas.openxmlformats.org/markup-compatibility/2006">
-    <mc:Choice xmlns:p14="http://schemas.microsoft.com/office/powerpoint/2010/main" xmlns="" Requires="p14">
+    <mc:Choice xmlns="" xmlns:p14="http://schemas.microsoft.com/office/powerpoint/2010/main" Requires="p14">
       <p:transition p14:dur="0"/>
     </mc:Choice>
     <mc:Fallback>
@@ -687,7 +687,7 @@
               <a:buNone/>
             </a:pPr>
             <a:fld id="{B9320F77-B9A0-41C5-862A-B4B631284C64}" type="slidenum">
-              <a:rPr lang="en-US" altLang="ko-KR" sz="1200" b="0" cap="none" dirty="0" smtClean="0">
+              <a:rPr lang="en-US" altLang="ko-KR" sz="1200" b="0" cap="none" smtClean="0">
                 <a:solidFill>
                   <a:srgbClr val="898989"/>
                 </a:solidFill>
@@ -709,7 +709,7 @@
               </a:pPr>
               <a:t>‹#›</a:t>
             </a:fld>
-            <a:endParaRPr lang="ko-KR" altLang="en-US" sz="1200" b="0" cap="none" dirty="0" smtClean="0">
+            <a:endParaRPr lang="ko-KR" altLang="en-US" sz="1200" b="0" cap="none" smtClean="0">
               <a:solidFill>
                 <a:srgbClr val="898989"/>
               </a:solidFill>
@@ -758,7 +758,7 @@
               <a:buNone/>
             </a:pPr>
             <a:fld id="{B9320F77-B9A0-41C5-862A-B4B631284C64}" type="datetime1">
-              <a:rPr lang="ko-KR" altLang="en-US" sz="1200" b="0" cap="none" dirty="0" smtClean="0">
+              <a:rPr lang="ko-KR" altLang="en-US" sz="1200" b="0" cap="none" smtClean="0">
                 <a:solidFill>
                   <a:srgbClr val="898989"/>
                 </a:solidFill>
@@ -780,7 +780,7 @@
               </a:pPr>
               <a:t>2020-05-25</a:t>
             </a:fld>
-            <a:endParaRPr lang="ko-KR" altLang="en-US" sz="1200" b="0" cap="none" dirty="0" smtClean="0">
+            <a:endParaRPr lang="ko-KR" altLang="en-US" sz="1200" b="0" cap="none" smtClean="0">
               <a:solidFill>
                 <a:srgbClr val="898989"/>
               </a:solidFill>
@@ -828,7 +828,7 @@
               <a:buFontTx/>
               <a:buNone/>
             </a:pPr>
-            <a:endParaRPr lang="ko-KR" altLang="en-US" sz="1200" b="0" cap="none" dirty="0" smtClean="0">
+            <a:endParaRPr lang="ko-KR" altLang="en-US" sz="1200" b="0" cap="none" smtClean="0">
               <a:solidFill>
                 <a:srgbClr val="898989"/>
               </a:solidFill>
@@ -844,7 +844,7 @@
     <a:masterClrMapping/>
   </p:clrMapOvr>
   <mc:AlternateContent xmlns:mc="http://schemas.openxmlformats.org/markup-compatibility/2006">
-    <mc:Choice xmlns:p14="http://schemas.microsoft.com/office/powerpoint/2010/main" xmlns="" Requires="p14">
+    <mc:Choice xmlns="" xmlns:p14="http://schemas.microsoft.com/office/powerpoint/2010/main" Requires="p14">
       <p:transition p14:dur="0"/>
     </mc:Choice>
     <mc:Fallback>
@@ -1154,7 +1154,7 @@
               <a:buNone/>
             </a:pPr>
             <a:fld id="{B9320F77-B9A0-41C5-862A-B4B631284C64}" type="slidenum">
-              <a:rPr lang="en-US" altLang="ko-KR" sz="1200" b="0" cap="none" dirty="0" smtClean="0">
+              <a:rPr lang="en-US" altLang="ko-KR" sz="1200" b="0" cap="none" smtClean="0">
                 <a:solidFill>
                   <a:srgbClr val="898989"/>
                 </a:solidFill>
@@ -1176,7 +1176,7 @@
               </a:pPr>
               <a:t>‹#›</a:t>
             </a:fld>
-            <a:endParaRPr lang="ko-KR" altLang="en-US" sz="1200" b="0" cap="none" dirty="0" smtClean="0">
+            <a:endParaRPr lang="ko-KR" altLang="en-US" sz="1200" b="0" cap="none" smtClean="0">
               <a:solidFill>
                 <a:srgbClr val="898989"/>
               </a:solidFill>
@@ -1225,7 +1225,7 @@
               <a:buNone/>
             </a:pPr>
             <a:fld id="{B9320F77-B9A0-41C5-862A-B4B631284C64}" type="datetime1">
-              <a:rPr lang="ko-KR" altLang="en-US" sz="1200" b="0" cap="none" dirty="0" smtClean="0">
+              <a:rPr lang="ko-KR" altLang="en-US" sz="1200" b="0" cap="none" smtClean="0">
                 <a:solidFill>
                   <a:srgbClr val="898989"/>
                 </a:solidFill>
@@ -1247,7 +1247,7 @@
               </a:pPr>
               <a:t>2020-05-25</a:t>
             </a:fld>
-            <a:endParaRPr lang="ko-KR" altLang="en-US" sz="1200" b="0" cap="none" dirty="0" smtClean="0">
+            <a:endParaRPr lang="ko-KR" altLang="en-US" sz="1200" b="0" cap="none" smtClean="0">
               <a:solidFill>
                 <a:srgbClr val="898989"/>
               </a:solidFill>
@@ -1295,7 +1295,7 @@
               <a:buFontTx/>
               <a:buNone/>
             </a:pPr>
-            <a:endParaRPr lang="ko-KR" altLang="en-US" sz="1200" b="0" cap="none" dirty="0" smtClean="0">
+            <a:endParaRPr lang="ko-KR" altLang="en-US" sz="1200" b="0" cap="none" smtClean="0">
               <a:solidFill>
                 <a:srgbClr val="898989"/>
               </a:solidFill>
@@ -1311,7 +1311,7 @@
     <a:masterClrMapping/>
   </p:clrMapOvr>
   <mc:AlternateContent xmlns:mc="http://schemas.openxmlformats.org/markup-compatibility/2006">
-    <mc:Choice xmlns:p14="http://schemas.microsoft.com/office/powerpoint/2010/main" xmlns="" Requires="p14">
+    <mc:Choice xmlns="" xmlns:p14="http://schemas.microsoft.com/office/powerpoint/2010/main" Requires="p14">
       <p:transition p14:dur="0"/>
     </mc:Choice>
     <mc:Fallback>
@@ -1621,7 +1621,7 @@
               <a:buNone/>
             </a:pPr>
             <a:fld id="{B9320F77-B9A0-41C5-862A-B4B631284C64}" type="slidenum">
-              <a:rPr lang="en-US" altLang="ko-KR" sz="1200" b="0" cap="none" dirty="0" smtClean="0">
+              <a:rPr lang="en-US" altLang="ko-KR" sz="1200" b="0" cap="none" smtClean="0">
                 <a:solidFill>
                   <a:srgbClr val="898989"/>
                 </a:solidFill>
@@ -1643,7 +1643,7 @@
               </a:pPr>
               <a:t>‹#›</a:t>
             </a:fld>
-            <a:endParaRPr lang="ko-KR" altLang="en-US" sz="1200" b="0" cap="none" dirty="0" smtClean="0">
+            <a:endParaRPr lang="ko-KR" altLang="en-US" sz="1200" b="0" cap="none" smtClean="0">
               <a:solidFill>
                 <a:srgbClr val="898989"/>
               </a:solidFill>
@@ -1692,7 +1692,7 @@
               <a:buNone/>
             </a:pPr>
             <a:fld id="{B9320F77-B9A0-41C5-862A-B4B631284C64}" type="datetime1">
-              <a:rPr lang="ko-KR" altLang="en-US" sz="1200" b="0" cap="none" dirty="0" smtClean="0">
+              <a:rPr lang="ko-KR" altLang="en-US" sz="1200" b="0" cap="none" smtClean="0">
                 <a:solidFill>
                   <a:srgbClr val="898989"/>
                 </a:solidFill>
@@ -1714,7 +1714,7 @@
               </a:pPr>
               <a:t>2020-05-25</a:t>
             </a:fld>
-            <a:endParaRPr lang="ko-KR" altLang="en-US" sz="1200" b="0" cap="none" dirty="0" smtClean="0">
+            <a:endParaRPr lang="ko-KR" altLang="en-US" sz="1200" b="0" cap="none" smtClean="0">
               <a:solidFill>
                 <a:srgbClr val="898989"/>
               </a:solidFill>
@@ -1762,7 +1762,7 @@
               <a:buFontTx/>
               <a:buNone/>
             </a:pPr>
-            <a:endParaRPr lang="ko-KR" altLang="en-US" sz="1200" b="0" cap="none" dirty="0" smtClean="0">
+            <a:endParaRPr lang="ko-KR" altLang="en-US" sz="1200" b="0" cap="none" smtClean="0">
               <a:solidFill>
                 <a:srgbClr val="898989"/>
               </a:solidFill>
@@ -1778,7 +1778,7 @@
     <a:masterClrMapping/>
   </p:clrMapOvr>
   <mc:AlternateContent xmlns:mc="http://schemas.openxmlformats.org/markup-compatibility/2006">
-    <mc:Choice xmlns:p14="http://schemas.microsoft.com/office/powerpoint/2010/main" xmlns="" Requires="p14">
+    <mc:Choice xmlns="" xmlns:p14="http://schemas.microsoft.com/office/powerpoint/2010/main" Requires="p14">
       <p:transition p14:dur="0"/>
     </mc:Choice>
     <mc:Fallback>
@@ -1960,7 +1960,7 @@
               <a:buNone/>
             </a:pPr>
             <a:fld id="{B9320F77-B9A0-41C5-862A-B4B631284C64}" type="slidenum">
-              <a:rPr lang="en-US" altLang="ko-KR" sz="1200" b="0" cap="none" dirty="0" smtClean="0">
+              <a:rPr lang="en-US" altLang="ko-KR" sz="1200" b="0" cap="none" smtClean="0">
                 <a:solidFill>
                   <a:srgbClr val="898989"/>
                 </a:solidFill>
@@ -1982,7 +1982,7 @@
               </a:pPr>
               <a:t>‹#›</a:t>
             </a:fld>
-            <a:endParaRPr lang="ko-KR" altLang="en-US" sz="1200" b="0" cap="none" dirty="0" smtClean="0">
+            <a:endParaRPr lang="ko-KR" altLang="en-US" sz="1200" b="0" cap="none" smtClean="0">
               <a:solidFill>
                 <a:srgbClr val="898989"/>
               </a:solidFill>
@@ -2031,7 +2031,7 @@
               <a:buNone/>
             </a:pPr>
             <a:fld id="{B9320F77-B9A0-41C5-862A-B4B631284C64}" type="datetime1">
-              <a:rPr lang="ko-KR" altLang="en-US" sz="1200" b="0" cap="none" dirty="0" smtClean="0">
+              <a:rPr lang="ko-KR" altLang="en-US" sz="1200" b="0" cap="none" smtClean="0">
                 <a:solidFill>
                   <a:srgbClr val="898989"/>
                 </a:solidFill>
@@ -2053,7 +2053,7 @@
               </a:pPr>
               <a:t>2020-05-25</a:t>
             </a:fld>
-            <a:endParaRPr lang="ko-KR" altLang="en-US" sz="1200" b="0" cap="none" dirty="0" smtClean="0">
+            <a:endParaRPr lang="ko-KR" altLang="en-US" sz="1200" b="0" cap="none" smtClean="0">
               <a:solidFill>
                 <a:srgbClr val="898989"/>
               </a:solidFill>
@@ -2101,7 +2101,7 @@
               <a:buFontTx/>
               <a:buNone/>
             </a:pPr>
-            <a:endParaRPr lang="ko-KR" altLang="en-US" sz="1200" b="0" cap="none" dirty="0" smtClean="0">
+            <a:endParaRPr lang="ko-KR" altLang="en-US" sz="1200" b="0" cap="none" smtClean="0">
               <a:solidFill>
                 <a:srgbClr val="898989"/>
               </a:solidFill>
@@ -2117,7 +2117,7 @@
     <a:masterClrMapping/>
   </p:clrMapOvr>
   <mc:AlternateContent xmlns:mc="http://schemas.openxmlformats.org/markup-compatibility/2006">
-    <mc:Choice xmlns:p14="http://schemas.microsoft.com/office/powerpoint/2010/main" xmlns="" Requires="p14">
+    <mc:Choice xmlns="" xmlns:p14="http://schemas.microsoft.com/office/powerpoint/2010/main" Requires="p14">
       <p:transition p14:dur="0"/>
     </mc:Choice>
     <mc:Fallback>
@@ -2613,7 +2613,7 @@
               <a:buNone/>
             </a:pPr>
             <a:fld id="{B9320F77-B9A0-41C5-862A-B4B631284C64}" type="slidenum">
-              <a:rPr lang="en-US" altLang="ko-KR" sz="1200" b="0" cap="none" dirty="0" smtClean="0">
+              <a:rPr lang="en-US" altLang="ko-KR" sz="1200" b="0" cap="none" smtClean="0">
                 <a:solidFill>
                   <a:srgbClr val="898989"/>
                 </a:solidFill>
@@ -2635,7 +2635,7 @@
               </a:pPr>
               <a:t>‹#›</a:t>
             </a:fld>
-            <a:endParaRPr lang="ko-KR" altLang="en-US" sz="1200" b="0" cap="none" dirty="0" smtClean="0">
+            <a:endParaRPr lang="ko-KR" altLang="en-US" sz="1200" b="0" cap="none" smtClean="0">
               <a:solidFill>
                 <a:srgbClr val="898989"/>
               </a:solidFill>
@@ -2684,7 +2684,7 @@
               <a:buNone/>
             </a:pPr>
             <a:fld id="{B9320F77-B9A0-41C5-862A-B4B631284C64}" type="datetime1">
-              <a:rPr lang="ko-KR" altLang="en-US" sz="1200" b="0" cap="none" dirty="0" smtClean="0">
+              <a:rPr lang="ko-KR" altLang="en-US" sz="1200" b="0" cap="none" smtClean="0">
                 <a:solidFill>
                   <a:srgbClr val="898989"/>
                 </a:solidFill>
@@ -2706,7 +2706,7 @@
               </a:pPr>
               <a:t>2020-05-25</a:t>
             </a:fld>
-            <a:endParaRPr lang="ko-KR" altLang="en-US" sz="1200" b="0" cap="none" dirty="0" smtClean="0">
+            <a:endParaRPr lang="ko-KR" altLang="en-US" sz="1200" b="0" cap="none" smtClean="0">
               <a:solidFill>
                 <a:srgbClr val="898989"/>
               </a:solidFill>
@@ -2754,7 +2754,7 @@
               <a:buFontTx/>
               <a:buNone/>
             </a:pPr>
-            <a:endParaRPr lang="ko-KR" altLang="en-US" sz="1200" b="0" cap="none" dirty="0" smtClean="0">
+            <a:endParaRPr lang="ko-KR" altLang="en-US" sz="1200" b="0" cap="none" smtClean="0">
               <a:solidFill>
                 <a:srgbClr val="898989"/>
               </a:solidFill>
@@ -2770,7 +2770,7 @@
     <a:masterClrMapping/>
   </p:clrMapOvr>
   <mc:AlternateContent xmlns:mc="http://schemas.openxmlformats.org/markup-compatibility/2006">
-    <mc:Choice xmlns:p14="http://schemas.microsoft.com/office/powerpoint/2010/main" xmlns="" Requires="p14">
+    <mc:Choice xmlns="" xmlns:p14="http://schemas.microsoft.com/office/powerpoint/2010/main" Requires="p14">
       <p:transition p14:dur="0"/>
     </mc:Choice>
     <mc:Fallback>
@@ -3382,7 +3382,7 @@
               <a:buNone/>
             </a:pPr>
             <a:fld id="{B9320F77-B9A0-41C5-862A-B4B631284C64}" type="slidenum">
-              <a:rPr lang="en-US" altLang="ko-KR" sz="1200" b="0" cap="none" dirty="0" smtClean="0">
+              <a:rPr lang="en-US" altLang="ko-KR" sz="1200" b="0" cap="none" smtClean="0">
                 <a:solidFill>
                   <a:srgbClr val="898989"/>
                 </a:solidFill>
@@ -3404,7 +3404,7 @@
               </a:pPr>
               <a:t>‹#›</a:t>
             </a:fld>
-            <a:endParaRPr lang="ko-KR" altLang="en-US" sz="1200" b="0" cap="none" dirty="0" smtClean="0">
+            <a:endParaRPr lang="ko-KR" altLang="en-US" sz="1200" b="0" cap="none" smtClean="0">
               <a:solidFill>
                 <a:srgbClr val="898989"/>
               </a:solidFill>
@@ -3453,7 +3453,7 @@
               <a:buNone/>
             </a:pPr>
             <a:fld id="{B9320F77-B9A0-41C5-862A-B4B631284C64}" type="datetime1">
-              <a:rPr lang="ko-KR" altLang="en-US" sz="1200" b="0" cap="none" dirty="0" smtClean="0">
+              <a:rPr lang="ko-KR" altLang="en-US" sz="1200" b="0" cap="none" smtClean="0">
                 <a:solidFill>
                   <a:srgbClr val="898989"/>
                 </a:solidFill>
@@ -3475,7 +3475,7 @@
               </a:pPr>
               <a:t>2020-05-25</a:t>
             </a:fld>
-            <a:endParaRPr lang="ko-KR" altLang="en-US" sz="1200" b="0" cap="none" dirty="0" smtClean="0">
+            <a:endParaRPr lang="ko-KR" altLang="en-US" sz="1200" b="0" cap="none" smtClean="0">
               <a:solidFill>
                 <a:srgbClr val="898989"/>
               </a:solidFill>
@@ -3523,7 +3523,7 @@
               <a:buFontTx/>
               <a:buNone/>
             </a:pPr>
-            <a:endParaRPr lang="ko-KR" altLang="en-US" sz="1200" b="0" cap="none" dirty="0" smtClean="0">
+            <a:endParaRPr lang="ko-KR" altLang="en-US" sz="1200" b="0" cap="none" smtClean="0">
               <a:solidFill>
                 <a:srgbClr val="898989"/>
               </a:solidFill>
@@ -3539,7 +3539,7 @@
     <a:masterClrMapping/>
   </p:clrMapOvr>
   <mc:AlternateContent xmlns:mc="http://schemas.openxmlformats.org/markup-compatibility/2006">
-    <mc:Choice xmlns:p14="http://schemas.microsoft.com/office/powerpoint/2010/main" xmlns="" Requires="p14">
+    <mc:Choice xmlns="" xmlns:p14="http://schemas.microsoft.com/office/powerpoint/2010/main" Requires="p14">
       <p:transition p14:dur="0"/>
     </mc:Choice>
     <mc:Fallback>
@@ -3663,7 +3663,7 @@
               <a:buNone/>
             </a:pPr>
             <a:fld id="{B9320F77-B9A0-41C5-862A-B4B631284C64}" type="slidenum">
-              <a:rPr lang="en-US" altLang="ko-KR" sz="1200" b="0" cap="none" dirty="0" smtClean="0">
+              <a:rPr lang="en-US" altLang="ko-KR" sz="1200" b="0" cap="none" smtClean="0">
                 <a:solidFill>
                   <a:srgbClr val="898989"/>
                 </a:solidFill>
@@ -3685,7 +3685,7 @@
               </a:pPr>
               <a:t>‹#›</a:t>
             </a:fld>
-            <a:endParaRPr lang="ko-KR" altLang="en-US" sz="1200" b="0" cap="none" dirty="0" smtClean="0">
+            <a:endParaRPr lang="ko-KR" altLang="en-US" sz="1200" b="0" cap="none" smtClean="0">
               <a:solidFill>
                 <a:srgbClr val="898989"/>
               </a:solidFill>
@@ -3734,7 +3734,7 @@
               <a:buNone/>
             </a:pPr>
             <a:fld id="{B9320F77-B9A0-41C5-862A-B4B631284C64}" type="datetime1">
-              <a:rPr lang="ko-KR" altLang="en-US" sz="1200" b="0" cap="none" dirty="0" smtClean="0">
+              <a:rPr lang="ko-KR" altLang="en-US" sz="1200" b="0" cap="none" smtClean="0">
                 <a:solidFill>
                   <a:srgbClr val="898989"/>
                 </a:solidFill>
@@ -3756,7 +3756,7 @@
               </a:pPr>
               <a:t>2020-05-25</a:t>
             </a:fld>
-            <a:endParaRPr lang="ko-KR" altLang="en-US" sz="1200" b="0" cap="none" dirty="0" smtClean="0">
+            <a:endParaRPr lang="ko-KR" altLang="en-US" sz="1200" b="0" cap="none" smtClean="0">
               <a:solidFill>
                 <a:srgbClr val="898989"/>
               </a:solidFill>
@@ -3804,7 +3804,7 @@
               <a:buFontTx/>
               <a:buNone/>
             </a:pPr>
-            <a:endParaRPr lang="ko-KR" altLang="en-US" sz="1200" b="0" cap="none" dirty="0" smtClean="0">
+            <a:endParaRPr lang="ko-KR" altLang="en-US" sz="1200" b="0" cap="none" smtClean="0">
               <a:solidFill>
                 <a:srgbClr val="898989"/>
               </a:solidFill>
@@ -3820,7 +3820,7 @@
     <a:masterClrMapping/>
   </p:clrMapOvr>
   <mc:AlternateContent xmlns:mc="http://schemas.openxmlformats.org/markup-compatibility/2006">
-    <mc:Choice xmlns:p14="http://schemas.microsoft.com/office/powerpoint/2010/main" xmlns="" Requires="p14">
+    <mc:Choice xmlns="" xmlns:p14="http://schemas.microsoft.com/office/powerpoint/2010/main" Requires="p14">
       <p:transition p14:dur="0"/>
     </mc:Choice>
     <mc:Fallback>
@@ -3886,7 +3886,7 @@
               <a:buNone/>
             </a:pPr>
             <a:fld id="{B9320F77-B9A0-41C5-862A-B4B631284C64}" type="slidenum">
-              <a:rPr lang="en-US" altLang="ko-KR" sz="1200" b="0" cap="none" dirty="0" smtClean="0">
+              <a:rPr lang="en-US" altLang="ko-KR" sz="1200" b="0" cap="none" smtClean="0">
                 <a:solidFill>
                   <a:srgbClr val="898989"/>
                 </a:solidFill>
@@ -3908,7 +3908,7 @@
               </a:pPr>
               <a:t>‹#›</a:t>
             </a:fld>
-            <a:endParaRPr lang="ko-KR" altLang="en-US" sz="1200" b="0" cap="none" dirty="0" smtClean="0">
+            <a:endParaRPr lang="ko-KR" altLang="en-US" sz="1200" b="0" cap="none" smtClean="0">
               <a:solidFill>
                 <a:srgbClr val="898989"/>
               </a:solidFill>
@@ -3957,7 +3957,7 @@
               <a:buNone/>
             </a:pPr>
             <a:fld id="{B9320F77-B9A0-41C5-862A-B4B631284C64}" type="datetime1">
-              <a:rPr lang="ko-KR" altLang="en-US" sz="1200" b="0" cap="none" dirty="0" smtClean="0">
+              <a:rPr lang="ko-KR" altLang="en-US" sz="1200" b="0" cap="none" smtClean="0">
                 <a:solidFill>
                   <a:srgbClr val="898989"/>
                 </a:solidFill>
@@ -3979,7 +3979,7 @@
               </a:pPr>
               <a:t>2020-05-25</a:t>
             </a:fld>
-            <a:endParaRPr lang="ko-KR" altLang="en-US" sz="1200" b="0" cap="none" dirty="0" smtClean="0">
+            <a:endParaRPr lang="ko-KR" altLang="en-US" sz="1200" b="0" cap="none" smtClean="0">
               <a:solidFill>
                 <a:srgbClr val="898989"/>
               </a:solidFill>
@@ -4027,7 +4027,7 @@
               <a:buFontTx/>
               <a:buNone/>
             </a:pPr>
-            <a:endParaRPr lang="ko-KR" altLang="en-US" sz="1200" b="0" cap="none" dirty="0" smtClean="0">
+            <a:endParaRPr lang="ko-KR" altLang="en-US" sz="1200" b="0" cap="none" smtClean="0">
               <a:solidFill>
                 <a:srgbClr val="898989"/>
               </a:solidFill>
@@ -4043,7 +4043,7 @@
     <a:masterClrMapping/>
   </p:clrMapOvr>
   <mc:AlternateContent xmlns:mc="http://schemas.openxmlformats.org/markup-compatibility/2006">
-    <mc:Choice xmlns:p14="http://schemas.microsoft.com/office/powerpoint/2010/main" xmlns="" Requires="p14">
+    <mc:Choice xmlns="" xmlns:p14="http://schemas.microsoft.com/office/powerpoint/2010/main" Requires="p14">
       <p:transition p14:dur="0"/>
     </mc:Choice>
     <mc:Fallback>
@@ -4411,7 +4411,7 @@
               <a:buNone/>
             </a:pPr>
             <a:fld id="{B9320F77-B9A0-41C5-862A-B4B631284C64}" type="slidenum">
-              <a:rPr lang="en-US" altLang="ko-KR" sz="1200" b="0" cap="none" dirty="0" smtClean="0">
+              <a:rPr lang="en-US" altLang="ko-KR" sz="1200" b="0" cap="none" smtClean="0">
                 <a:solidFill>
                   <a:srgbClr val="898989"/>
                 </a:solidFill>
@@ -4433,7 +4433,7 @@
               </a:pPr>
               <a:t>‹#›</a:t>
             </a:fld>
-            <a:endParaRPr lang="ko-KR" altLang="en-US" sz="1200" b="0" cap="none" dirty="0" smtClean="0">
+            <a:endParaRPr lang="ko-KR" altLang="en-US" sz="1200" b="0" cap="none" smtClean="0">
               <a:solidFill>
                 <a:srgbClr val="898989"/>
               </a:solidFill>
@@ -4482,7 +4482,7 @@
               <a:buNone/>
             </a:pPr>
             <a:fld id="{B9320F77-B9A0-41C5-862A-B4B631284C64}" type="datetime1">
-              <a:rPr lang="ko-KR" altLang="en-US" sz="1200" b="0" cap="none" dirty="0" smtClean="0">
+              <a:rPr lang="ko-KR" altLang="en-US" sz="1200" b="0" cap="none" smtClean="0">
                 <a:solidFill>
                   <a:srgbClr val="898989"/>
                 </a:solidFill>
@@ -4504,7 +4504,7 @@
               </a:pPr>
               <a:t>2020-05-25</a:t>
             </a:fld>
-            <a:endParaRPr lang="ko-KR" altLang="en-US" sz="1200" b="0" cap="none" dirty="0" smtClean="0">
+            <a:endParaRPr lang="ko-KR" altLang="en-US" sz="1200" b="0" cap="none" smtClean="0">
               <a:solidFill>
                 <a:srgbClr val="898989"/>
               </a:solidFill>
@@ -4552,7 +4552,7 @@
               <a:buFontTx/>
               <a:buNone/>
             </a:pPr>
-            <a:endParaRPr lang="ko-KR" altLang="en-US" sz="1200" b="0" cap="none" dirty="0" smtClean="0">
+            <a:endParaRPr lang="ko-KR" altLang="en-US" sz="1200" b="0" cap="none" smtClean="0">
               <a:solidFill>
                 <a:srgbClr val="898989"/>
               </a:solidFill>
@@ -4568,7 +4568,7 @@
     <a:masterClrMapping/>
   </p:clrMapOvr>
   <mc:AlternateContent xmlns:mc="http://schemas.openxmlformats.org/markup-compatibility/2006">
-    <mc:Choice xmlns:p14="http://schemas.microsoft.com/office/powerpoint/2010/main" xmlns="" Requires="p14">
+    <mc:Choice xmlns="" xmlns:p14="http://schemas.microsoft.com/office/powerpoint/2010/main" Requires="p14">
       <p:transition p14:dur="0"/>
     </mc:Choice>
     <mc:Fallback>
@@ -4750,7 +4750,7 @@
               <a:buNone/>
             </a:pPr>
             <a:r>
-              <a:rPr lang="en-US" altLang="ko-KR" sz="2000" b="0" cap="none" dirty="0" smtClean="0">
+              <a:rPr lang="en-US" altLang="ko-KR" sz="2000" b="0" cap="none" smtClean="0">
                 <a:solidFill>
                   <a:schemeClr val="tx1"/>
                 </a:solidFill>
@@ -4759,7 +4759,7 @@
               </a:rPr>
               <a:t>그림</a:t>
             </a:r>
-            <a:endParaRPr lang="ko-KR" altLang="en-US" sz="2000" b="0" cap="none" dirty="0" smtClean="0">
+            <a:endParaRPr lang="ko-KR" altLang="en-US" sz="2000" b="0" cap="none" smtClean="0">
               <a:solidFill>
                 <a:schemeClr val="tx1"/>
               </a:solidFill>
@@ -4808,7 +4808,7 @@
               <a:buNone/>
             </a:pPr>
             <a:fld id="{B9320F77-B9A0-41C5-862A-B4B631284C64}" type="slidenum">
-              <a:rPr lang="en-US" altLang="ko-KR" sz="1200" b="0" cap="none" dirty="0" smtClean="0">
+              <a:rPr lang="en-US" altLang="ko-KR" sz="1200" b="0" cap="none" smtClean="0">
                 <a:solidFill>
                   <a:srgbClr val="898989"/>
                 </a:solidFill>
@@ -4830,7 +4830,7 @@
               </a:pPr>
               <a:t>‹#›</a:t>
             </a:fld>
-            <a:endParaRPr lang="ko-KR" altLang="en-US" sz="1200" b="0" cap="none" dirty="0" smtClean="0">
+            <a:endParaRPr lang="ko-KR" altLang="en-US" sz="1200" b="0" cap="none" smtClean="0">
               <a:solidFill>
                 <a:srgbClr val="898989"/>
               </a:solidFill>
@@ -4879,7 +4879,7 @@
               <a:buNone/>
             </a:pPr>
             <a:fld id="{B9320F77-B9A0-41C5-862A-B4B631284C64}" type="datetime1">
-              <a:rPr lang="ko-KR" altLang="en-US" sz="1200" b="0" cap="none" dirty="0" smtClean="0">
+              <a:rPr lang="ko-KR" altLang="en-US" sz="1200" b="0" cap="none" smtClean="0">
                 <a:solidFill>
                   <a:srgbClr val="898989"/>
                 </a:solidFill>
@@ -4901,7 +4901,7 @@
               </a:pPr>
               <a:t>2020-05-25</a:t>
             </a:fld>
-            <a:endParaRPr lang="ko-KR" altLang="en-US" sz="1200" b="0" cap="none" dirty="0" smtClean="0">
+            <a:endParaRPr lang="ko-KR" altLang="en-US" sz="1200" b="0" cap="none" smtClean="0">
               <a:solidFill>
                 <a:srgbClr val="898989"/>
               </a:solidFill>
@@ -4949,7 +4949,7 @@
               <a:buFontTx/>
               <a:buNone/>
             </a:pPr>
-            <a:endParaRPr lang="ko-KR" altLang="en-US" sz="1200" b="0" cap="none" dirty="0" smtClean="0">
+            <a:endParaRPr lang="ko-KR" altLang="en-US" sz="1200" b="0" cap="none" smtClean="0">
               <a:solidFill>
                 <a:srgbClr val="898989"/>
               </a:solidFill>
@@ -4965,7 +4965,7 @@
     <a:masterClrMapping/>
   </p:clrMapOvr>
   <mc:AlternateContent xmlns:mc="http://schemas.openxmlformats.org/markup-compatibility/2006">
-    <mc:Choice xmlns:p14="http://schemas.microsoft.com/office/powerpoint/2010/main" xmlns="" Requires="p14">
+    <mc:Choice xmlns="" xmlns:p14="http://schemas.microsoft.com/office/powerpoint/2010/main" Requires="p14">
       <p:transition p14:dur="0"/>
     </mc:Choice>
     <mc:Fallback>
@@ -5283,7 +5283,7 @@
               <a:buNone/>
             </a:pPr>
             <a:fld id="{B9320F77-B9A0-41C5-862A-B4B631284C64}" type="slidenum">
-              <a:rPr lang="en-US" altLang="ko-KR" sz="1200" b="0" cap="none" dirty="0" smtClean="0">
+              <a:rPr lang="en-US" altLang="ko-KR" sz="1200" b="0" cap="none" smtClean="0">
                 <a:solidFill>
                   <a:srgbClr val="898989"/>
                 </a:solidFill>
@@ -5305,7 +5305,7 @@
               </a:pPr>
               <a:t>‹#›</a:t>
             </a:fld>
-            <a:endParaRPr lang="ko-KR" altLang="en-US" sz="1800" b="0" cap="none" dirty="0" smtClean="0">
+            <a:endParaRPr lang="ko-KR" altLang="en-US" sz="1800" b="0" cap="none" smtClean="0">
               <a:solidFill>
                 <a:schemeClr val="tx1"/>
               </a:solidFill>
@@ -5354,7 +5354,7 @@
               <a:buNone/>
             </a:pPr>
             <a:fld id="{B9320F77-B9A0-41C5-862A-B4B631284C64}" type="datetime1">
-              <a:rPr lang="ko-KR" altLang="en-US" sz="1200" b="0" cap="none" dirty="0" smtClean="0">
+              <a:rPr lang="ko-KR" altLang="en-US" sz="1200" b="0" cap="none" smtClean="0">
                 <a:solidFill>
                   <a:srgbClr val="898989"/>
                 </a:solidFill>
@@ -5376,7 +5376,7 @@
               </a:pPr>
               <a:t>2020-05-25</a:t>
             </a:fld>
-            <a:endParaRPr lang="ko-KR" altLang="en-US" sz="1800" b="0" cap="none" dirty="0" smtClean="0">
+            <a:endParaRPr lang="ko-KR" altLang="en-US" sz="1800" b="0" cap="none" smtClean="0">
               <a:solidFill>
                 <a:schemeClr val="tx1"/>
               </a:solidFill>
@@ -5424,7 +5424,7 @@
               <a:buFontTx/>
               <a:buNone/>
             </a:pPr>
-            <a:endParaRPr lang="ko-KR" altLang="en-US" sz="1200" b="0" cap="none" dirty="0" smtClean="0">
+            <a:endParaRPr lang="ko-KR" altLang="en-US" sz="1200" b="0" cap="none" smtClean="0">
               <a:solidFill>
                 <a:srgbClr val="898989"/>
               </a:solidFill>
@@ -5451,7 +5451,7 @@
     <p:sldLayoutId id="2147483661" r:id="rId11"/>
   </p:sldLayoutIdLst>
   <mc:AlternateContent xmlns:mc="http://schemas.openxmlformats.org/markup-compatibility/2006">
-    <mc:Choice xmlns:p14="http://schemas.microsoft.com/office/powerpoint/2010/main" xmlns="" Requires="p14">
+    <mc:Choice xmlns="" xmlns:p14="http://schemas.microsoft.com/office/powerpoint/2010/main" Requires="p14">
       <p:transition p14:dur="0"/>
     </mc:Choice>
     <mc:Fallback>
@@ -5557,7 +5557,7 @@
           <p:nvPr>
             <p:extLst>
               <p:ext uri="{D42A27DB-BD31-4B8C-83A1-F6EECF244321}">
-                <p14:modId xmlns:p14="http://schemas.microsoft.com/office/powerpoint/2010/main" xmlns="" val="2514949366"/>
+                <p14:modId xmlns="" xmlns:p14="http://schemas.microsoft.com/office/powerpoint/2010/main" val="2514949366"/>
               </p:ext>
             </p:extLst>
           </p:nvPr>
@@ -5576,42 +5576,42 @@
                 <a:gridCol w="1840576">
                   <a:extLst>
                     <a:ext uri="{9D8B030D-6E8A-4147-A177-3AD203B41FA5}">
-                      <a16:colId xmlns:a16="http://schemas.microsoft.com/office/drawing/2014/main" xmlns="" val="20000"/>
+                      <a16:colId xmlns="" xmlns:a16="http://schemas.microsoft.com/office/drawing/2014/main" val="20000"/>
                     </a:ext>
                   </a:extLst>
                 </a:gridCol>
                 <a:gridCol w="2927856">
                   <a:extLst>
                     <a:ext uri="{9D8B030D-6E8A-4147-A177-3AD203B41FA5}">
-                      <a16:colId xmlns:a16="http://schemas.microsoft.com/office/drawing/2014/main" xmlns="" val="20001"/>
+                      <a16:colId xmlns="" xmlns:a16="http://schemas.microsoft.com/office/drawing/2014/main" val="20001"/>
                     </a:ext>
                   </a:extLst>
                 </a:gridCol>
                 <a:gridCol w="1448009">
                   <a:extLst>
                     <a:ext uri="{9D8B030D-6E8A-4147-A177-3AD203B41FA5}">
-                      <a16:colId xmlns:a16="http://schemas.microsoft.com/office/drawing/2014/main" xmlns="" val="20002"/>
+                      <a16:colId xmlns="" xmlns:a16="http://schemas.microsoft.com/office/drawing/2014/main" val="20002"/>
                     </a:ext>
                   </a:extLst>
                 </a:gridCol>
                 <a:gridCol w="2570627">
                   <a:extLst>
                     <a:ext uri="{9D8B030D-6E8A-4147-A177-3AD203B41FA5}">
-                      <a16:colId xmlns:a16="http://schemas.microsoft.com/office/drawing/2014/main" xmlns="" val="20003"/>
+                      <a16:colId xmlns="" xmlns:a16="http://schemas.microsoft.com/office/drawing/2014/main" val="20003"/>
                     </a:ext>
                   </a:extLst>
                 </a:gridCol>
                 <a:gridCol w="1644650">
                   <a:extLst>
                     <a:ext uri="{9D8B030D-6E8A-4147-A177-3AD203B41FA5}">
-                      <a16:colId xmlns:a16="http://schemas.microsoft.com/office/drawing/2014/main" xmlns="" val="20004"/>
+                      <a16:colId xmlns="" xmlns:a16="http://schemas.microsoft.com/office/drawing/2014/main" val="20004"/>
                     </a:ext>
                   </a:extLst>
                 </a:gridCol>
                 <a:gridCol w="1295399">
                   <a:extLst>
                     <a:ext uri="{9D8B030D-6E8A-4147-A177-3AD203B41FA5}">
-                      <a16:colId xmlns:a16="http://schemas.microsoft.com/office/drawing/2014/main" xmlns="" val="20006"/>
+                      <a16:colId xmlns="" xmlns:a16="http://schemas.microsoft.com/office/drawing/2014/main" val="20006"/>
                     </a:ext>
                   </a:extLst>
                 </a:gridCol>
@@ -5626,7 +5626,7 @@
                         <a:defRPr lang="ko-KR" altLang="en-US"/>
                       </a:pPr>
                       <a:r>
-                        <a:rPr lang="ko-KR" altLang="en-US" sz="1000" b="0" dirty="0" smtClean="0">
+                        <a:rPr lang="ko-KR" altLang="en-US" sz="1000" b="0" smtClean="0">
                           <a:solidFill>
                             <a:schemeClr val="tx1"/>
                           </a:solidFill>
@@ -5635,7 +5635,7 @@
                         </a:rPr>
                         <a:t>프로젝트 명 </a:t>
                       </a:r>
-                      <a:endParaRPr lang="ko-KR" altLang="en-US" sz="1000" b="0" dirty="0">
+                      <a:endParaRPr lang="ko-KR" altLang="en-US" sz="1000" b="0">
                         <a:solidFill>
                           <a:schemeClr val="tx1"/>
                         </a:solidFill>
@@ -5697,7 +5697,7 @@
                         <a:defRPr lang="ko-KR" altLang="en-US"/>
                       </a:pPr>
                       <a:r>
-                        <a:rPr lang="en-US" altLang="ko-KR" sz="1000" b="0" dirty="0" err="1" smtClean="0">
+                        <a:rPr lang="en-US" altLang="ko-KR" sz="1000" b="0" err="1" smtClean="0">
                           <a:solidFill>
                             <a:schemeClr val="tx1"/>
                           </a:solidFill>
@@ -5706,7 +5706,7 @@
                         </a:rPr>
                         <a:t>mediQ</a:t>
                       </a:r>
-                      <a:endParaRPr lang="ko-KR" altLang="en-US" sz="1000" b="0" dirty="0">
+                      <a:endParaRPr lang="ko-KR" altLang="en-US" sz="1000" b="0">
                         <a:solidFill>
                           <a:schemeClr val="tx1"/>
                         </a:solidFill>
@@ -5764,7 +5764,7 @@
                         <a:defRPr lang="ko-KR" altLang="en-US"/>
                       </a:pPr>
                       <a:r>
-                        <a:rPr lang="ko-KR" altLang="en-US" sz="1000" b="0" dirty="0" smtClean="0">
+                        <a:rPr lang="ko-KR" altLang="en-US" sz="1000" b="0" smtClean="0">
                           <a:solidFill>
                             <a:schemeClr val="tx1"/>
                           </a:solidFill>
@@ -5773,7 +5773,7 @@
                         </a:rPr>
                         <a:t>페이지 명</a:t>
                       </a:r>
-                      <a:endParaRPr lang="ko-KR" altLang="en-US" sz="1000" b="0" dirty="0">
+                      <a:endParaRPr lang="ko-KR" altLang="en-US" sz="1000" b="0">
                         <a:solidFill>
                           <a:schemeClr val="tx1"/>
                         </a:solidFill>
@@ -5835,7 +5835,7 @@
                         <a:defRPr lang="ko-KR" altLang="en-US"/>
                       </a:pPr>
                       <a:r>
-                        <a:rPr lang="ko-KR" altLang="en-US" sz="1000" b="0" dirty="0" smtClean="0">
+                        <a:rPr lang="ko-KR" altLang="en-US" sz="1000" b="0" smtClean="0">
                           <a:solidFill>
                             <a:schemeClr val="tx1"/>
                           </a:solidFill>
@@ -5844,7 +5844,7 @@
                         </a:rPr>
                         <a:t>의약품 승인 품목 조회</a:t>
                       </a:r>
-                      <a:endParaRPr lang="ko-KR" altLang="en-US" sz="1000" b="0" dirty="0">
+                      <a:endParaRPr lang="ko-KR" altLang="en-US" sz="1000" b="0">
                         <a:solidFill>
                           <a:schemeClr val="tx1"/>
                         </a:solidFill>
@@ -5902,7 +5902,7 @@
                         <a:defRPr lang="ko-KR" altLang="en-US"/>
                       </a:pPr>
                       <a:r>
-                        <a:rPr lang="ko-KR" altLang="en-US" sz="1000" b="0" dirty="0" smtClean="0">
+                        <a:rPr lang="ko-KR" altLang="en-US" sz="1000" b="0" smtClean="0">
                           <a:solidFill>
                             <a:schemeClr val="tx1"/>
                           </a:solidFill>
@@ -5911,7 +5911,7 @@
                         </a:rPr>
                         <a:t>작성자</a:t>
                       </a:r>
-                      <a:endParaRPr lang="ko-KR" altLang="en-US" sz="1000" b="0" dirty="0">
+                      <a:endParaRPr lang="ko-KR" altLang="en-US" sz="1000" b="0">
                         <a:solidFill>
                           <a:schemeClr val="tx1"/>
                         </a:solidFill>
@@ -5973,7 +5973,7 @@
                         <a:defRPr lang="ko-KR" altLang="en-US"/>
                       </a:pPr>
                       <a:r>
-                        <a:rPr lang="ko-KR" altLang="en-US" sz="1000" b="0" dirty="0" smtClean="0">
+                        <a:rPr lang="ko-KR" altLang="en-US" sz="1000" b="0" smtClean="0">
                           <a:solidFill>
                             <a:schemeClr val="tx1"/>
                           </a:solidFill>
@@ -5982,7 +5982,7 @@
                         </a:rPr>
                         <a:t>박종수</a:t>
                       </a:r>
-                      <a:endParaRPr lang="ko-KR" altLang="en-US" sz="1000" b="0" dirty="0">
+                      <a:endParaRPr lang="ko-KR" altLang="en-US" sz="1000" b="0">
                         <a:solidFill>
                           <a:schemeClr val="tx1"/>
                         </a:solidFill>
@@ -6035,7 +6035,7 @@
                 </a:tc>
                 <a:extLst>
                   <a:ext uri="{0D108BD9-81ED-4DB2-BD59-A6C34878D82A}">
-                    <a16:rowId xmlns:a16="http://schemas.microsoft.com/office/drawing/2014/main" xmlns="" val="10000"/>
+                    <a16:rowId xmlns="" xmlns:a16="http://schemas.microsoft.com/office/drawing/2014/main" val="10000"/>
                   </a:ext>
                 </a:extLst>
               </a:tr>
@@ -6067,7 +6067,7 @@
                 <a:gridCol w="8783894">
                   <a:extLst>
                     <a:ext uri="{9D8B030D-6E8A-4147-A177-3AD203B41FA5}">
-                      <a16:colId xmlns:a16="http://schemas.microsoft.com/office/drawing/2014/main" xmlns="" val="20000"/>
+                      <a16:colId xmlns="" xmlns:a16="http://schemas.microsoft.com/office/drawing/2014/main" val="20000"/>
                     </a:ext>
                   </a:extLst>
                 </a:gridCol>
@@ -6083,7 +6083,7 @@
                         <a:defRPr lang="ko-KR" altLang="en-US"/>
                       </a:pPr>
                       <a:r>
-                        <a:rPr lang="ko-KR" altLang="en-US" sz="1000" b="0" dirty="0" smtClean="0">
+                        <a:rPr lang="ko-KR" altLang="en-US" sz="1000" b="0" smtClean="0">
                           <a:solidFill>
                             <a:schemeClr val="tx1"/>
                           </a:solidFill>
@@ -6092,7 +6092,7 @@
                         </a:rPr>
                         <a:t>화면 구성</a:t>
                       </a:r>
-                      <a:endParaRPr lang="ko-KR" altLang="en-US" sz="1000" b="0" dirty="0">
+                      <a:endParaRPr lang="ko-KR" altLang="en-US" sz="1000" b="0">
                         <a:solidFill>
                           <a:schemeClr val="tx1"/>
                         </a:solidFill>
@@ -6158,7 +6158,7 @@
                         <a:defRPr lang="ko-KR" altLang="en-US"/>
                       </a:pPr>
                       <a:r>
-                        <a:rPr lang="ko-KR" altLang="en-US" sz="1000" b="0" dirty="0" smtClean="0">
+                        <a:rPr lang="ko-KR" altLang="en-US" sz="1000" b="0" smtClean="0">
                           <a:solidFill>
                             <a:schemeClr val="tx1"/>
                           </a:solidFill>
@@ -6167,7 +6167,7 @@
                         </a:rPr>
                         <a:t>화면 설명</a:t>
                       </a:r>
-                      <a:endParaRPr lang="ko-KR" altLang="en-US" sz="1000" b="0" dirty="0">
+                      <a:endParaRPr lang="ko-KR" altLang="en-US" sz="1000" b="0">
                         <a:solidFill>
                           <a:schemeClr val="tx1"/>
                         </a:solidFill>
@@ -6224,7 +6224,7 @@
                 </a:tc>
                 <a:extLst>
                   <a:ext uri="{0D108BD9-81ED-4DB2-BD59-A6C34878D82A}">
-                    <a16:rowId xmlns:a16="http://schemas.microsoft.com/office/drawing/2014/main" xmlns="" val="10000"/>
+                    <a16:rowId xmlns="" xmlns:a16="http://schemas.microsoft.com/office/drawing/2014/main" val="10000"/>
                   </a:ext>
                 </a:extLst>
               </a:tr>
@@ -6237,7 +6237,7 @@
                       <a:pPr algn="ctr" latinLnBrk="1">
                         <a:defRPr lang="ko-KR" altLang="en-US"/>
                       </a:pPr>
-                      <a:endParaRPr lang="ko-KR" altLang="en-US" sz="1000" b="0" dirty="0">
+                      <a:endParaRPr lang="ko-KR" altLang="en-US" sz="1000" b="0">
                         <a:solidFill>
                           <a:schemeClr val="tx1"/>
                         </a:solidFill>
@@ -6298,7 +6298,7 @@
                       <a:pPr algn="ctr" latinLnBrk="1">
                         <a:defRPr lang="ko-KR" altLang="en-US"/>
                       </a:pPr>
-                      <a:endParaRPr lang="ko-KR" altLang="en-US" sz="1000" b="0" dirty="0">
+                      <a:endParaRPr lang="ko-KR" altLang="en-US" sz="1000" b="0">
                         <a:solidFill>
                           <a:schemeClr val="tx1"/>
                         </a:solidFill>
@@ -6368,7 +6368,7 @@
           <a:blip r:embed="rId2" cstate="print">
             <a:extLst>
               <a:ext uri="{28A0092B-C50C-407E-A947-70E740481C1C}">
-                <a14:useLocalDpi xmlns:a14="http://schemas.microsoft.com/office/drawing/2010/main" xmlns="" val="0"/>
+                <a14:useLocalDpi xmlns="" xmlns:a14="http://schemas.microsoft.com/office/drawing/2010/main" val="0"/>
               </a:ext>
             </a:extLst>
           </a:blip>
@@ -6467,274 +6467,274 @@
           <a:p>
             <a:pPr marL="228600" indent="-228600"/>
             <a:r>
-              <a:rPr lang="en-US" altLang="ko-KR" sz="1000" dirty="0" smtClean="0"/>
+              <a:rPr lang="en-US" altLang="ko-KR" sz="1000" smtClean="0"/>
               <a:t>1. </a:t>
             </a:r>
             <a:r>
-              <a:rPr lang="ko-KR" altLang="en-US" sz="1000" dirty="0" smtClean="0"/>
+              <a:rPr lang="ko-KR" altLang="en-US" sz="1000" smtClean="0"/>
               <a:t>의약품 허가 품목 검색 페이지</a:t>
             </a:r>
-            <a:endParaRPr lang="en-US" altLang="ko-KR" sz="1000" dirty="0" smtClean="0"/>
+            <a:endParaRPr lang="en-US" altLang="ko-KR" sz="1000" smtClean="0"/>
           </a:p>
           <a:p>
             <a:pPr marL="228600" indent="-228600">
               <a:buAutoNum type="arabicPeriod"/>
             </a:pPr>
-            <a:endParaRPr lang="en-US" altLang="ko-KR" sz="1000" dirty="0" smtClean="0"/>
-          </a:p>
-          <a:p>
-            <a:r>
-              <a:rPr lang="en-US" altLang="ko-KR" sz="1000" dirty="0" smtClean="0"/>
+            <a:endParaRPr lang="en-US" altLang="ko-KR" sz="1000" smtClean="0"/>
+          </a:p>
+          <a:p>
+            <a:r>
+              <a:rPr lang="en-US" altLang="ko-KR" sz="1000" smtClean="0"/>
               <a:t>2. </a:t>
             </a:r>
             <a:r>
-              <a:rPr lang="ko-KR" altLang="en-US" sz="1000" dirty="0" smtClean="0"/>
+              <a:rPr lang="ko-KR" altLang="en-US" sz="1000" smtClean="0"/>
               <a:t>승인 의약품 검색</a:t>
             </a:r>
-            <a:endParaRPr lang="en-US" altLang="ko-KR" sz="1000" dirty="0" smtClean="0"/>
-          </a:p>
-          <a:p>
-            <a:r>
-              <a:rPr lang="en-US" altLang="ko-KR" sz="1000" dirty="0" smtClean="0"/>
+            <a:endParaRPr lang="en-US" altLang="ko-KR" sz="1000" smtClean="0"/>
+          </a:p>
+          <a:p>
+            <a:r>
+              <a:rPr lang="en-US" altLang="ko-KR" sz="1000" smtClean="0"/>
               <a:t>   </a:t>
             </a:r>
             <a:r>
-              <a:rPr lang="ko-KR" altLang="en-US" sz="1000" dirty="0" smtClean="0"/>
+              <a:rPr lang="ko-KR" altLang="en-US" sz="1000" smtClean="0"/>
               <a:t>품목명을 이용하여 승인된 의약품을 검색</a:t>
             </a:r>
             <a:r>
-              <a:rPr lang="en-US" altLang="ko-KR" sz="1000" dirty="0" smtClean="0"/>
+              <a:rPr lang="en-US" altLang="ko-KR" sz="1000" smtClean="0"/>
               <a:t>, </a:t>
             </a:r>
             <a:r>
-              <a:rPr lang="ko-KR" altLang="en-US" sz="1000" dirty="0" smtClean="0"/>
+              <a:rPr lang="ko-KR" altLang="en-US" sz="1000" smtClean="0"/>
               <a:t>업</a:t>
             </a:r>
-            <a:endParaRPr lang="en-US" altLang="ko-KR" sz="1000" dirty="0" smtClean="0"/>
-          </a:p>
-          <a:p>
-            <a:r>
-              <a:rPr lang="en-US" altLang="ko-KR" sz="1000" dirty="0" smtClean="0"/>
+            <a:endParaRPr lang="en-US" altLang="ko-KR" sz="1000" smtClean="0"/>
+          </a:p>
+          <a:p>
+            <a:r>
+              <a:rPr lang="en-US" altLang="ko-KR" sz="1000" smtClean="0"/>
               <a:t>   </a:t>
             </a:r>
             <a:r>
-              <a:rPr lang="ko-KR" altLang="en-US" sz="1000" dirty="0" err="1" smtClean="0"/>
+              <a:rPr lang="ko-KR" altLang="en-US" sz="1000" err="1" smtClean="0"/>
               <a:t>체명</a:t>
             </a:r>
             <a:r>
-              <a:rPr lang="en-US" altLang="ko-KR" sz="1000" dirty="0" smtClean="0"/>
+              <a:rPr lang="en-US" altLang="ko-KR" sz="1000" smtClean="0"/>
               <a:t>, </a:t>
             </a:r>
             <a:r>
-              <a:rPr lang="ko-KR" altLang="en-US" sz="1000" dirty="0" smtClean="0"/>
+              <a:rPr lang="ko-KR" altLang="en-US" sz="1000" smtClean="0"/>
               <a:t>품목명</a:t>
             </a:r>
             <a:r>
-              <a:rPr lang="en-US" altLang="ko-KR" sz="1000" dirty="0" smtClean="0"/>
+              <a:rPr lang="en-US" altLang="ko-KR" sz="1000" smtClean="0"/>
               <a:t>, </a:t>
             </a:r>
             <a:r>
-              <a:rPr lang="ko-KR" altLang="en-US" sz="1000" dirty="0" smtClean="0"/>
+              <a:rPr lang="ko-KR" altLang="en-US" sz="1000" smtClean="0"/>
               <a:t>전문일반</a:t>
             </a:r>
             <a:r>
-              <a:rPr lang="en-US" altLang="ko-KR" sz="1000" dirty="0" smtClean="0"/>
+              <a:rPr lang="en-US" altLang="ko-KR" sz="1000" smtClean="0"/>
               <a:t>, </a:t>
             </a:r>
             <a:r>
-              <a:rPr lang="ko-KR" altLang="en-US" sz="1000" dirty="0" smtClean="0"/>
+              <a:rPr lang="ko-KR" altLang="en-US" sz="1000" smtClean="0"/>
               <a:t>승인일자를 출력 받을 </a:t>
             </a:r>
-            <a:endParaRPr lang="en-US" altLang="ko-KR" sz="1000" dirty="0" smtClean="0"/>
-          </a:p>
-          <a:p>
-            <a:r>
-              <a:rPr lang="en-US" altLang="ko-KR" sz="1000" dirty="0" smtClean="0"/>
+            <a:endParaRPr lang="en-US" altLang="ko-KR" sz="1000" smtClean="0"/>
+          </a:p>
+          <a:p>
+            <a:r>
+              <a:rPr lang="en-US" altLang="ko-KR" sz="1000" smtClean="0"/>
               <a:t>   </a:t>
             </a:r>
             <a:r>
-              <a:rPr lang="ko-KR" altLang="en-US" sz="1000" dirty="0" smtClean="0"/>
+              <a:rPr lang="ko-KR" altLang="en-US" sz="1000" smtClean="0"/>
               <a:t>수 있다</a:t>
             </a:r>
             <a:r>
-              <a:rPr lang="en-US" altLang="ko-KR" sz="1000" dirty="0" smtClean="0"/>
+              <a:rPr lang="en-US" altLang="ko-KR" sz="1000" smtClean="0"/>
               <a:t>.</a:t>
             </a:r>
           </a:p>
           <a:p>
-            <a:endParaRPr lang="en-US" altLang="ko-KR" sz="1000" dirty="0" smtClean="0"/>
-          </a:p>
-          <a:p>
-            <a:r>
-              <a:rPr lang="en-US" altLang="ko-KR" sz="1000" dirty="0" smtClean="0"/>
+            <a:endParaRPr lang="en-US" altLang="ko-KR" sz="1000" smtClean="0"/>
+          </a:p>
+          <a:p>
+            <a:r>
+              <a:rPr lang="en-US" altLang="ko-KR" sz="1000" smtClean="0"/>
               <a:t>3. </a:t>
             </a:r>
             <a:r>
-              <a:rPr lang="ko-KR" altLang="en-US" sz="1000" dirty="0" smtClean="0"/>
+              <a:rPr lang="ko-KR" altLang="en-US" sz="1000" smtClean="0"/>
               <a:t>승인 의약품 출력</a:t>
             </a:r>
-            <a:endParaRPr lang="en-US" altLang="ko-KR" sz="1000" dirty="0" smtClean="0"/>
-          </a:p>
-          <a:p>
-            <a:r>
-              <a:rPr lang="en-US" altLang="ko-KR" sz="1000" dirty="0" smtClean="0"/>
+            <a:endParaRPr lang="en-US" altLang="ko-KR" sz="1000" smtClean="0"/>
+          </a:p>
+          <a:p>
+            <a:r>
+              <a:rPr lang="en-US" altLang="ko-KR" sz="1000" smtClean="0"/>
               <a:t>   </a:t>
             </a:r>
             <a:r>
-              <a:rPr lang="ko-KR" altLang="en-US" sz="1000" dirty="0" smtClean="0"/>
+              <a:rPr lang="ko-KR" altLang="en-US" sz="1000" smtClean="0"/>
               <a:t>품목명으로 검색된 의약품을 </a:t>
             </a:r>
             <a:r>
-              <a:rPr lang="ko-KR" altLang="en-US" sz="1000" dirty="0" err="1" smtClean="0"/>
+              <a:rPr lang="ko-KR" altLang="en-US" sz="1000" err="1" smtClean="0"/>
               <a:t>업체명</a:t>
             </a:r>
             <a:r>
-              <a:rPr lang="en-US" altLang="ko-KR" sz="1000" dirty="0" smtClean="0"/>
+              <a:rPr lang="en-US" altLang="ko-KR" sz="1000" smtClean="0"/>
               <a:t>, </a:t>
             </a:r>
             <a:r>
-              <a:rPr lang="ko-KR" altLang="en-US" sz="1000" dirty="0" smtClean="0"/>
+              <a:rPr lang="ko-KR" altLang="en-US" sz="1000" smtClean="0"/>
               <a:t>품목명</a:t>
             </a:r>
             <a:r>
-              <a:rPr lang="en-US" altLang="ko-KR" sz="1000" dirty="0" smtClean="0"/>
+              <a:rPr lang="en-US" altLang="ko-KR" sz="1000" smtClean="0"/>
               <a:t>, </a:t>
             </a:r>
           </a:p>
           <a:p>
             <a:r>
-              <a:rPr lang="en-US" altLang="ko-KR" sz="1000" dirty="0" smtClean="0"/>
+              <a:rPr lang="en-US" altLang="ko-KR" sz="1000" smtClean="0"/>
               <a:t>   </a:t>
             </a:r>
             <a:r>
-              <a:rPr lang="ko-KR" altLang="en-US" sz="1000" dirty="0" smtClean="0"/>
+              <a:rPr lang="ko-KR" altLang="en-US" sz="1000" smtClean="0"/>
               <a:t>전문일반</a:t>
             </a:r>
             <a:r>
-              <a:rPr lang="en-US" altLang="ko-KR" sz="1000" dirty="0" smtClean="0"/>
+              <a:rPr lang="en-US" altLang="ko-KR" sz="1000" smtClean="0"/>
               <a:t>, </a:t>
             </a:r>
             <a:r>
-              <a:rPr lang="ko-KR" altLang="en-US" sz="1000" dirty="0" smtClean="0"/>
+              <a:rPr lang="ko-KR" altLang="en-US" sz="1000" smtClean="0"/>
               <a:t>승인일자를 조회할 수 있다</a:t>
             </a:r>
             <a:r>
-              <a:rPr lang="en-US" altLang="ko-KR" sz="1000" dirty="0" smtClean="0"/>
+              <a:rPr lang="en-US" altLang="ko-KR" sz="1000" smtClean="0"/>
               <a:t>.</a:t>
             </a:r>
           </a:p>
           <a:p>
             <a:r>
-              <a:rPr lang="en-US" altLang="ko-KR" sz="1000" dirty="0" smtClean="0"/>
+              <a:rPr lang="en-US" altLang="ko-KR" sz="1000" smtClean="0"/>
               <a:t>   </a:t>
             </a:r>
             <a:r>
-              <a:rPr lang="ko-KR" altLang="en-US" sz="1000" dirty="0" smtClean="0"/>
+              <a:rPr lang="ko-KR" altLang="en-US" sz="1000" smtClean="0"/>
               <a:t>각 페이지는 </a:t>
             </a:r>
             <a:r>
-              <a:rPr lang="en-US" altLang="ko-KR" sz="1000" dirty="0" smtClean="0"/>
+              <a:rPr lang="en-US" altLang="ko-KR" sz="1000" smtClean="0"/>
               <a:t>10</a:t>
             </a:r>
             <a:r>
-              <a:rPr lang="ko-KR" altLang="en-US" sz="1000" dirty="0" smtClean="0"/>
+              <a:rPr lang="ko-KR" altLang="en-US" sz="1000" smtClean="0"/>
               <a:t>개의 게시물을 포함한다</a:t>
             </a:r>
             <a:r>
-              <a:rPr lang="en-US" altLang="ko-KR" sz="1000" dirty="0" smtClean="0"/>
+              <a:rPr lang="en-US" altLang="ko-KR" sz="1000" smtClean="0"/>
               <a:t>.</a:t>
             </a:r>
           </a:p>
           <a:p>
-            <a:endParaRPr lang="en-US" altLang="ko-KR" sz="1000" dirty="0" smtClean="0"/>
-          </a:p>
-          <a:p>
-            <a:r>
-              <a:rPr lang="en-US" altLang="ko-KR" sz="1000" dirty="0" smtClean="0"/>
+            <a:endParaRPr lang="en-US" altLang="ko-KR" sz="1000" smtClean="0"/>
+          </a:p>
+          <a:p>
+            <a:r>
+              <a:rPr lang="en-US" altLang="ko-KR" sz="1000" smtClean="0"/>
               <a:t>4. </a:t>
             </a:r>
             <a:r>
-              <a:rPr lang="ko-KR" altLang="en-US" sz="1000" dirty="0" smtClean="0"/>
+              <a:rPr lang="ko-KR" altLang="en-US" sz="1000" smtClean="0"/>
               <a:t>복용 시 주의사항</a:t>
             </a:r>
-            <a:endParaRPr lang="en-US" altLang="ko-KR" sz="1000" dirty="0" smtClean="0"/>
-          </a:p>
-          <a:p>
-            <a:r>
-              <a:rPr lang="ko-KR" altLang="en-US" sz="1000" dirty="0" smtClean="0"/>
+            <a:endParaRPr lang="en-US" altLang="ko-KR" sz="1000" smtClean="0"/>
+          </a:p>
+          <a:p>
+            <a:r>
+              <a:rPr lang="ko-KR" altLang="en-US" sz="1000" smtClean="0"/>
               <a:t>   리스트에 출력된 의약품 정보를 클릭할 시 의                                                     </a:t>
             </a:r>
             <a:r>
-              <a:rPr lang="en-US" altLang="ko-KR" sz="1000" dirty="0" smtClean="0"/>
+              <a:rPr lang="en-US" altLang="ko-KR" sz="1000" smtClean="0"/>
               <a:t>    </a:t>
             </a:r>
           </a:p>
           <a:p>
             <a:r>
-              <a:rPr lang="en-US" altLang="ko-KR" sz="1000" dirty="0" smtClean="0"/>
+              <a:rPr lang="en-US" altLang="ko-KR" sz="1000" smtClean="0"/>
               <a:t>   </a:t>
             </a:r>
             <a:r>
-              <a:rPr lang="ko-KR" altLang="en-US" sz="1000" dirty="0" smtClean="0"/>
+              <a:rPr lang="ko-KR" altLang="en-US" sz="1000" smtClean="0"/>
               <a:t>약품에 대한 세부 주의사항을 조회해 볼 수 </a:t>
             </a:r>
             <a:r>
-              <a:rPr lang="ko-KR" altLang="en-US" sz="1000" dirty="0" err="1" smtClean="0"/>
+              <a:rPr lang="ko-KR" altLang="en-US" sz="1000" err="1" smtClean="0"/>
               <a:t>있</a:t>
             </a:r>
-            <a:endParaRPr lang="en-US" altLang="ko-KR" sz="1000" dirty="0" smtClean="0"/>
-          </a:p>
-          <a:p>
-            <a:r>
-              <a:rPr lang="en-US" altLang="ko-KR" sz="1000" dirty="0" smtClean="0"/>
+            <a:endParaRPr lang="en-US" altLang="ko-KR" sz="1000" smtClean="0"/>
+          </a:p>
+          <a:p>
+            <a:r>
+              <a:rPr lang="en-US" altLang="ko-KR" sz="1000" smtClean="0"/>
               <a:t>   </a:t>
             </a:r>
             <a:r>
-              <a:rPr lang="ko-KR" altLang="en-US" sz="1000" dirty="0" smtClean="0"/>
+              <a:rPr lang="ko-KR" altLang="en-US" sz="1000" smtClean="0"/>
               <a:t>다</a:t>
             </a:r>
             <a:r>
-              <a:rPr lang="en-US" altLang="ko-KR" sz="1000" dirty="0" smtClean="0"/>
+              <a:rPr lang="en-US" altLang="ko-KR" sz="1000" smtClean="0"/>
               <a:t>.</a:t>
             </a:r>
           </a:p>
           <a:p>
-            <a:endParaRPr lang="en-US" altLang="ko-KR" sz="1000" dirty="0" smtClean="0"/>
-          </a:p>
-          <a:p>
-            <a:r>
-              <a:rPr lang="en-US" altLang="ko-KR" sz="1000" dirty="0" smtClean="0"/>
+            <a:endParaRPr lang="en-US" altLang="ko-KR" sz="1000" smtClean="0"/>
+          </a:p>
+          <a:p>
+            <a:r>
+              <a:rPr lang="en-US" altLang="ko-KR" sz="1000" smtClean="0"/>
               <a:t>5. </a:t>
             </a:r>
             <a:r>
-              <a:rPr lang="ko-KR" altLang="en-US" sz="1000" dirty="0" smtClean="0"/>
+              <a:rPr lang="ko-KR" altLang="en-US" sz="1000" smtClean="0"/>
               <a:t>페이지 이동</a:t>
             </a:r>
-            <a:endParaRPr lang="en-US" altLang="ko-KR" sz="1000" dirty="0" smtClean="0"/>
-          </a:p>
-          <a:p>
-            <a:r>
-              <a:rPr lang="ko-KR" altLang="en-US" sz="1000" dirty="0" smtClean="0"/>
+            <a:endParaRPr lang="en-US" altLang="ko-KR" sz="1000" smtClean="0"/>
+          </a:p>
+          <a:p>
+            <a:r>
+              <a:rPr lang="ko-KR" altLang="en-US" sz="1000" smtClean="0"/>
               <a:t>   현재 페이지의 번호를 명시하고 이전 및 다음</a:t>
             </a:r>
-            <a:endParaRPr lang="en-US" altLang="ko-KR" sz="1000" dirty="0" smtClean="0"/>
-          </a:p>
-          <a:p>
-            <a:r>
-              <a:rPr lang="en-US" altLang="ko-KR" sz="1000" dirty="0" smtClean="0"/>
+            <a:endParaRPr lang="en-US" altLang="ko-KR" sz="1000" smtClean="0"/>
+          </a:p>
+          <a:p>
+            <a:r>
+              <a:rPr lang="en-US" altLang="ko-KR" sz="1000" smtClean="0"/>
               <a:t>   </a:t>
             </a:r>
             <a:r>
-              <a:rPr lang="ko-KR" altLang="en-US" sz="1000" dirty="0" smtClean="0"/>
+              <a:rPr lang="ko-KR" altLang="en-US" sz="1000" smtClean="0"/>
               <a:t>페이지로 이동 가능한 부분</a:t>
             </a:r>
             <a:r>
-              <a:rPr lang="en-US" altLang="ko-KR" sz="1000" dirty="0" smtClean="0"/>
+              <a:rPr lang="en-US" altLang="ko-KR" sz="1000" smtClean="0"/>
               <a:t>.</a:t>
             </a:r>
           </a:p>
           <a:p>
-            <a:endParaRPr lang="ko-KR" altLang="en-US" sz="1000" dirty="0"/>
+            <a:endParaRPr lang="ko-KR" altLang="en-US" sz="1000"/>
           </a:p>
         </p:txBody>
       </p:sp>
@@ -6775,10 +6775,10 @@
           <a:p>
             <a:pPr algn="ctr"/>
             <a:r>
-              <a:rPr lang="en-US" altLang="ko-KR" dirty="0"/>
+              <a:rPr lang="en-US" altLang="ko-KR"/>
               <a:t>1</a:t>
             </a:r>
-            <a:endParaRPr lang="ko-KR" altLang="en-US" dirty="0"/>
+            <a:endParaRPr lang="ko-KR" altLang="en-US"/>
           </a:p>
         </p:txBody>
       </p:sp>
@@ -6819,10 +6819,10 @@
           <a:p>
             <a:pPr algn="ctr"/>
             <a:r>
-              <a:rPr lang="en-US" altLang="ko-KR" dirty="0" smtClean="0"/>
+              <a:rPr lang="en-US" altLang="ko-KR" smtClean="0"/>
               <a:t>2</a:t>
             </a:r>
-            <a:endParaRPr lang="ko-KR" altLang="en-US" dirty="0"/>
+            <a:endParaRPr lang="ko-KR" altLang="en-US"/>
           </a:p>
         </p:txBody>
       </p:sp>
@@ -6863,10 +6863,10 @@
           <a:p>
             <a:pPr algn="ctr"/>
             <a:r>
-              <a:rPr lang="en-US" altLang="ko-KR" dirty="0" smtClean="0"/>
+              <a:rPr lang="en-US" altLang="ko-KR" smtClean="0"/>
               <a:t>4</a:t>
             </a:r>
-            <a:endParaRPr lang="ko-KR" altLang="en-US" dirty="0"/>
+            <a:endParaRPr lang="ko-KR" altLang="en-US"/>
           </a:p>
         </p:txBody>
       </p:sp>
@@ -6907,10 +6907,10 @@
           <a:p>
             <a:pPr algn="ctr"/>
             <a:r>
-              <a:rPr lang="en-US" altLang="ko-KR" dirty="0"/>
+              <a:rPr lang="en-US" altLang="ko-KR"/>
               <a:t>5</a:t>
             </a:r>
-            <a:endParaRPr lang="ko-KR" altLang="en-US" dirty="0"/>
+            <a:endParaRPr lang="ko-KR" altLang="en-US"/>
           </a:p>
         </p:txBody>
       </p:sp>
@@ -6951,10 +6951,10 @@
           <a:p>
             <a:pPr algn="ctr"/>
             <a:r>
-              <a:rPr lang="en-US" altLang="ko-KR" dirty="0" smtClean="0"/>
+              <a:rPr lang="en-US" altLang="ko-KR" smtClean="0"/>
               <a:t>3</a:t>
             </a:r>
-            <a:endParaRPr lang="ko-KR" altLang="en-US" dirty="0"/>
+            <a:endParaRPr lang="ko-KR" altLang="en-US"/>
           </a:p>
         </p:txBody>
       </p:sp>
@@ -6987,10 +6987,10 @@
                     <a:p>
                       <a:pPr algn="ctr" latinLnBrk="1"/>
                       <a:r>
-                        <a:rPr lang="ko-KR" altLang="en-US" sz="1200" dirty="0" smtClean="0"/>
+                        <a:rPr lang="ko-KR" altLang="en-US" sz="1200" smtClean="0"/>
                         <a:t>경로</a:t>
                       </a:r>
-                      <a:endParaRPr lang="ko-KR" altLang="en-US" sz="1200" dirty="0"/>
+                      <a:endParaRPr lang="ko-KR" altLang="en-US" sz="1200"/>
                     </a:p>
                   </a:txBody>
                   <a:tcPr/>
@@ -7004,10 +7004,10 @@
                     <a:p>
                       <a:pPr latinLnBrk="1"/>
                       <a:r>
-                        <a:rPr lang="en-US" altLang="ko-KR" sz="1200" dirty="0" smtClean="0"/>
+                        <a:rPr lang="en-US" altLang="ko-KR" sz="1200" smtClean="0"/>
                         <a:t>Request</a:t>
                       </a:r>
-                      <a:endParaRPr lang="ko-KR" altLang="en-US" sz="1200" dirty="0"/>
+                      <a:endParaRPr lang="ko-KR" altLang="en-US" sz="1200"/>
                     </a:p>
                   </a:txBody>
                   <a:tcPr/>
@@ -7037,14 +7037,14 @@
                         <a:defRPr/>
                       </a:pPr>
                       <a:r>
-                        <a:rPr lang="en-US" altLang="ko-KR" sz="1200" dirty="0" smtClean="0"/>
+                        <a:rPr lang="en-US" altLang="ko-KR" sz="1200" smtClean="0"/>
                         <a:t>/</a:t>
                       </a:r>
                       <a:r>
-                        <a:rPr lang="en-US" altLang="ko-KR" sz="1200" dirty="0" err="1" smtClean="0"/>
+                        <a:rPr lang="en-US" altLang="ko-KR" sz="1200" err="1" smtClean="0"/>
                         <a:t>recognize.do</a:t>
                       </a:r>
-                      <a:endParaRPr lang="ko-KR" altLang="en-US" sz="1200" dirty="0"/>
+                      <a:endParaRPr lang="ko-KR" altLang="en-US" sz="1200"/>
                     </a:p>
                   </a:txBody>
                   <a:tcPr/>
@@ -7058,10 +7058,10 @@
                     <a:p>
                       <a:pPr latinLnBrk="1"/>
                       <a:r>
-                        <a:rPr lang="en-US" altLang="ko-KR" sz="1200" dirty="0" smtClean="0"/>
+                        <a:rPr lang="en-US" altLang="ko-KR" sz="1200" smtClean="0"/>
                         <a:t>Controller</a:t>
                       </a:r>
-                      <a:endParaRPr lang="ko-KR" altLang="en-US" sz="1200" dirty="0"/>
+                      <a:endParaRPr lang="ko-KR" altLang="en-US" sz="1200"/>
                     </a:p>
                   </a:txBody>
                   <a:tcPr/>
@@ -7091,10 +7091,10 @@
                         <a:defRPr/>
                       </a:pPr>
                       <a:r>
-                        <a:rPr lang="en-US" altLang="ko-KR" sz="1200" dirty="0" err="1" smtClean="0"/>
+                        <a:rPr lang="en-US" altLang="ko-KR" sz="1200" err="1" smtClean="0"/>
                         <a:t>controller.RecognizeSearchController</a:t>
                       </a:r>
-                      <a:endParaRPr lang="ko-KR" altLang="en-US" sz="1200" dirty="0"/>
+                      <a:endParaRPr lang="ko-KR" altLang="en-US" sz="1200"/>
                     </a:p>
                   </a:txBody>
                   <a:tcPr/>
@@ -7108,10 +7108,10 @@
                     <a:p>
                       <a:pPr latinLnBrk="1"/>
                       <a:r>
-                        <a:rPr lang="en-US" altLang="ko-KR" sz="1200" dirty="0" smtClean="0"/>
+                        <a:rPr lang="en-US" altLang="ko-KR" sz="1200" smtClean="0"/>
                         <a:t>View</a:t>
                       </a:r>
-                      <a:endParaRPr lang="ko-KR" altLang="en-US" sz="1200" dirty="0"/>
+                      <a:endParaRPr lang="ko-KR" altLang="en-US" sz="1200"/>
                     </a:p>
                   </a:txBody>
                   <a:tcPr/>
@@ -7125,10 +7125,14 @@
                     <a:p>
                       <a:pPr latinLnBrk="1"/>
                       <a:r>
-                        <a:rPr lang="en-US" altLang="ko-KR" sz="1200" dirty="0" smtClean="0"/>
-                        <a:t>/view/product/Recognizelist.jsp</a:t>
+                        <a:rPr lang="en-US" altLang="ko-KR" sz="1200" smtClean="0"/>
+                        <a:t>/</a:t>
                       </a:r>
-                      <a:endParaRPr lang="ko-KR" altLang="en-US" sz="1200" dirty="0"/>
+                      <a:r>
+                        <a:rPr lang="en-US" altLang="ko-KR" sz="1200" smtClean="0"/>
+                        <a:t>view/product/Recognizelist.jsp</a:t>
+                      </a:r>
+                      <a:endParaRPr lang="ko-KR" altLang="en-US" sz="1200"/>
                     </a:p>
                   </a:txBody>
                   <a:tcPr/>
@@ -7141,7 +7145,7 @@
     </p:spTree>
     <p:extLst>
       <p:ext uri="{BB962C8B-B14F-4D97-AF65-F5344CB8AC3E}">
-        <p14:creationId xmlns:p14="http://schemas.microsoft.com/office/powerpoint/2010/main" xmlns="" val="3616575038"/>
+        <p14:creationId xmlns="" xmlns:p14="http://schemas.microsoft.com/office/powerpoint/2010/main" val="3616575038"/>
       </p:ext>
     </p:extLst>
   </p:cSld>
@@ -7185,7 +7189,7 @@
           <p:nvPr>
             <p:extLst>
               <p:ext uri="{D42A27DB-BD31-4B8C-83A1-F6EECF244321}">
-                <p14:modId xmlns:p14="http://schemas.microsoft.com/office/powerpoint/2010/main" xmlns="" val="858073333"/>
+                <p14:modId xmlns="" xmlns:p14="http://schemas.microsoft.com/office/powerpoint/2010/main" val="858073333"/>
               </p:ext>
             </p:extLst>
           </p:nvPr>
@@ -7204,42 +7208,42 @@
                 <a:gridCol w="1840576">
                   <a:extLst>
                     <a:ext uri="{9D8B030D-6E8A-4147-A177-3AD203B41FA5}">
-                      <a16:colId xmlns:a16="http://schemas.microsoft.com/office/drawing/2014/main" xmlns="" val="20000"/>
+                      <a16:colId xmlns="" xmlns:a16="http://schemas.microsoft.com/office/drawing/2014/main" val="20000"/>
                     </a:ext>
                   </a:extLst>
                 </a:gridCol>
                 <a:gridCol w="2927856">
                   <a:extLst>
                     <a:ext uri="{9D8B030D-6E8A-4147-A177-3AD203B41FA5}">
-                      <a16:colId xmlns:a16="http://schemas.microsoft.com/office/drawing/2014/main" xmlns="" val="20001"/>
+                      <a16:colId xmlns="" xmlns:a16="http://schemas.microsoft.com/office/drawing/2014/main" val="20001"/>
                     </a:ext>
                   </a:extLst>
                 </a:gridCol>
                 <a:gridCol w="1448009">
                   <a:extLst>
                     <a:ext uri="{9D8B030D-6E8A-4147-A177-3AD203B41FA5}">
-                      <a16:colId xmlns:a16="http://schemas.microsoft.com/office/drawing/2014/main" xmlns="" val="20002"/>
+                      <a16:colId xmlns="" xmlns:a16="http://schemas.microsoft.com/office/drawing/2014/main" val="20002"/>
                     </a:ext>
                   </a:extLst>
                 </a:gridCol>
                 <a:gridCol w="2570627">
                   <a:extLst>
                     <a:ext uri="{9D8B030D-6E8A-4147-A177-3AD203B41FA5}">
-                      <a16:colId xmlns:a16="http://schemas.microsoft.com/office/drawing/2014/main" xmlns="" val="20003"/>
+                      <a16:colId xmlns="" xmlns:a16="http://schemas.microsoft.com/office/drawing/2014/main" val="20003"/>
                     </a:ext>
                   </a:extLst>
                 </a:gridCol>
                 <a:gridCol w="1644650">
                   <a:extLst>
                     <a:ext uri="{9D8B030D-6E8A-4147-A177-3AD203B41FA5}">
-                      <a16:colId xmlns:a16="http://schemas.microsoft.com/office/drawing/2014/main" xmlns="" val="20004"/>
+                      <a16:colId xmlns="" xmlns:a16="http://schemas.microsoft.com/office/drawing/2014/main" val="20004"/>
                     </a:ext>
                   </a:extLst>
                 </a:gridCol>
                 <a:gridCol w="1295399">
                   <a:extLst>
                     <a:ext uri="{9D8B030D-6E8A-4147-A177-3AD203B41FA5}">
-                      <a16:colId xmlns:a16="http://schemas.microsoft.com/office/drawing/2014/main" xmlns="" val="20006"/>
+                      <a16:colId xmlns="" xmlns:a16="http://schemas.microsoft.com/office/drawing/2014/main" val="20006"/>
                     </a:ext>
                   </a:extLst>
                 </a:gridCol>
@@ -7254,7 +7258,7 @@
                         <a:defRPr lang="ko-KR" altLang="en-US"/>
                       </a:pPr>
                       <a:r>
-                        <a:rPr lang="ko-KR" altLang="en-US" sz="1000" b="0" dirty="0" smtClean="0">
+                        <a:rPr lang="ko-KR" altLang="en-US" sz="1000" b="0" smtClean="0">
                           <a:solidFill>
                             <a:schemeClr val="tx1"/>
                           </a:solidFill>
@@ -7263,7 +7267,7 @@
                         </a:rPr>
                         <a:t>프로젝트 명 </a:t>
                       </a:r>
-                      <a:endParaRPr lang="ko-KR" altLang="en-US" sz="1000" b="0" dirty="0">
+                      <a:endParaRPr lang="ko-KR" altLang="en-US" sz="1000" b="0">
                         <a:solidFill>
                           <a:schemeClr val="tx1"/>
                         </a:solidFill>
@@ -7325,7 +7329,7 @@
                         <a:defRPr lang="ko-KR" altLang="en-US"/>
                       </a:pPr>
                       <a:r>
-                        <a:rPr lang="en-US" altLang="ko-KR" sz="1000" b="0" dirty="0" err="1" smtClean="0">
+                        <a:rPr lang="en-US" altLang="ko-KR" sz="1000" b="0" err="1" smtClean="0">
                           <a:solidFill>
                             <a:schemeClr val="tx1"/>
                           </a:solidFill>
@@ -7334,7 +7338,7 @@
                         </a:rPr>
                         <a:t>mediQ</a:t>
                       </a:r>
-                      <a:endParaRPr lang="ko-KR" altLang="en-US" sz="1000" b="0" dirty="0">
+                      <a:endParaRPr lang="ko-KR" altLang="en-US" sz="1000" b="0">
                         <a:solidFill>
                           <a:schemeClr val="tx1"/>
                         </a:solidFill>
@@ -7392,7 +7396,7 @@
                         <a:defRPr lang="ko-KR" altLang="en-US"/>
                       </a:pPr>
                       <a:r>
-                        <a:rPr lang="ko-KR" altLang="en-US" sz="1000" b="0" dirty="0" smtClean="0">
+                        <a:rPr lang="ko-KR" altLang="en-US" sz="1000" b="0" smtClean="0">
                           <a:solidFill>
                             <a:schemeClr val="tx1"/>
                           </a:solidFill>
@@ -7401,7 +7405,7 @@
                         </a:rPr>
                         <a:t>페이지 명</a:t>
                       </a:r>
-                      <a:endParaRPr lang="ko-KR" altLang="en-US" sz="1000" b="0" dirty="0">
+                      <a:endParaRPr lang="ko-KR" altLang="en-US" sz="1000" b="0">
                         <a:solidFill>
                           <a:schemeClr val="tx1"/>
                         </a:solidFill>
@@ -7463,7 +7467,7 @@
                         <a:defRPr lang="ko-KR" altLang="en-US"/>
                       </a:pPr>
                       <a:r>
-                        <a:rPr lang="ko-KR" altLang="en-US" sz="1000" b="0" dirty="0" smtClean="0">
+                        <a:rPr lang="ko-KR" altLang="en-US" sz="1000" b="0" smtClean="0">
                           <a:solidFill>
                             <a:schemeClr val="tx1"/>
                           </a:solidFill>
@@ -7472,7 +7476,7 @@
                         </a:rPr>
                         <a:t>의약품 승인 품목 조회 상세</a:t>
                       </a:r>
-                      <a:endParaRPr lang="ko-KR" altLang="en-US" sz="1000" b="0" dirty="0">
+                      <a:endParaRPr lang="ko-KR" altLang="en-US" sz="1000" b="0">
                         <a:solidFill>
                           <a:schemeClr val="tx1"/>
                         </a:solidFill>
@@ -7530,7 +7534,7 @@
                         <a:defRPr lang="ko-KR" altLang="en-US"/>
                       </a:pPr>
                       <a:r>
-                        <a:rPr lang="ko-KR" altLang="en-US" sz="1000" b="0" dirty="0" smtClean="0">
+                        <a:rPr lang="ko-KR" altLang="en-US" sz="1000" b="0" smtClean="0">
                           <a:solidFill>
                             <a:schemeClr val="tx1"/>
                           </a:solidFill>
@@ -7539,7 +7543,7 @@
                         </a:rPr>
                         <a:t>작성자</a:t>
                       </a:r>
-                      <a:endParaRPr lang="ko-KR" altLang="en-US" sz="1000" b="0" dirty="0">
+                      <a:endParaRPr lang="ko-KR" altLang="en-US" sz="1000" b="0">
                         <a:solidFill>
                           <a:schemeClr val="tx1"/>
                         </a:solidFill>
@@ -7601,7 +7605,7 @@
                         <a:defRPr lang="ko-KR" altLang="en-US"/>
                       </a:pPr>
                       <a:r>
-                        <a:rPr lang="ko-KR" altLang="en-US" sz="1000" b="0" dirty="0" smtClean="0">
+                        <a:rPr lang="ko-KR" altLang="en-US" sz="1000" b="0" smtClean="0">
                           <a:solidFill>
                             <a:schemeClr val="tx1"/>
                           </a:solidFill>
@@ -7610,7 +7614,7 @@
                         </a:rPr>
                         <a:t>박종수</a:t>
                       </a:r>
-                      <a:endParaRPr lang="ko-KR" altLang="en-US" sz="1000" b="0" dirty="0">
+                      <a:endParaRPr lang="ko-KR" altLang="en-US" sz="1000" b="0">
                         <a:solidFill>
                           <a:schemeClr val="tx1"/>
                         </a:solidFill>
@@ -7663,7 +7667,7 @@
                 </a:tc>
                 <a:extLst>
                   <a:ext uri="{0D108BD9-81ED-4DB2-BD59-A6C34878D82A}">
-                    <a16:rowId xmlns:a16="http://schemas.microsoft.com/office/drawing/2014/main" xmlns="" val="10000"/>
+                    <a16:rowId xmlns="" xmlns:a16="http://schemas.microsoft.com/office/drawing/2014/main" val="10000"/>
                   </a:ext>
                 </a:extLst>
               </a:tr>
@@ -7695,7 +7699,7 @@
                 <a:gridCol w="8783894">
                   <a:extLst>
                     <a:ext uri="{9D8B030D-6E8A-4147-A177-3AD203B41FA5}">
-                      <a16:colId xmlns:a16="http://schemas.microsoft.com/office/drawing/2014/main" xmlns="" val="20000"/>
+                      <a16:colId xmlns="" xmlns:a16="http://schemas.microsoft.com/office/drawing/2014/main" val="20000"/>
                     </a:ext>
                   </a:extLst>
                 </a:gridCol>
@@ -7711,7 +7715,7 @@
                         <a:defRPr lang="ko-KR" altLang="en-US"/>
                       </a:pPr>
                       <a:r>
-                        <a:rPr lang="ko-KR" altLang="en-US" sz="1000" b="0" dirty="0" smtClean="0">
+                        <a:rPr lang="ko-KR" altLang="en-US" sz="1000" b="0" smtClean="0">
                           <a:solidFill>
                             <a:schemeClr val="tx1"/>
                           </a:solidFill>
@@ -7720,7 +7724,7 @@
                         </a:rPr>
                         <a:t>화면 구성</a:t>
                       </a:r>
-                      <a:endParaRPr lang="ko-KR" altLang="en-US" sz="1000" b="0" dirty="0">
+                      <a:endParaRPr lang="ko-KR" altLang="en-US" sz="1000" b="0">
                         <a:solidFill>
                           <a:schemeClr val="tx1"/>
                         </a:solidFill>
@@ -7786,7 +7790,7 @@
                         <a:defRPr lang="ko-KR" altLang="en-US"/>
                       </a:pPr>
                       <a:r>
-                        <a:rPr lang="ko-KR" altLang="en-US" sz="1000" b="0" dirty="0" smtClean="0">
+                        <a:rPr lang="ko-KR" altLang="en-US" sz="1000" b="0" smtClean="0">
                           <a:solidFill>
                             <a:schemeClr val="tx1"/>
                           </a:solidFill>
@@ -7795,7 +7799,7 @@
                         </a:rPr>
                         <a:t>화면 설명</a:t>
                       </a:r>
-                      <a:endParaRPr lang="ko-KR" altLang="en-US" sz="1000" b="0" dirty="0">
+                      <a:endParaRPr lang="ko-KR" altLang="en-US" sz="1000" b="0">
                         <a:solidFill>
                           <a:schemeClr val="tx1"/>
                         </a:solidFill>
@@ -7852,7 +7856,7 @@
                 </a:tc>
                 <a:extLst>
                   <a:ext uri="{0D108BD9-81ED-4DB2-BD59-A6C34878D82A}">
-                    <a16:rowId xmlns:a16="http://schemas.microsoft.com/office/drawing/2014/main" xmlns="" val="10000"/>
+                    <a16:rowId xmlns="" xmlns:a16="http://schemas.microsoft.com/office/drawing/2014/main" val="10000"/>
                   </a:ext>
                 </a:extLst>
               </a:tr>
@@ -7865,7 +7869,7 @@
                       <a:pPr algn="ctr" latinLnBrk="1">
                         <a:defRPr lang="ko-KR" altLang="en-US"/>
                       </a:pPr>
-                      <a:endParaRPr lang="ko-KR" altLang="en-US" sz="1000" b="0" dirty="0">
+                      <a:endParaRPr lang="ko-KR" altLang="en-US" sz="1000" b="0">
                         <a:solidFill>
                           <a:schemeClr val="tx1"/>
                         </a:solidFill>
@@ -7926,7 +7930,7 @@
                       <a:pPr algn="ctr" latinLnBrk="1">
                         <a:defRPr lang="ko-KR" altLang="en-US"/>
                       </a:pPr>
-                      <a:endParaRPr lang="ko-KR" altLang="en-US" sz="1000" b="0" dirty="0">
+                      <a:endParaRPr lang="ko-KR" altLang="en-US" sz="1000" b="0">
                         <a:solidFill>
                           <a:schemeClr val="tx1"/>
                         </a:solidFill>
@@ -8007,155 +8011,155 @@
           <a:p>
             <a:pPr marL="228600" indent="-228600"/>
             <a:r>
-              <a:rPr lang="en-US" altLang="ko-KR" sz="1000" dirty="0" smtClean="0"/>
+              <a:rPr lang="en-US" altLang="ko-KR" sz="1000" smtClean="0"/>
               <a:t>1. </a:t>
             </a:r>
             <a:r>
-              <a:rPr lang="ko-KR" altLang="en-US" sz="1000" dirty="0" smtClean="0"/>
+              <a:rPr lang="ko-KR" altLang="en-US" sz="1000" smtClean="0"/>
               <a:t>의약품 허가 품목 상세 페이지</a:t>
             </a:r>
-            <a:endParaRPr lang="en-US" altLang="ko-KR" sz="1000" dirty="0" smtClean="0"/>
+            <a:endParaRPr lang="en-US" altLang="ko-KR" sz="1000" smtClean="0"/>
           </a:p>
           <a:p>
             <a:pPr marL="228600" indent="-228600">
               <a:buAutoNum type="arabicPeriod"/>
             </a:pPr>
-            <a:endParaRPr lang="en-US" altLang="ko-KR" sz="1000" dirty="0" smtClean="0"/>
-          </a:p>
-          <a:p>
-            <a:r>
-              <a:rPr lang="en-US" altLang="ko-KR" sz="1000" dirty="0" smtClean="0"/>
+            <a:endParaRPr lang="en-US" altLang="ko-KR" sz="1000" smtClean="0"/>
+          </a:p>
+          <a:p>
+            <a:r>
+              <a:rPr lang="en-US" altLang="ko-KR" sz="1000" smtClean="0"/>
               <a:t>2. </a:t>
             </a:r>
             <a:r>
-              <a:rPr lang="ko-KR" altLang="en-US" sz="1000" dirty="0" smtClean="0"/>
+              <a:rPr lang="ko-KR" altLang="en-US" sz="1000" smtClean="0"/>
               <a:t>승인 의약품 검색</a:t>
             </a:r>
-            <a:endParaRPr lang="en-US" altLang="ko-KR" sz="1000" dirty="0" smtClean="0"/>
-          </a:p>
-          <a:p>
-            <a:r>
-              <a:rPr lang="en-US" altLang="ko-KR" sz="1000" dirty="0" smtClean="0"/>
+            <a:endParaRPr lang="en-US" altLang="ko-KR" sz="1000" smtClean="0"/>
+          </a:p>
+          <a:p>
+            <a:r>
+              <a:rPr lang="en-US" altLang="ko-KR" sz="1000" smtClean="0"/>
               <a:t>   </a:t>
             </a:r>
             <a:r>
-              <a:rPr lang="ko-KR" altLang="en-US" sz="1000" dirty="0" smtClean="0"/>
+              <a:rPr lang="ko-KR" altLang="en-US" sz="1000" smtClean="0"/>
               <a:t>품목명을 이용하여 승인된 의약품을 검색</a:t>
             </a:r>
             <a:r>
-              <a:rPr lang="en-US" altLang="ko-KR" sz="1000" dirty="0" smtClean="0"/>
+              <a:rPr lang="en-US" altLang="ko-KR" sz="1000" smtClean="0"/>
               <a:t>, </a:t>
             </a:r>
             <a:r>
-              <a:rPr lang="ko-KR" altLang="en-US" sz="1000" dirty="0" smtClean="0"/>
+              <a:rPr lang="ko-KR" altLang="en-US" sz="1000" smtClean="0"/>
               <a:t>업</a:t>
             </a:r>
-            <a:endParaRPr lang="en-US" altLang="ko-KR" sz="1000" dirty="0" smtClean="0"/>
-          </a:p>
-          <a:p>
-            <a:r>
-              <a:rPr lang="en-US" altLang="ko-KR" sz="1000" dirty="0" smtClean="0"/>
+            <a:endParaRPr lang="en-US" altLang="ko-KR" sz="1000" smtClean="0"/>
+          </a:p>
+          <a:p>
+            <a:r>
+              <a:rPr lang="en-US" altLang="ko-KR" sz="1000" smtClean="0"/>
               <a:t>   </a:t>
             </a:r>
             <a:r>
-              <a:rPr lang="ko-KR" altLang="en-US" sz="1000" dirty="0" err="1" smtClean="0"/>
+              <a:rPr lang="ko-KR" altLang="en-US" sz="1000" err="1" smtClean="0"/>
               <a:t>체명</a:t>
             </a:r>
             <a:r>
-              <a:rPr lang="en-US" altLang="ko-KR" sz="1000" dirty="0" smtClean="0"/>
+              <a:rPr lang="en-US" altLang="ko-KR" sz="1000" smtClean="0"/>
               <a:t>, </a:t>
             </a:r>
             <a:r>
-              <a:rPr lang="ko-KR" altLang="en-US" sz="1000" dirty="0" smtClean="0"/>
+              <a:rPr lang="ko-KR" altLang="en-US" sz="1000" smtClean="0"/>
               <a:t>품목명</a:t>
             </a:r>
             <a:r>
-              <a:rPr lang="en-US" altLang="ko-KR" sz="1000" dirty="0" smtClean="0"/>
+              <a:rPr lang="en-US" altLang="ko-KR" sz="1000" smtClean="0"/>
               <a:t>, </a:t>
             </a:r>
             <a:r>
-              <a:rPr lang="ko-KR" altLang="en-US" sz="1000" dirty="0" smtClean="0"/>
+              <a:rPr lang="ko-KR" altLang="en-US" sz="1000" smtClean="0"/>
               <a:t>전문일반</a:t>
             </a:r>
             <a:r>
-              <a:rPr lang="en-US" altLang="ko-KR" sz="1000" dirty="0" smtClean="0"/>
+              <a:rPr lang="en-US" altLang="ko-KR" sz="1000" smtClean="0"/>
               <a:t>, </a:t>
             </a:r>
             <a:r>
-              <a:rPr lang="ko-KR" altLang="en-US" sz="1000" dirty="0" smtClean="0"/>
+              <a:rPr lang="ko-KR" altLang="en-US" sz="1000" smtClean="0"/>
               <a:t>승인일자를 출력 받을 </a:t>
             </a:r>
-            <a:endParaRPr lang="en-US" altLang="ko-KR" sz="1000" dirty="0" smtClean="0"/>
-          </a:p>
-          <a:p>
-            <a:r>
-              <a:rPr lang="en-US" altLang="ko-KR" sz="1000" dirty="0" smtClean="0"/>
+            <a:endParaRPr lang="en-US" altLang="ko-KR" sz="1000" smtClean="0"/>
+          </a:p>
+          <a:p>
+            <a:r>
+              <a:rPr lang="en-US" altLang="ko-KR" sz="1000" smtClean="0"/>
               <a:t>   </a:t>
             </a:r>
             <a:r>
-              <a:rPr lang="ko-KR" altLang="en-US" sz="1000" dirty="0" smtClean="0"/>
+              <a:rPr lang="ko-KR" altLang="en-US" sz="1000" smtClean="0"/>
               <a:t>수 있다</a:t>
             </a:r>
             <a:r>
-              <a:rPr lang="en-US" altLang="ko-KR" sz="1000" dirty="0" smtClean="0"/>
+              <a:rPr lang="en-US" altLang="ko-KR" sz="1000" smtClean="0"/>
               <a:t>.</a:t>
             </a:r>
           </a:p>
           <a:p>
-            <a:endParaRPr lang="en-US" altLang="ko-KR" sz="1000" dirty="0" smtClean="0"/>
-          </a:p>
-          <a:p>
-            <a:r>
-              <a:rPr lang="en-US" altLang="ko-KR" sz="1000" dirty="0" smtClean="0"/>
+            <a:endParaRPr lang="en-US" altLang="ko-KR" sz="1000" smtClean="0"/>
+          </a:p>
+          <a:p>
+            <a:r>
+              <a:rPr lang="en-US" altLang="ko-KR" sz="1000" smtClean="0"/>
               <a:t>3. </a:t>
             </a:r>
             <a:r>
-              <a:rPr lang="ko-KR" altLang="en-US" sz="1000" dirty="0" smtClean="0"/>
+              <a:rPr lang="ko-KR" altLang="en-US" sz="1000" smtClean="0"/>
               <a:t>복용 시 주의사항</a:t>
             </a:r>
-            <a:endParaRPr lang="en-US" altLang="ko-KR" sz="1000" dirty="0" smtClean="0"/>
-          </a:p>
-          <a:p>
-            <a:r>
-              <a:rPr lang="ko-KR" altLang="en-US" sz="1000" dirty="0" smtClean="0"/>
+            <a:endParaRPr lang="en-US" altLang="ko-KR" sz="1000" smtClean="0"/>
+          </a:p>
+          <a:p>
+            <a:r>
+              <a:rPr lang="ko-KR" altLang="en-US" sz="1000" smtClean="0"/>
               <a:t>   리스트에 출력된 의약품 정보를 클릭할 시 의                                                     </a:t>
             </a:r>
             <a:r>
-              <a:rPr lang="en-US" altLang="ko-KR" sz="1000" dirty="0" smtClean="0"/>
+              <a:rPr lang="en-US" altLang="ko-KR" sz="1000" smtClean="0"/>
               <a:t>    </a:t>
             </a:r>
           </a:p>
           <a:p>
             <a:r>
-              <a:rPr lang="en-US" altLang="ko-KR" sz="1000" dirty="0" smtClean="0"/>
+              <a:rPr lang="en-US" altLang="ko-KR" sz="1000" smtClean="0"/>
               <a:t>   </a:t>
             </a:r>
             <a:r>
-              <a:rPr lang="ko-KR" altLang="en-US" sz="1000" dirty="0" smtClean="0"/>
+              <a:rPr lang="ko-KR" altLang="en-US" sz="1000" smtClean="0"/>
               <a:t>약품에 대한 세부 주의사항을 조회해 볼 수 </a:t>
             </a:r>
             <a:r>
-              <a:rPr lang="ko-KR" altLang="en-US" sz="1000" dirty="0" err="1" smtClean="0"/>
+              <a:rPr lang="ko-KR" altLang="en-US" sz="1000" err="1" smtClean="0"/>
               <a:t>있</a:t>
             </a:r>
-            <a:endParaRPr lang="en-US" altLang="ko-KR" sz="1000" dirty="0" smtClean="0"/>
-          </a:p>
-          <a:p>
-            <a:r>
-              <a:rPr lang="en-US" altLang="ko-KR" sz="1000" dirty="0" smtClean="0"/>
+            <a:endParaRPr lang="en-US" altLang="ko-KR" sz="1000" smtClean="0"/>
+          </a:p>
+          <a:p>
+            <a:r>
+              <a:rPr lang="en-US" altLang="ko-KR" sz="1000" smtClean="0"/>
               <a:t>   </a:t>
             </a:r>
             <a:r>
-              <a:rPr lang="ko-KR" altLang="en-US" sz="1000" dirty="0" smtClean="0"/>
+              <a:rPr lang="ko-KR" altLang="en-US" sz="1000" smtClean="0"/>
               <a:t>다</a:t>
             </a:r>
             <a:r>
-              <a:rPr lang="en-US" altLang="ko-KR" sz="1000" dirty="0" smtClean="0"/>
+              <a:rPr lang="en-US" altLang="ko-KR" sz="1000" smtClean="0"/>
               <a:t>.</a:t>
             </a:r>
           </a:p>
           <a:p>
-            <a:endParaRPr lang="en-US" altLang="ko-KR" sz="1000" dirty="0" smtClean="0"/>
+            <a:endParaRPr lang="en-US" altLang="ko-KR" sz="1000" smtClean="0"/>
           </a:p>
         </p:txBody>
       </p:sp>
@@ -8171,7 +8175,7 @@
           <a:blip r:embed="rId2" cstate="print">
             <a:extLst>
               <a:ext uri="{28A0092B-C50C-407E-A947-70E740481C1C}">
-                <a14:useLocalDpi xmlns:a14="http://schemas.microsoft.com/office/drawing/2010/main" xmlns="" val="0"/>
+                <a14:useLocalDpi xmlns="" xmlns:a14="http://schemas.microsoft.com/office/drawing/2010/main" val="0"/>
               </a:ext>
             </a:extLst>
           </a:blip>
@@ -8252,10 +8256,10 @@
           <a:p>
             <a:pPr algn="ctr"/>
             <a:r>
-              <a:rPr lang="en-US" altLang="ko-KR" dirty="0" smtClean="0"/>
+              <a:rPr lang="en-US" altLang="ko-KR" smtClean="0"/>
               <a:t>4</a:t>
             </a:r>
-            <a:endParaRPr lang="ko-KR" altLang="en-US" dirty="0"/>
+            <a:endParaRPr lang="ko-KR" altLang="en-US"/>
           </a:p>
         </p:txBody>
       </p:sp>
@@ -8328,10 +8332,10 @@
           <a:p>
             <a:pPr algn="ctr"/>
             <a:r>
-              <a:rPr lang="en-US" altLang="ko-KR" dirty="0"/>
+              <a:rPr lang="en-US" altLang="ko-KR"/>
               <a:t>1</a:t>
             </a:r>
-            <a:endParaRPr lang="ko-KR" altLang="en-US" dirty="0"/>
+            <a:endParaRPr lang="ko-KR" altLang="en-US"/>
           </a:p>
         </p:txBody>
       </p:sp>
@@ -8372,10 +8376,10 @@
           <a:p>
             <a:pPr algn="ctr"/>
             <a:r>
-              <a:rPr lang="en-US" altLang="ko-KR" dirty="0" smtClean="0"/>
+              <a:rPr lang="en-US" altLang="ko-KR" smtClean="0"/>
               <a:t>2</a:t>
             </a:r>
-            <a:endParaRPr lang="ko-KR" altLang="en-US" dirty="0"/>
+            <a:endParaRPr lang="ko-KR" altLang="en-US"/>
           </a:p>
         </p:txBody>
       </p:sp>
@@ -8416,10 +8420,10 @@
           <a:p>
             <a:pPr algn="ctr"/>
             <a:r>
-              <a:rPr lang="en-US" altLang="ko-KR" dirty="0" smtClean="0"/>
+              <a:rPr lang="en-US" altLang="ko-KR" smtClean="0"/>
               <a:t>3</a:t>
             </a:r>
-            <a:endParaRPr lang="ko-KR" altLang="en-US" dirty="0"/>
+            <a:endParaRPr lang="ko-KR" altLang="en-US"/>
           </a:p>
         </p:txBody>
       </p:sp>
@@ -8452,10 +8456,10 @@
                     <a:p>
                       <a:pPr algn="ctr" latinLnBrk="1"/>
                       <a:r>
-                        <a:rPr lang="ko-KR" altLang="en-US" sz="1200" dirty="0" smtClean="0"/>
+                        <a:rPr lang="ko-KR" altLang="en-US" sz="1200" smtClean="0"/>
                         <a:t>경로</a:t>
                       </a:r>
-                      <a:endParaRPr lang="ko-KR" altLang="en-US" sz="1200" dirty="0"/>
+                      <a:endParaRPr lang="ko-KR" altLang="en-US" sz="1200"/>
                     </a:p>
                   </a:txBody>
                   <a:tcPr/>
@@ -8469,10 +8473,10 @@
                     <a:p>
                       <a:pPr latinLnBrk="1"/>
                       <a:r>
-                        <a:rPr lang="en-US" altLang="ko-KR" sz="1200" dirty="0" smtClean="0"/>
+                        <a:rPr lang="en-US" altLang="ko-KR" sz="1200" smtClean="0"/>
                         <a:t>Request</a:t>
                       </a:r>
-                      <a:endParaRPr lang="ko-KR" altLang="en-US" sz="1200" dirty="0"/>
+                      <a:endParaRPr lang="ko-KR" altLang="en-US" sz="1200"/>
                     </a:p>
                   </a:txBody>
                   <a:tcPr/>
@@ -8502,14 +8506,14 @@
                         <a:defRPr/>
                       </a:pPr>
                       <a:r>
-                        <a:rPr lang="en-US" altLang="ko-KR" sz="1200" dirty="0" smtClean="0"/>
+                        <a:rPr lang="en-US" altLang="ko-KR" sz="1200" smtClean="0"/>
                         <a:t>/</a:t>
                       </a:r>
                       <a:r>
-                        <a:rPr lang="en-US" altLang="ko-KR" sz="1200" dirty="0" err="1" smtClean="0"/>
+                        <a:rPr lang="en-US" altLang="ko-KR" sz="1200" err="1" smtClean="0"/>
                         <a:t>recognize.do</a:t>
                       </a:r>
-                      <a:endParaRPr lang="ko-KR" altLang="en-US" sz="1200" dirty="0"/>
+                      <a:endParaRPr lang="ko-KR" altLang="en-US" sz="1200"/>
                     </a:p>
                   </a:txBody>
                   <a:tcPr/>
@@ -8523,10 +8527,10 @@
                     <a:p>
                       <a:pPr latinLnBrk="1"/>
                       <a:r>
-                        <a:rPr lang="en-US" altLang="ko-KR" sz="1200" dirty="0" smtClean="0"/>
+                        <a:rPr lang="en-US" altLang="ko-KR" sz="1200" smtClean="0"/>
                         <a:t>Controller</a:t>
                       </a:r>
-                      <a:endParaRPr lang="ko-KR" altLang="en-US" sz="1200" dirty="0"/>
+                      <a:endParaRPr lang="ko-KR" altLang="en-US" sz="1200"/>
                     </a:p>
                   </a:txBody>
                   <a:tcPr/>
@@ -8556,10 +8560,10 @@
                         <a:defRPr/>
                       </a:pPr>
                       <a:r>
-                        <a:rPr lang="en-US" altLang="ko-KR" sz="1200" dirty="0" err="1" smtClean="0"/>
+                        <a:rPr lang="en-US" altLang="ko-KR" sz="1200" err="1" smtClean="0"/>
                         <a:t>controller.RecognizeSearchController</a:t>
                       </a:r>
-                      <a:endParaRPr lang="ko-KR" altLang="en-US" sz="1200" dirty="0"/>
+                      <a:endParaRPr lang="ko-KR" altLang="en-US" sz="1200"/>
                     </a:p>
                   </a:txBody>
                   <a:tcPr/>
@@ -8573,10 +8577,10 @@
                     <a:p>
                       <a:pPr latinLnBrk="1"/>
                       <a:r>
-                        <a:rPr lang="en-US" altLang="ko-KR" sz="1200" dirty="0" smtClean="0"/>
+                        <a:rPr lang="en-US" altLang="ko-KR" sz="1200" smtClean="0"/>
                         <a:t>View</a:t>
                       </a:r>
-                      <a:endParaRPr lang="ko-KR" altLang="en-US" sz="1200" dirty="0"/>
+                      <a:endParaRPr lang="ko-KR" altLang="en-US" sz="1200"/>
                     </a:p>
                   </a:txBody>
                   <a:tcPr/>
@@ -8590,10 +8594,10 @@
                     <a:p>
                       <a:pPr latinLnBrk="1"/>
                       <a:r>
-                        <a:rPr lang="en-US" altLang="ko-KR" sz="1200" dirty="0" smtClean="0"/>
+                        <a:rPr lang="en-US" altLang="ko-KR" sz="1200" smtClean="0"/>
                         <a:t>/view/product/Recognizelist.jsp</a:t>
                       </a:r>
-                      <a:endParaRPr lang="ko-KR" altLang="en-US" sz="1200" dirty="0"/>
+                      <a:endParaRPr lang="ko-KR" altLang="en-US" sz="1200"/>
                     </a:p>
                   </a:txBody>
                   <a:tcPr/>
@@ -8606,7 +8610,7 @@
     </p:spTree>
     <p:extLst>
       <p:ext uri="{BB962C8B-B14F-4D97-AF65-F5344CB8AC3E}">
-        <p14:creationId xmlns:p14="http://schemas.microsoft.com/office/powerpoint/2010/main" xmlns="" val="2999541905"/>
+        <p14:creationId xmlns="" xmlns:p14="http://schemas.microsoft.com/office/powerpoint/2010/main" val="2999541905"/>
       </p:ext>
     </p:extLst>
   </p:cSld>
@@ -8650,7 +8654,7 @@
           <p:nvPr>
             <p:extLst>
               <p:ext uri="{D42A27DB-BD31-4B8C-83A1-F6EECF244321}">
-                <p14:modId xmlns:p14="http://schemas.microsoft.com/office/powerpoint/2010/main" xmlns="" val="1998104781"/>
+                <p14:modId xmlns="" xmlns:p14="http://schemas.microsoft.com/office/powerpoint/2010/main" val="1998104781"/>
               </p:ext>
             </p:extLst>
           </p:nvPr>
@@ -8669,42 +8673,42 @@
                 <a:gridCol w="1840576">
                   <a:extLst>
                     <a:ext uri="{9D8B030D-6E8A-4147-A177-3AD203B41FA5}">
-                      <a16:colId xmlns:a16="http://schemas.microsoft.com/office/drawing/2014/main" xmlns="" val="20000"/>
+                      <a16:colId xmlns="" xmlns:a16="http://schemas.microsoft.com/office/drawing/2014/main" val="20000"/>
                     </a:ext>
                   </a:extLst>
                 </a:gridCol>
                 <a:gridCol w="2927856">
                   <a:extLst>
                     <a:ext uri="{9D8B030D-6E8A-4147-A177-3AD203B41FA5}">
-                      <a16:colId xmlns:a16="http://schemas.microsoft.com/office/drawing/2014/main" xmlns="" val="20001"/>
+                      <a16:colId xmlns="" xmlns:a16="http://schemas.microsoft.com/office/drawing/2014/main" val="20001"/>
                     </a:ext>
                   </a:extLst>
                 </a:gridCol>
                 <a:gridCol w="1448009">
                   <a:extLst>
                     <a:ext uri="{9D8B030D-6E8A-4147-A177-3AD203B41FA5}">
-                      <a16:colId xmlns:a16="http://schemas.microsoft.com/office/drawing/2014/main" xmlns="" val="20002"/>
+                      <a16:colId xmlns="" xmlns:a16="http://schemas.microsoft.com/office/drawing/2014/main" val="20002"/>
                     </a:ext>
                   </a:extLst>
                 </a:gridCol>
                 <a:gridCol w="2570627">
                   <a:extLst>
                     <a:ext uri="{9D8B030D-6E8A-4147-A177-3AD203B41FA5}">
-                      <a16:colId xmlns:a16="http://schemas.microsoft.com/office/drawing/2014/main" xmlns="" val="20003"/>
+                      <a16:colId xmlns="" xmlns:a16="http://schemas.microsoft.com/office/drawing/2014/main" val="20003"/>
                     </a:ext>
                   </a:extLst>
                 </a:gridCol>
                 <a:gridCol w="1644650">
                   <a:extLst>
                     <a:ext uri="{9D8B030D-6E8A-4147-A177-3AD203B41FA5}">
-                      <a16:colId xmlns:a16="http://schemas.microsoft.com/office/drawing/2014/main" xmlns="" val="20004"/>
+                      <a16:colId xmlns="" xmlns:a16="http://schemas.microsoft.com/office/drawing/2014/main" val="20004"/>
                     </a:ext>
                   </a:extLst>
                 </a:gridCol>
                 <a:gridCol w="1295399">
                   <a:extLst>
                     <a:ext uri="{9D8B030D-6E8A-4147-A177-3AD203B41FA5}">
-                      <a16:colId xmlns:a16="http://schemas.microsoft.com/office/drawing/2014/main" xmlns="" val="20006"/>
+                      <a16:colId xmlns="" xmlns:a16="http://schemas.microsoft.com/office/drawing/2014/main" val="20006"/>
                     </a:ext>
                   </a:extLst>
                 </a:gridCol>
@@ -8719,7 +8723,7 @@
                         <a:defRPr lang="ko-KR" altLang="en-US"/>
                       </a:pPr>
                       <a:r>
-                        <a:rPr lang="ko-KR" altLang="en-US" sz="1000" b="0" dirty="0" smtClean="0">
+                        <a:rPr lang="ko-KR" altLang="en-US" sz="1000" b="0" smtClean="0">
                           <a:solidFill>
                             <a:schemeClr val="tx1"/>
                           </a:solidFill>
@@ -8728,7 +8732,7 @@
                         </a:rPr>
                         <a:t>프로젝트 명 </a:t>
                       </a:r>
-                      <a:endParaRPr lang="ko-KR" altLang="en-US" sz="1000" b="0" dirty="0">
+                      <a:endParaRPr lang="ko-KR" altLang="en-US" sz="1000" b="0">
                         <a:solidFill>
                           <a:schemeClr val="tx1"/>
                         </a:solidFill>
@@ -8790,7 +8794,7 @@
                         <a:defRPr lang="ko-KR" altLang="en-US"/>
                       </a:pPr>
                       <a:r>
-                        <a:rPr lang="en-US" altLang="ko-KR" sz="1000" b="0" dirty="0" err="1" smtClean="0">
+                        <a:rPr lang="en-US" altLang="ko-KR" sz="1000" b="0" err="1" smtClean="0">
                           <a:solidFill>
                             <a:schemeClr val="tx1"/>
                           </a:solidFill>
@@ -8799,7 +8803,7 @@
                         </a:rPr>
                         <a:t>mediQ</a:t>
                       </a:r>
-                      <a:endParaRPr lang="ko-KR" altLang="en-US" sz="1000" b="0" dirty="0">
+                      <a:endParaRPr lang="ko-KR" altLang="en-US" sz="1000" b="0">
                         <a:solidFill>
                           <a:schemeClr val="tx1"/>
                         </a:solidFill>
@@ -8857,7 +8861,7 @@
                         <a:defRPr lang="ko-KR" altLang="en-US"/>
                       </a:pPr>
                       <a:r>
-                        <a:rPr lang="ko-KR" altLang="en-US" sz="1000" b="0" dirty="0" smtClean="0">
+                        <a:rPr lang="ko-KR" altLang="en-US" sz="1000" b="0" smtClean="0">
                           <a:solidFill>
                             <a:schemeClr val="tx1"/>
                           </a:solidFill>
@@ -8866,7 +8870,7 @@
                         </a:rPr>
                         <a:t>페이지 명</a:t>
                       </a:r>
-                      <a:endParaRPr lang="ko-KR" altLang="en-US" sz="1000" b="0" dirty="0">
+                      <a:endParaRPr lang="ko-KR" altLang="en-US" sz="1000" b="0">
                         <a:solidFill>
                           <a:schemeClr val="tx1"/>
                         </a:solidFill>
@@ -8928,7 +8932,7 @@
                         <a:defRPr lang="ko-KR" altLang="en-US"/>
                       </a:pPr>
                       <a:r>
-                        <a:rPr lang="ko-KR" altLang="en-US" sz="1000" b="0" dirty="0" smtClean="0">
+                        <a:rPr lang="ko-KR" altLang="en-US" sz="1000" b="0" smtClean="0">
                           <a:solidFill>
                             <a:schemeClr val="tx1"/>
                           </a:solidFill>
@@ -8937,7 +8941,7 @@
                         </a:rPr>
                         <a:t>의약품 정보 추가</a:t>
                       </a:r>
-                      <a:endParaRPr lang="ko-KR" altLang="en-US" sz="1000" b="0" dirty="0">
+                      <a:endParaRPr lang="ko-KR" altLang="en-US" sz="1000" b="0">
                         <a:solidFill>
                           <a:schemeClr val="tx1"/>
                         </a:solidFill>
@@ -8995,7 +8999,7 @@
                         <a:defRPr lang="ko-KR" altLang="en-US"/>
                       </a:pPr>
                       <a:r>
-                        <a:rPr lang="ko-KR" altLang="en-US" sz="1000" b="0" dirty="0" smtClean="0">
+                        <a:rPr lang="ko-KR" altLang="en-US" sz="1000" b="0" smtClean="0">
                           <a:solidFill>
                             <a:schemeClr val="tx1"/>
                           </a:solidFill>
@@ -9004,7 +9008,7 @@
                         </a:rPr>
                         <a:t>작성자</a:t>
                       </a:r>
-                      <a:endParaRPr lang="ko-KR" altLang="en-US" sz="1000" b="0" dirty="0">
+                      <a:endParaRPr lang="ko-KR" altLang="en-US" sz="1000" b="0">
                         <a:solidFill>
                           <a:schemeClr val="tx1"/>
                         </a:solidFill>
@@ -9066,7 +9070,7 @@
                         <a:defRPr lang="ko-KR" altLang="en-US"/>
                       </a:pPr>
                       <a:r>
-                        <a:rPr lang="ko-KR" altLang="en-US" sz="1000" b="0" dirty="0" smtClean="0">
+                        <a:rPr lang="ko-KR" altLang="en-US" sz="1000" b="0" smtClean="0">
                           <a:solidFill>
                             <a:schemeClr val="tx1"/>
                           </a:solidFill>
@@ -9075,7 +9079,7 @@
                         </a:rPr>
                         <a:t>박종수</a:t>
                       </a:r>
-                      <a:endParaRPr lang="ko-KR" altLang="en-US" sz="1000" b="0" dirty="0">
+                      <a:endParaRPr lang="ko-KR" altLang="en-US" sz="1000" b="0">
                         <a:solidFill>
                           <a:schemeClr val="tx1"/>
                         </a:solidFill>
@@ -9128,7 +9132,7 @@
                 </a:tc>
                 <a:extLst>
                   <a:ext uri="{0D108BD9-81ED-4DB2-BD59-A6C34878D82A}">
-                    <a16:rowId xmlns:a16="http://schemas.microsoft.com/office/drawing/2014/main" xmlns="" val="10000"/>
+                    <a16:rowId xmlns="" xmlns:a16="http://schemas.microsoft.com/office/drawing/2014/main" val="10000"/>
                   </a:ext>
                 </a:extLst>
               </a:tr>
@@ -9160,7 +9164,7 @@
                 <a:gridCol w="8783894">
                   <a:extLst>
                     <a:ext uri="{9D8B030D-6E8A-4147-A177-3AD203B41FA5}">
-                      <a16:colId xmlns:a16="http://schemas.microsoft.com/office/drawing/2014/main" xmlns="" val="20000"/>
+                      <a16:colId xmlns="" xmlns:a16="http://schemas.microsoft.com/office/drawing/2014/main" val="20000"/>
                     </a:ext>
                   </a:extLst>
                 </a:gridCol>
@@ -9176,7 +9180,7 @@
                         <a:defRPr lang="ko-KR" altLang="en-US"/>
                       </a:pPr>
                       <a:r>
-                        <a:rPr lang="ko-KR" altLang="en-US" sz="1000" b="0" dirty="0" smtClean="0">
+                        <a:rPr lang="ko-KR" altLang="en-US" sz="1000" b="0" smtClean="0">
                           <a:solidFill>
                             <a:schemeClr val="tx1"/>
                           </a:solidFill>
@@ -9185,7 +9189,7 @@
                         </a:rPr>
                         <a:t>화면 구성</a:t>
                       </a:r>
-                      <a:endParaRPr lang="ko-KR" altLang="en-US" sz="1000" b="0" dirty="0">
+                      <a:endParaRPr lang="ko-KR" altLang="en-US" sz="1000" b="0">
                         <a:solidFill>
                           <a:schemeClr val="tx1"/>
                         </a:solidFill>
@@ -9251,7 +9255,7 @@
                         <a:defRPr lang="ko-KR" altLang="en-US"/>
                       </a:pPr>
                       <a:r>
-                        <a:rPr lang="ko-KR" altLang="en-US" sz="1000" b="0" dirty="0" smtClean="0">
+                        <a:rPr lang="ko-KR" altLang="en-US" sz="1000" b="0" smtClean="0">
                           <a:solidFill>
                             <a:schemeClr val="tx1"/>
                           </a:solidFill>
@@ -9260,7 +9264,7 @@
                         </a:rPr>
                         <a:t>화면 설명</a:t>
                       </a:r>
-                      <a:endParaRPr lang="ko-KR" altLang="en-US" sz="1000" b="0" dirty="0">
+                      <a:endParaRPr lang="ko-KR" altLang="en-US" sz="1000" b="0">
                         <a:solidFill>
                           <a:schemeClr val="tx1"/>
                         </a:solidFill>
@@ -9317,7 +9321,7 @@
                 </a:tc>
                 <a:extLst>
                   <a:ext uri="{0D108BD9-81ED-4DB2-BD59-A6C34878D82A}">
-                    <a16:rowId xmlns:a16="http://schemas.microsoft.com/office/drawing/2014/main" xmlns="" val="10000"/>
+                    <a16:rowId xmlns="" xmlns:a16="http://schemas.microsoft.com/office/drawing/2014/main" val="10000"/>
                   </a:ext>
                 </a:extLst>
               </a:tr>
@@ -9330,7 +9334,7 @@
                       <a:pPr algn="ctr" latinLnBrk="1">
                         <a:defRPr lang="ko-KR" altLang="en-US"/>
                       </a:pPr>
-                      <a:endParaRPr lang="ko-KR" altLang="en-US" sz="1000" b="0" dirty="0">
+                      <a:endParaRPr lang="ko-KR" altLang="en-US" sz="1000" b="0">
                         <a:solidFill>
                           <a:schemeClr val="tx1"/>
                         </a:solidFill>
@@ -9391,7 +9395,7 @@
                       <a:pPr algn="ctr" latinLnBrk="1">
                         <a:defRPr lang="ko-KR" altLang="en-US"/>
                       </a:pPr>
-                      <a:endParaRPr lang="ko-KR" altLang="en-US" sz="1000" b="0" dirty="0">
+                      <a:endParaRPr lang="ko-KR" altLang="en-US" sz="1000" b="0">
                         <a:solidFill>
                           <a:schemeClr val="tx1"/>
                         </a:solidFill>
@@ -9471,270 +9475,270 @@
           <a:lstStyle/>
           <a:p>
             <a:r>
-              <a:rPr lang="en-US" altLang="ko-KR" sz="1000" dirty="0" smtClean="0"/>
+              <a:rPr lang="en-US" altLang="ko-KR" sz="1000" smtClean="0"/>
               <a:t>1. </a:t>
             </a:r>
             <a:r>
-              <a:rPr lang="ko-KR" altLang="en-US" sz="1000" dirty="0" smtClean="0"/>
+              <a:rPr lang="ko-KR" altLang="en-US" sz="1000" smtClean="0"/>
               <a:t>관리자 페이지 </a:t>
             </a:r>
             <a:r>
-              <a:rPr lang="en-US" altLang="ko-KR" sz="1000" dirty="0" smtClean="0"/>
+              <a:rPr lang="en-US" altLang="ko-KR" sz="1000" smtClean="0"/>
               <a:t>- </a:t>
             </a:r>
             <a:r>
-              <a:rPr lang="ko-KR" altLang="en-US" sz="1000" dirty="0" smtClean="0"/>
+              <a:rPr lang="ko-KR" altLang="en-US" sz="1000" smtClean="0"/>
               <a:t>의약품 정보 추가 페이지</a:t>
             </a:r>
             <a:r>
-              <a:rPr lang="en-US" altLang="ko-KR" sz="1000" dirty="0" smtClean="0"/>
+              <a:rPr lang="en-US" altLang="ko-KR" sz="1000" smtClean="0"/>
               <a:t> </a:t>
             </a:r>
           </a:p>
           <a:p>
-            <a:endParaRPr lang="en-US" altLang="ko-KR" sz="1000" dirty="0" smtClean="0"/>
-          </a:p>
-          <a:p>
-            <a:r>
-              <a:rPr lang="en-US" altLang="ko-KR" sz="1000" dirty="0" smtClean="0"/>
+            <a:endParaRPr lang="en-US" altLang="ko-KR" sz="1000" smtClean="0"/>
+          </a:p>
+          <a:p>
+            <a:r>
+              <a:rPr lang="en-US" altLang="ko-KR" sz="1000" smtClean="0"/>
               <a:t>2. </a:t>
             </a:r>
             <a:r>
-              <a:rPr lang="ko-KR" altLang="en-US" sz="1000" dirty="0" smtClean="0"/>
+              <a:rPr lang="ko-KR" altLang="en-US" sz="1000" smtClean="0"/>
               <a:t>의약품 출력 정보 기입</a:t>
             </a:r>
-            <a:endParaRPr lang="en-US" altLang="ko-KR" sz="1000" dirty="0" smtClean="0"/>
-          </a:p>
-          <a:p>
-            <a:r>
-              <a:rPr lang="en-US" altLang="ko-KR" sz="1000" dirty="0"/>
+            <a:endParaRPr lang="en-US" altLang="ko-KR" sz="1000" smtClean="0"/>
+          </a:p>
+          <a:p>
+            <a:r>
+              <a:rPr lang="en-US" altLang="ko-KR" sz="1000"/>
               <a:t> </a:t>
             </a:r>
             <a:r>
-              <a:rPr lang="en-US" altLang="ko-KR" sz="1000" dirty="0" smtClean="0"/>
+              <a:rPr lang="en-US" altLang="ko-KR" sz="1000" smtClean="0"/>
               <a:t>  </a:t>
             </a:r>
             <a:r>
-              <a:rPr lang="ko-KR" altLang="en-US" sz="1000" dirty="0" smtClean="0"/>
+              <a:rPr lang="ko-KR" altLang="en-US" sz="1000" smtClean="0"/>
               <a:t>의약품 검색 결과 페이지에 출력되는 품목기준</a:t>
             </a:r>
-            <a:endParaRPr lang="en-US" altLang="ko-KR" sz="1000" dirty="0" smtClean="0"/>
-          </a:p>
-          <a:p>
-            <a:r>
-              <a:rPr lang="en-US" altLang="ko-KR" sz="1000" dirty="0" smtClean="0"/>
+            <a:endParaRPr lang="en-US" altLang="ko-KR" sz="1000" smtClean="0"/>
+          </a:p>
+          <a:p>
+            <a:r>
+              <a:rPr lang="en-US" altLang="ko-KR" sz="1000" smtClean="0"/>
               <a:t>   </a:t>
             </a:r>
             <a:r>
-              <a:rPr lang="ko-KR" altLang="en-US" sz="1000" dirty="0" smtClean="0"/>
+              <a:rPr lang="ko-KR" altLang="en-US" sz="1000" smtClean="0"/>
               <a:t>코드</a:t>
             </a:r>
             <a:r>
-              <a:rPr lang="en-US" altLang="ko-KR" sz="1000" dirty="0" smtClean="0"/>
+              <a:rPr lang="en-US" altLang="ko-KR" sz="1000" smtClean="0"/>
               <a:t>, </a:t>
             </a:r>
             <a:r>
-              <a:rPr lang="ko-KR" altLang="en-US" sz="1000" dirty="0" smtClean="0"/>
+              <a:rPr lang="ko-KR" altLang="en-US" sz="1000" smtClean="0"/>
               <a:t>품목명</a:t>
             </a:r>
             <a:r>
-              <a:rPr lang="en-US" altLang="ko-KR" sz="1000" dirty="0" smtClean="0"/>
+              <a:rPr lang="en-US" altLang="ko-KR" sz="1000" smtClean="0"/>
               <a:t>, </a:t>
             </a:r>
             <a:r>
-              <a:rPr lang="ko-KR" altLang="en-US" sz="1000" dirty="0" err="1" smtClean="0"/>
+              <a:rPr lang="ko-KR" altLang="en-US" sz="1000" err="1" smtClean="0"/>
               <a:t>업체명</a:t>
             </a:r>
             <a:r>
-              <a:rPr lang="en-US" altLang="ko-KR" sz="1000" dirty="0" smtClean="0"/>
+              <a:rPr lang="en-US" altLang="ko-KR" sz="1000" smtClean="0"/>
               <a:t>, </a:t>
             </a:r>
             <a:r>
-              <a:rPr lang="ko-KR" altLang="en-US" sz="1000" dirty="0" smtClean="0"/>
+              <a:rPr lang="ko-KR" altLang="en-US" sz="1000" smtClean="0"/>
               <a:t>허가일자</a:t>
             </a:r>
             <a:r>
-              <a:rPr lang="en-US" altLang="ko-KR" sz="1000" dirty="0" smtClean="0"/>
+              <a:rPr lang="en-US" altLang="ko-KR" sz="1000" smtClean="0"/>
               <a:t>, </a:t>
             </a:r>
             <a:r>
-              <a:rPr lang="ko-KR" altLang="en-US" sz="1000" dirty="0" smtClean="0"/>
+              <a:rPr lang="ko-KR" altLang="en-US" sz="1000" smtClean="0"/>
               <a:t>주의사항</a:t>
             </a:r>
             <a:r>
-              <a:rPr lang="en-US" altLang="ko-KR" sz="1000" dirty="0" smtClean="0"/>
+              <a:rPr lang="en-US" altLang="ko-KR" sz="1000" smtClean="0"/>
               <a:t>, </a:t>
             </a:r>
             <a:r>
-              <a:rPr lang="ko-KR" altLang="en-US" sz="1000" dirty="0" err="1" smtClean="0"/>
+              <a:rPr lang="ko-KR" altLang="en-US" sz="1000" err="1" smtClean="0"/>
               <a:t>취</a:t>
             </a:r>
-            <a:endParaRPr lang="en-US" altLang="ko-KR" sz="1000" dirty="0" smtClean="0"/>
-          </a:p>
-          <a:p>
-            <a:r>
-              <a:rPr lang="en-US" altLang="ko-KR" sz="1000" dirty="0" smtClean="0"/>
+            <a:endParaRPr lang="en-US" altLang="ko-KR" sz="1000" smtClean="0"/>
+          </a:p>
+          <a:p>
+            <a:r>
+              <a:rPr lang="en-US" altLang="ko-KR" sz="1000" smtClean="0"/>
               <a:t>   </a:t>
             </a:r>
             <a:r>
-              <a:rPr lang="ko-KR" altLang="en-US" sz="1000" dirty="0" err="1" smtClean="0"/>
+              <a:rPr lang="ko-KR" altLang="en-US" sz="1000" err="1" smtClean="0"/>
               <a:t>소일자</a:t>
             </a:r>
             <a:r>
-              <a:rPr lang="en-US" altLang="ko-KR" sz="1000" dirty="0" smtClean="0"/>
+              <a:rPr lang="en-US" altLang="ko-KR" sz="1000" smtClean="0"/>
               <a:t>, </a:t>
             </a:r>
             <a:r>
-              <a:rPr lang="ko-KR" altLang="en-US" sz="1000" dirty="0" smtClean="0"/>
+              <a:rPr lang="ko-KR" altLang="en-US" sz="1000" smtClean="0"/>
               <a:t>전문일반</a:t>
             </a:r>
             <a:r>
-              <a:rPr lang="en-US" altLang="ko-KR" sz="1000" dirty="0" smtClean="0"/>
+              <a:rPr lang="en-US" altLang="ko-KR" sz="1000" smtClean="0"/>
               <a:t>, </a:t>
             </a:r>
             <a:r>
-              <a:rPr lang="ko-KR" altLang="en-US" sz="1000" dirty="0" smtClean="0"/>
+              <a:rPr lang="ko-KR" altLang="en-US" sz="1000" smtClean="0"/>
               <a:t>용법용량</a:t>
             </a:r>
             <a:r>
-              <a:rPr lang="en-US" altLang="ko-KR" sz="1000" dirty="0" smtClean="0"/>
+              <a:rPr lang="en-US" altLang="ko-KR" sz="1000" smtClean="0"/>
               <a:t>, </a:t>
             </a:r>
             <a:r>
-              <a:rPr lang="ko-KR" altLang="en-US" sz="1000" dirty="0" smtClean="0"/>
+              <a:rPr lang="ko-KR" altLang="en-US" sz="1000" smtClean="0"/>
               <a:t>변경일자</a:t>
             </a:r>
             <a:r>
-              <a:rPr lang="en-US" altLang="ko-KR" sz="1000" dirty="0" smtClean="0"/>
+              <a:rPr lang="en-US" altLang="ko-KR" sz="1000" smtClean="0"/>
               <a:t>, </a:t>
             </a:r>
             <a:r>
-              <a:rPr lang="ko-KR" altLang="en-US" sz="1000" dirty="0" smtClean="0"/>
+              <a:rPr lang="ko-KR" altLang="en-US" sz="1000" smtClean="0"/>
               <a:t>분류</a:t>
             </a:r>
             <a:r>
-              <a:rPr lang="en-US" altLang="ko-KR" sz="1000" dirty="0" smtClean="0"/>
+              <a:rPr lang="en-US" altLang="ko-KR" sz="1000" smtClean="0"/>
               <a:t>, </a:t>
             </a:r>
           </a:p>
           <a:p>
             <a:r>
-              <a:rPr lang="en-US" altLang="ko-KR" sz="1000" dirty="0" smtClean="0"/>
+              <a:rPr lang="en-US" altLang="ko-KR" sz="1000" smtClean="0"/>
               <a:t>   </a:t>
             </a:r>
             <a:r>
-              <a:rPr lang="ko-KR" altLang="en-US" sz="1000" dirty="0" smtClean="0"/>
+              <a:rPr lang="ko-KR" altLang="en-US" sz="1000" smtClean="0"/>
               <a:t>성상</a:t>
             </a:r>
             <a:r>
-              <a:rPr lang="en-US" altLang="ko-KR" sz="1000" dirty="0" smtClean="0"/>
+              <a:rPr lang="en-US" altLang="ko-KR" sz="1000" smtClean="0"/>
               <a:t>, </a:t>
             </a:r>
             <a:r>
-              <a:rPr lang="ko-KR" altLang="en-US" sz="1000" dirty="0" smtClean="0"/>
+              <a:rPr lang="ko-KR" altLang="en-US" sz="1000" smtClean="0"/>
               <a:t>포장단위</a:t>
             </a:r>
             <a:r>
-              <a:rPr lang="en-US" altLang="ko-KR" sz="1000" dirty="0" smtClean="0"/>
+              <a:rPr lang="en-US" altLang="ko-KR" sz="1000" smtClean="0"/>
               <a:t>, </a:t>
             </a:r>
             <a:r>
-              <a:rPr lang="ko-KR" altLang="en-US" sz="1000" dirty="0" smtClean="0"/>
+              <a:rPr lang="ko-KR" altLang="en-US" sz="1000" smtClean="0"/>
               <a:t>효능효과를 기입할 수 있는 부</a:t>
             </a:r>
-            <a:endParaRPr lang="en-US" altLang="ko-KR" sz="1000" dirty="0" smtClean="0"/>
-          </a:p>
-          <a:p>
-            <a:r>
-              <a:rPr lang="en-US" altLang="ko-KR" sz="1000" dirty="0" smtClean="0"/>
+            <a:endParaRPr lang="en-US" altLang="ko-KR" sz="1000" smtClean="0"/>
+          </a:p>
+          <a:p>
+            <a:r>
+              <a:rPr lang="en-US" altLang="ko-KR" sz="1000" smtClean="0"/>
               <a:t>   </a:t>
             </a:r>
             <a:r>
-              <a:rPr lang="ko-KR" altLang="en-US" sz="1000" dirty="0" smtClean="0"/>
+              <a:rPr lang="ko-KR" altLang="en-US" sz="1000" smtClean="0"/>
               <a:t>분</a:t>
             </a:r>
             <a:r>
-              <a:rPr lang="en-US" altLang="ko-KR" sz="1000" dirty="0" smtClean="0"/>
+              <a:rPr lang="en-US" altLang="ko-KR" sz="1000" smtClean="0"/>
               <a:t>.</a:t>
             </a:r>
           </a:p>
           <a:p>
-            <a:endParaRPr lang="en-US" altLang="ko-KR" sz="1000" dirty="0" smtClean="0"/>
-          </a:p>
-          <a:p>
-            <a:r>
-              <a:rPr lang="en-US" altLang="ko-KR" sz="1000" dirty="0" smtClean="0"/>
+            <a:endParaRPr lang="en-US" altLang="ko-KR" sz="1000" smtClean="0"/>
+          </a:p>
+          <a:p>
+            <a:r>
+              <a:rPr lang="en-US" altLang="ko-KR" sz="1000" smtClean="0"/>
               <a:t>3. </a:t>
             </a:r>
             <a:r>
-              <a:rPr lang="ko-KR" altLang="en-US" sz="1000" dirty="0" smtClean="0"/>
+              <a:rPr lang="ko-KR" altLang="en-US" sz="1000" smtClean="0"/>
               <a:t>취소 및 추가</a:t>
             </a:r>
-            <a:endParaRPr lang="en-US" altLang="ko-KR" sz="1000" dirty="0" smtClean="0"/>
-          </a:p>
-          <a:p>
-            <a:r>
-              <a:rPr lang="en-US" altLang="ko-KR" sz="1000" dirty="0"/>
+            <a:endParaRPr lang="en-US" altLang="ko-KR" sz="1000" smtClean="0"/>
+          </a:p>
+          <a:p>
+            <a:r>
+              <a:rPr lang="en-US" altLang="ko-KR" sz="1000"/>
               <a:t> </a:t>
             </a:r>
             <a:r>
-              <a:rPr lang="en-US" altLang="ko-KR" sz="1000" dirty="0" smtClean="0"/>
+              <a:rPr lang="en-US" altLang="ko-KR" sz="1000" smtClean="0"/>
               <a:t>  </a:t>
             </a:r>
             <a:r>
-              <a:rPr lang="ko-KR" altLang="en-US" sz="1000" dirty="0" smtClean="0"/>
+              <a:rPr lang="ko-KR" altLang="en-US" sz="1000" smtClean="0"/>
               <a:t> 작성한 사항을 저장하지 않고 의약품 검색 </a:t>
             </a:r>
             <a:r>
-              <a:rPr lang="ko-KR" altLang="en-US" sz="1000" dirty="0" err="1" smtClean="0"/>
+              <a:rPr lang="ko-KR" altLang="en-US" sz="1000" err="1" smtClean="0"/>
               <a:t>페</a:t>
             </a:r>
-            <a:endParaRPr lang="en-US" altLang="ko-KR" sz="1000" dirty="0" smtClean="0"/>
-          </a:p>
-          <a:p>
-            <a:r>
-              <a:rPr lang="en-US" altLang="ko-KR" sz="1000" dirty="0"/>
+            <a:endParaRPr lang="en-US" altLang="ko-KR" sz="1000" smtClean="0"/>
+          </a:p>
+          <a:p>
+            <a:r>
+              <a:rPr lang="en-US" altLang="ko-KR" sz="1000"/>
               <a:t> </a:t>
             </a:r>
             <a:r>
-              <a:rPr lang="en-US" altLang="ko-KR" sz="1000" dirty="0" smtClean="0"/>
+              <a:rPr lang="en-US" altLang="ko-KR" sz="1000" smtClean="0"/>
               <a:t>   </a:t>
             </a:r>
             <a:r>
-              <a:rPr lang="ko-KR" altLang="en-US" sz="1000" dirty="0" smtClean="0"/>
+              <a:rPr lang="ko-KR" altLang="en-US" sz="1000" smtClean="0"/>
               <a:t>이지로 되돌아 갈 수 있는 버튼과 작성한 사항</a:t>
             </a:r>
-            <a:endParaRPr lang="en-US" altLang="ko-KR" sz="1000" dirty="0" smtClean="0"/>
-          </a:p>
-          <a:p>
-            <a:r>
-              <a:rPr lang="en-US" altLang="ko-KR" sz="1000" dirty="0"/>
+            <a:endParaRPr lang="en-US" altLang="ko-KR" sz="1000" smtClean="0"/>
+          </a:p>
+          <a:p>
+            <a:r>
+              <a:rPr lang="en-US" altLang="ko-KR" sz="1000"/>
               <a:t> </a:t>
             </a:r>
             <a:r>
-              <a:rPr lang="en-US" altLang="ko-KR" sz="1000" dirty="0" smtClean="0"/>
+              <a:rPr lang="en-US" altLang="ko-KR" sz="1000" smtClean="0"/>
               <a:t>   </a:t>
             </a:r>
             <a:r>
-              <a:rPr lang="ko-KR" altLang="en-US" sz="1000" dirty="0" smtClean="0"/>
+              <a:rPr lang="ko-KR" altLang="en-US" sz="1000" smtClean="0"/>
               <a:t>을 데이터베이스에 저장하여 출력할 수 있게  </a:t>
             </a:r>
-            <a:endParaRPr lang="en-US" altLang="ko-KR" sz="1000" dirty="0" smtClean="0"/>
-          </a:p>
-          <a:p>
-            <a:r>
-              <a:rPr lang="en-US" altLang="ko-KR" sz="1000" dirty="0"/>
+            <a:endParaRPr lang="en-US" altLang="ko-KR" sz="1000" smtClean="0"/>
+          </a:p>
+          <a:p>
+            <a:r>
+              <a:rPr lang="en-US" altLang="ko-KR" sz="1000"/>
               <a:t> </a:t>
             </a:r>
             <a:r>
-              <a:rPr lang="en-US" altLang="ko-KR" sz="1000" dirty="0" smtClean="0"/>
+              <a:rPr lang="en-US" altLang="ko-KR" sz="1000" smtClean="0"/>
               <a:t>   </a:t>
             </a:r>
             <a:r>
-              <a:rPr lang="ko-KR" altLang="en-US" sz="1000" dirty="0" smtClean="0"/>
+              <a:rPr lang="ko-KR" altLang="en-US" sz="1000" smtClean="0"/>
               <a:t>하는 버튼을 포함한 부분</a:t>
             </a:r>
-            <a:endParaRPr lang="ko-KR" altLang="en-US" sz="1000" dirty="0"/>
+            <a:endParaRPr lang="ko-KR" altLang="en-US" sz="1000"/>
           </a:p>
         </p:txBody>
       </p:sp>
@@ -9750,7 +9754,7 @@
           <a:blip r:embed="rId2" cstate="print">
             <a:extLst>
               <a:ext uri="{28A0092B-C50C-407E-A947-70E740481C1C}">
-                <a14:useLocalDpi xmlns:a14="http://schemas.microsoft.com/office/drawing/2010/main" xmlns="" val="0"/>
+                <a14:useLocalDpi xmlns="" xmlns:a14="http://schemas.microsoft.com/office/drawing/2010/main" val="0"/>
               </a:ext>
             </a:extLst>
           </a:blip>
@@ -9837,10 +9841,10 @@
           <a:p>
             <a:pPr algn="ctr"/>
             <a:r>
-              <a:rPr lang="en-US" altLang="ko-KR" dirty="0"/>
+              <a:rPr lang="en-US" altLang="ko-KR"/>
               <a:t>1</a:t>
             </a:r>
-            <a:endParaRPr lang="ko-KR" altLang="en-US" dirty="0"/>
+            <a:endParaRPr lang="ko-KR" altLang="en-US"/>
           </a:p>
         </p:txBody>
       </p:sp>
@@ -9881,10 +9885,10 @@
           <a:p>
             <a:pPr algn="ctr"/>
             <a:r>
-              <a:rPr lang="en-US" altLang="ko-KR" dirty="0" smtClean="0"/>
+              <a:rPr lang="en-US" altLang="ko-KR" smtClean="0"/>
               <a:t>2</a:t>
             </a:r>
-            <a:endParaRPr lang="ko-KR" altLang="en-US" dirty="0"/>
+            <a:endParaRPr lang="ko-KR" altLang="en-US"/>
           </a:p>
         </p:txBody>
       </p:sp>
@@ -9925,10 +9929,10 @@
           <a:p>
             <a:pPr algn="ctr"/>
             <a:r>
-              <a:rPr lang="en-US" altLang="ko-KR" dirty="0" smtClean="0"/>
+              <a:rPr lang="en-US" altLang="ko-KR" smtClean="0"/>
               <a:t>4</a:t>
             </a:r>
-            <a:endParaRPr lang="ko-KR" altLang="en-US" dirty="0"/>
+            <a:endParaRPr lang="ko-KR" altLang="en-US"/>
           </a:p>
         </p:txBody>
       </p:sp>
@@ -9969,10 +9973,10 @@
           <a:p>
             <a:pPr algn="ctr"/>
             <a:r>
-              <a:rPr lang="en-US" altLang="ko-KR" dirty="0" smtClean="0"/>
+              <a:rPr lang="en-US" altLang="ko-KR" smtClean="0"/>
               <a:t>3</a:t>
             </a:r>
-            <a:endParaRPr lang="ko-KR" altLang="en-US" dirty="0"/>
+            <a:endParaRPr lang="ko-KR" altLang="en-US"/>
           </a:p>
         </p:txBody>
       </p:sp>
@@ -10005,10 +10009,10 @@
                     <a:p>
                       <a:pPr algn="ctr" latinLnBrk="1"/>
                       <a:r>
-                        <a:rPr lang="ko-KR" altLang="en-US" sz="1200" dirty="0" smtClean="0"/>
+                        <a:rPr lang="ko-KR" altLang="en-US" sz="1200" smtClean="0"/>
                         <a:t>경로</a:t>
                       </a:r>
-                      <a:endParaRPr lang="ko-KR" altLang="en-US" sz="1200" dirty="0"/>
+                      <a:endParaRPr lang="ko-KR" altLang="en-US" sz="1200"/>
                     </a:p>
                   </a:txBody>
                   <a:tcPr/>
@@ -10022,10 +10026,10 @@
                     <a:p>
                       <a:pPr latinLnBrk="1"/>
                       <a:r>
-                        <a:rPr lang="en-US" altLang="ko-KR" sz="1200" dirty="0" smtClean="0"/>
+                        <a:rPr lang="en-US" altLang="ko-KR" sz="1200" smtClean="0"/>
                         <a:t>Request</a:t>
                       </a:r>
-                      <a:endParaRPr lang="ko-KR" altLang="en-US" sz="1200" dirty="0"/>
+                      <a:endParaRPr lang="ko-KR" altLang="en-US" sz="1200"/>
                     </a:p>
                   </a:txBody>
                   <a:tcPr/>
@@ -10055,14 +10059,14 @@
                         <a:defRPr/>
                       </a:pPr>
                       <a:r>
-                        <a:rPr lang="en-US" altLang="ko-KR" sz="1200" dirty="0" smtClean="0"/>
+                        <a:rPr lang="en-US" altLang="ko-KR" sz="1200" smtClean="0"/>
                         <a:t>/</a:t>
                       </a:r>
                       <a:r>
-                        <a:rPr lang="en-US" altLang="ko-KR" sz="1200" dirty="0" err="1" smtClean="0"/>
+                        <a:rPr lang="en-US" altLang="ko-KR" sz="1200" err="1" smtClean="0"/>
                         <a:t>plusinfo.do</a:t>
                       </a:r>
-                      <a:endParaRPr lang="ko-KR" altLang="en-US" sz="1200" dirty="0"/>
+                      <a:endParaRPr lang="ko-KR" altLang="en-US" sz="1200"/>
                     </a:p>
                   </a:txBody>
                   <a:tcPr/>
@@ -10076,10 +10080,10 @@
                     <a:p>
                       <a:pPr latinLnBrk="1"/>
                       <a:r>
-                        <a:rPr lang="en-US" altLang="ko-KR" sz="1200" dirty="0" smtClean="0"/>
+                        <a:rPr lang="en-US" altLang="ko-KR" sz="1200" smtClean="0"/>
                         <a:t>Controller</a:t>
                       </a:r>
-                      <a:endParaRPr lang="ko-KR" altLang="en-US" sz="1200" dirty="0"/>
+                      <a:endParaRPr lang="ko-KR" altLang="en-US" sz="1200"/>
                     </a:p>
                   </a:txBody>
                   <a:tcPr/>
@@ -10109,10 +10113,10 @@
                         <a:defRPr/>
                       </a:pPr>
                       <a:r>
-                        <a:rPr lang="en-US" altLang="ko-KR" sz="1200" dirty="0" err="1" smtClean="0"/>
+                        <a:rPr lang="en-US" altLang="ko-KR" sz="1200" err="1" smtClean="0"/>
                         <a:t>controller.PlusInfoController</a:t>
                       </a:r>
-                      <a:endParaRPr lang="ko-KR" altLang="en-US" sz="1200" dirty="0"/>
+                      <a:endParaRPr lang="ko-KR" altLang="en-US" sz="1200"/>
                     </a:p>
                   </a:txBody>
                   <a:tcPr/>
@@ -10126,10 +10130,10 @@
                     <a:p>
                       <a:pPr latinLnBrk="1"/>
                       <a:r>
-                        <a:rPr lang="en-US" altLang="ko-KR" sz="1200" dirty="0" smtClean="0"/>
+                        <a:rPr lang="en-US" altLang="ko-KR" sz="1200" smtClean="0"/>
                         <a:t>View</a:t>
                       </a:r>
-                      <a:endParaRPr lang="ko-KR" altLang="en-US" sz="1200" dirty="0"/>
+                      <a:endParaRPr lang="ko-KR" altLang="en-US" sz="1200"/>
                     </a:p>
                   </a:txBody>
                   <a:tcPr/>
@@ -10159,10 +10163,10 @@
                         <a:defRPr/>
                       </a:pPr>
                       <a:r>
-                        <a:rPr lang="en-US" altLang="ko-KR" sz="1200" dirty="0" smtClean="0"/>
+                        <a:rPr lang="en-US" altLang="ko-KR" sz="1200" smtClean="0"/>
                         <a:t>/view/product/Plusinfo.jsp</a:t>
                       </a:r>
-                      <a:endParaRPr lang="ko-KR" altLang="en-US" sz="1200" dirty="0"/>
+                      <a:endParaRPr lang="ko-KR" altLang="en-US" sz="1200"/>
                     </a:p>
                   </a:txBody>
                   <a:tcPr/>
@@ -10175,7 +10179,7 @@
     </p:spTree>
     <p:extLst>
       <p:ext uri="{BB962C8B-B14F-4D97-AF65-F5344CB8AC3E}">
-        <p14:creationId xmlns:p14="http://schemas.microsoft.com/office/powerpoint/2010/main" xmlns="" val="3659078940"/>
+        <p14:creationId xmlns="" xmlns:p14="http://schemas.microsoft.com/office/powerpoint/2010/main" val="3659078940"/>
       </p:ext>
     </p:extLst>
   </p:cSld>
@@ -10219,7 +10223,7 @@
           <p:nvPr>
             <p:extLst>
               <p:ext uri="{D42A27DB-BD31-4B8C-83A1-F6EECF244321}">
-                <p14:modId xmlns:p14="http://schemas.microsoft.com/office/powerpoint/2010/main" xmlns="" val="1998104781"/>
+                <p14:modId xmlns="" xmlns:p14="http://schemas.microsoft.com/office/powerpoint/2010/main" val="1998104781"/>
               </p:ext>
             </p:extLst>
           </p:nvPr>
@@ -10238,42 +10242,42 @@
                 <a:gridCol w="1840576">
                   <a:extLst>
                     <a:ext uri="{9D8B030D-6E8A-4147-A177-3AD203B41FA5}">
-                      <a16:colId xmlns:a16="http://schemas.microsoft.com/office/drawing/2014/main" xmlns="" val="20000"/>
+                      <a16:colId xmlns="" xmlns:a16="http://schemas.microsoft.com/office/drawing/2014/main" val="20000"/>
                     </a:ext>
                   </a:extLst>
                 </a:gridCol>
                 <a:gridCol w="2927856">
                   <a:extLst>
                     <a:ext uri="{9D8B030D-6E8A-4147-A177-3AD203B41FA5}">
-                      <a16:colId xmlns:a16="http://schemas.microsoft.com/office/drawing/2014/main" xmlns="" val="20001"/>
+                      <a16:colId xmlns="" xmlns:a16="http://schemas.microsoft.com/office/drawing/2014/main" val="20001"/>
                     </a:ext>
                   </a:extLst>
                 </a:gridCol>
                 <a:gridCol w="1448009">
                   <a:extLst>
                     <a:ext uri="{9D8B030D-6E8A-4147-A177-3AD203B41FA5}">
-                      <a16:colId xmlns:a16="http://schemas.microsoft.com/office/drawing/2014/main" xmlns="" val="20002"/>
+                      <a16:colId xmlns="" xmlns:a16="http://schemas.microsoft.com/office/drawing/2014/main" val="20002"/>
                     </a:ext>
                   </a:extLst>
                 </a:gridCol>
                 <a:gridCol w="2570627">
                   <a:extLst>
                     <a:ext uri="{9D8B030D-6E8A-4147-A177-3AD203B41FA5}">
-                      <a16:colId xmlns:a16="http://schemas.microsoft.com/office/drawing/2014/main" xmlns="" val="20003"/>
+                      <a16:colId xmlns="" xmlns:a16="http://schemas.microsoft.com/office/drawing/2014/main" val="20003"/>
                     </a:ext>
                   </a:extLst>
                 </a:gridCol>
                 <a:gridCol w="1644650">
                   <a:extLst>
                     <a:ext uri="{9D8B030D-6E8A-4147-A177-3AD203B41FA5}">
-                      <a16:colId xmlns:a16="http://schemas.microsoft.com/office/drawing/2014/main" xmlns="" val="20004"/>
+                      <a16:colId xmlns="" xmlns:a16="http://schemas.microsoft.com/office/drawing/2014/main" val="20004"/>
                     </a:ext>
                   </a:extLst>
                 </a:gridCol>
                 <a:gridCol w="1295399">
                   <a:extLst>
                     <a:ext uri="{9D8B030D-6E8A-4147-A177-3AD203B41FA5}">
-                      <a16:colId xmlns:a16="http://schemas.microsoft.com/office/drawing/2014/main" xmlns="" val="20006"/>
+                      <a16:colId xmlns="" xmlns:a16="http://schemas.microsoft.com/office/drawing/2014/main" val="20006"/>
                     </a:ext>
                   </a:extLst>
                 </a:gridCol>
@@ -10288,7 +10292,7 @@
                         <a:defRPr lang="ko-KR" altLang="en-US"/>
                       </a:pPr>
                       <a:r>
-                        <a:rPr lang="ko-KR" altLang="en-US" sz="1000" b="0" dirty="0" smtClean="0">
+                        <a:rPr lang="ko-KR" altLang="en-US" sz="1000" b="0" smtClean="0">
                           <a:solidFill>
                             <a:schemeClr val="tx1"/>
                           </a:solidFill>
@@ -10297,7 +10301,7 @@
                         </a:rPr>
                         <a:t>프로젝트 명 </a:t>
                       </a:r>
-                      <a:endParaRPr lang="ko-KR" altLang="en-US" sz="1000" b="0" dirty="0">
+                      <a:endParaRPr lang="ko-KR" altLang="en-US" sz="1000" b="0">
                         <a:solidFill>
                           <a:schemeClr val="tx1"/>
                         </a:solidFill>
@@ -10359,7 +10363,7 @@
                         <a:defRPr lang="ko-KR" altLang="en-US"/>
                       </a:pPr>
                       <a:r>
-                        <a:rPr lang="en-US" altLang="ko-KR" sz="1000" b="0" dirty="0" err="1" smtClean="0">
+                        <a:rPr lang="en-US" altLang="ko-KR" sz="1000" b="0" err="1" smtClean="0">
                           <a:solidFill>
                             <a:schemeClr val="tx1"/>
                           </a:solidFill>
@@ -10368,7 +10372,7 @@
                         </a:rPr>
                         <a:t>mediQ</a:t>
                       </a:r>
-                      <a:endParaRPr lang="ko-KR" altLang="en-US" sz="1000" b="0" dirty="0">
+                      <a:endParaRPr lang="ko-KR" altLang="en-US" sz="1000" b="0">
                         <a:solidFill>
                           <a:schemeClr val="tx1"/>
                         </a:solidFill>
@@ -10426,7 +10430,7 @@
                         <a:defRPr lang="ko-KR" altLang="en-US"/>
                       </a:pPr>
                       <a:r>
-                        <a:rPr lang="ko-KR" altLang="en-US" sz="1000" b="0" dirty="0" smtClean="0">
+                        <a:rPr lang="ko-KR" altLang="en-US" sz="1000" b="0" smtClean="0">
                           <a:solidFill>
                             <a:schemeClr val="tx1"/>
                           </a:solidFill>
@@ -10435,7 +10439,7 @@
                         </a:rPr>
                         <a:t>페이지 명</a:t>
                       </a:r>
-                      <a:endParaRPr lang="ko-KR" altLang="en-US" sz="1000" b="0" dirty="0">
+                      <a:endParaRPr lang="ko-KR" altLang="en-US" sz="1000" b="0">
                         <a:solidFill>
                           <a:schemeClr val="tx1"/>
                         </a:solidFill>
@@ -10497,7 +10501,7 @@
                         <a:defRPr lang="ko-KR" altLang="en-US"/>
                       </a:pPr>
                       <a:r>
-                        <a:rPr lang="ko-KR" altLang="en-US" sz="1000" b="0" dirty="0" smtClean="0">
+                        <a:rPr lang="ko-KR" altLang="en-US" sz="1000" b="0" smtClean="0">
                           <a:solidFill>
                             <a:schemeClr val="tx1"/>
                           </a:solidFill>
@@ -10507,7 +10511,7 @@
                         <a:t>관리자</a:t>
                       </a:r>
                       <a:r>
-                        <a:rPr lang="en-US" altLang="ko-KR" sz="1000" b="0" dirty="0" smtClean="0">
+                        <a:rPr lang="en-US" altLang="ko-KR" sz="1000" b="0" smtClean="0">
                           <a:solidFill>
                             <a:schemeClr val="tx1"/>
                           </a:solidFill>
@@ -10517,7 +10521,7 @@
                         <a:t>-</a:t>
                       </a:r>
                       <a:r>
-                        <a:rPr lang="ko-KR" altLang="en-US" sz="1000" b="0" dirty="0" smtClean="0">
+                        <a:rPr lang="ko-KR" altLang="en-US" sz="1000" b="0" smtClean="0">
                           <a:solidFill>
                             <a:schemeClr val="tx1"/>
                           </a:solidFill>
@@ -10526,7 +10530,7 @@
                         </a:rPr>
                         <a:t>의약품 정보 상세조회</a:t>
                       </a:r>
-                      <a:endParaRPr lang="ko-KR" altLang="en-US" sz="1000" b="0" dirty="0">
+                      <a:endParaRPr lang="ko-KR" altLang="en-US" sz="1000" b="0">
                         <a:solidFill>
                           <a:schemeClr val="tx1"/>
                         </a:solidFill>
@@ -10584,7 +10588,7 @@
                         <a:defRPr lang="ko-KR" altLang="en-US"/>
                       </a:pPr>
                       <a:r>
-                        <a:rPr lang="ko-KR" altLang="en-US" sz="1000" b="0" dirty="0" smtClean="0">
+                        <a:rPr lang="ko-KR" altLang="en-US" sz="1000" b="0" smtClean="0">
                           <a:solidFill>
                             <a:schemeClr val="tx1"/>
                           </a:solidFill>
@@ -10593,7 +10597,7 @@
                         </a:rPr>
                         <a:t>작성자</a:t>
                       </a:r>
-                      <a:endParaRPr lang="ko-KR" altLang="en-US" sz="1000" b="0" dirty="0">
+                      <a:endParaRPr lang="ko-KR" altLang="en-US" sz="1000" b="0">
                         <a:solidFill>
                           <a:schemeClr val="tx1"/>
                         </a:solidFill>
@@ -10655,7 +10659,7 @@
                         <a:defRPr lang="ko-KR" altLang="en-US"/>
                       </a:pPr>
                       <a:r>
-                        <a:rPr lang="ko-KR" altLang="en-US" sz="1000" b="0" dirty="0" smtClean="0">
+                        <a:rPr lang="ko-KR" altLang="en-US" sz="1000" b="0" smtClean="0">
                           <a:solidFill>
                             <a:schemeClr val="tx1"/>
                           </a:solidFill>
@@ -10664,7 +10668,7 @@
                         </a:rPr>
                         <a:t>박종수</a:t>
                       </a:r>
-                      <a:endParaRPr lang="ko-KR" altLang="en-US" sz="1000" b="0" dirty="0">
+                      <a:endParaRPr lang="ko-KR" altLang="en-US" sz="1000" b="0">
                         <a:solidFill>
                           <a:schemeClr val="tx1"/>
                         </a:solidFill>
@@ -10717,7 +10721,7 @@
                 </a:tc>
                 <a:extLst>
                   <a:ext uri="{0D108BD9-81ED-4DB2-BD59-A6C34878D82A}">
-                    <a16:rowId xmlns:a16="http://schemas.microsoft.com/office/drawing/2014/main" xmlns="" val="10000"/>
+                    <a16:rowId xmlns="" xmlns:a16="http://schemas.microsoft.com/office/drawing/2014/main" val="10000"/>
                   </a:ext>
                 </a:extLst>
               </a:tr>
@@ -10749,7 +10753,7 @@
                 <a:gridCol w="8783894">
                   <a:extLst>
                     <a:ext uri="{9D8B030D-6E8A-4147-A177-3AD203B41FA5}">
-                      <a16:colId xmlns:a16="http://schemas.microsoft.com/office/drawing/2014/main" xmlns="" val="20000"/>
+                      <a16:colId xmlns="" xmlns:a16="http://schemas.microsoft.com/office/drawing/2014/main" val="20000"/>
                     </a:ext>
                   </a:extLst>
                 </a:gridCol>
@@ -10765,7 +10769,7 @@
                         <a:defRPr lang="ko-KR" altLang="en-US"/>
                       </a:pPr>
                       <a:r>
-                        <a:rPr lang="ko-KR" altLang="en-US" sz="1000" b="0" dirty="0" smtClean="0">
+                        <a:rPr lang="ko-KR" altLang="en-US" sz="1000" b="0" smtClean="0">
                           <a:solidFill>
                             <a:schemeClr val="tx1"/>
                           </a:solidFill>
@@ -10774,7 +10778,7 @@
                         </a:rPr>
                         <a:t>화면 구성</a:t>
                       </a:r>
-                      <a:endParaRPr lang="ko-KR" altLang="en-US" sz="1000" b="0" dirty="0">
+                      <a:endParaRPr lang="ko-KR" altLang="en-US" sz="1000" b="0">
                         <a:solidFill>
                           <a:schemeClr val="tx1"/>
                         </a:solidFill>
@@ -10840,7 +10844,7 @@
                         <a:defRPr lang="ko-KR" altLang="en-US"/>
                       </a:pPr>
                       <a:r>
-                        <a:rPr lang="ko-KR" altLang="en-US" sz="1000" b="0" dirty="0" smtClean="0">
+                        <a:rPr lang="ko-KR" altLang="en-US" sz="1000" b="0" smtClean="0">
                           <a:solidFill>
                             <a:schemeClr val="tx1"/>
                           </a:solidFill>
@@ -10849,7 +10853,7 @@
                         </a:rPr>
                         <a:t>화면 설명</a:t>
                       </a:r>
-                      <a:endParaRPr lang="ko-KR" altLang="en-US" sz="1000" b="0" dirty="0">
+                      <a:endParaRPr lang="ko-KR" altLang="en-US" sz="1000" b="0">
                         <a:solidFill>
                           <a:schemeClr val="tx1"/>
                         </a:solidFill>
@@ -10906,7 +10910,7 @@
                 </a:tc>
                 <a:extLst>
                   <a:ext uri="{0D108BD9-81ED-4DB2-BD59-A6C34878D82A}">
-                    <a16:rowId xmlns:a16="http://schemas.microsoft.com/office/drawing/2014/main" xmlns="" val="10000"/>
+                    <a16:rowId xmlns="" xmlns:a16="http://schemas.microsoft.com/office/drawing/2014/main" val="10000"/>
                   </a:ext>
                 </a:extLst>
               </a:tr>
@@ -10919,7 +10923,7 @@
                       <a:pPr algn="ctr" latinLnBrk="1">
                         <a:defRPr lang="ko-KR" altLang="en-US"/>
                       </a:pPr>
-                      <a:endParaRPr lang="ko-KR" altLang="en-US" sz="1000" b="0" dirty="0">
+                      <a:endParaRPr lang="ko-KR" altLang="en-US" sz="1000" b="0">
                         <a:solidFill>
                           <a:schemeClr val="tx1"/>
                         </a:solidFill>
@@ -10980,7 +10984,7 @@
                       <a:pPr algn="ctr" latinLnBrk="1">
                         <a:defRPr lang="ko-KR" altLang="en-US"/>
                       </a:pPr>
-                      <a:endParaRPr lang="ko-KR" altLang="en-US" sz="1000" b="0" dirty="0">
+                      <a:endParaRPr lang="ko-KR" altLang="en-US" sz="1000" b="0">
                         <a:solidFill>
                           <a:schemeClr val="tx1"/>
                         </a:solidFill>
@@ -11060,286 +11064,286 @@
           <a:lstStyle/>
           <a:p>
             <a:r>
-              <a:rPr lang="en-US" altLang="ko-KR" sz="1000" dirty="0" smtClean="0"/>
+              <a:rPr lang="en-US" altLang="ko-KR" sz="1000" smtClean="0"/>
               <a:t>1. </a:t>
             </a:r>
             <a:r>
-              <a:rPr lang="ko-KR" altLang="en-US" sz="1000" dirty="0" smtClean="0"/>
+              <a:rPr lang="ko-KR" altLang="en-US" sz="1000" smtClean="0"/>
               <a:t>관리자 페이지 </a:t>
             </a:r>
             <a:r>
-              <a:rPr lang="en-US" altLang="ko-KR" sz="1000" dirty="0" smtClean="0"/>
+              <a:rPr lang="en-US" altLang="ko-KR" sz="1000" smtClean="0"/>
               <a:t>- </a:t>
             </a:r>
             <a:r>
-              <a:rPr lang="ko-KR" altLang="en-US" sz="1000" dirty="0" smtClean="0"/>
+              <a:rPr lang="ko-KR" altLang="en-US" sz="1000" smtClean="0"/>
               <a:t>의약품 정보 상세조회 페이지</a:t>
             </a:r>
             <a:r>
-              <a:rPr lang="en-US" altLang="ko-KR" sz="1000" dirty="0" smtClean="0"/>
+              <a:rPr lang="en-US" altLang="ko-KR" sz="1000" smtClean="0"/>
               <a:t> </a:t>
             </a:r>
           </a:p>
           <a:p>
-            <a:endParaRPr lang="en-US" altLang="ko-KR" sz="1000" dirty="0" smtClean="0"/>
-          </a:p>
-          <a:p>
-            <a:r>
-              <a:rPr lang="en-US" altLang="ko-KR" sz="1000" dirty="0" smtClean="0"/>
+            <a:endParaRPr lang="en-US" altLang="ko-KR" sz="1000" smtClean="0"/>
+          </a:p>
+          <a:p>
+            <a:r>
+              <a:rPr lang="en-US" altLang="ko-KR" sz="1000" smtClean="0"/>
               <a:t>2. </a:t>
             </a:r>
             <a:r>
-              <a:rPr lang="ko-KR" altLang="en-US" sz="1000" dirty="0" smtClean="0"/>
+              <a:rPr lang="ko-KR" altLang="en-US" sz="1000" smtClean="0"/>
               <a:t>의약품 정보 출력</a:t>
             </a:r>
-            <a:endParaRPr lang="en-US" altLang="ko-KR" sz="1000" dirty="0" smtClean="0"/>
-          </a:p>
-          <a:p>
-            <a:r>
-              <a:rPr lang="en-US" altLang="ko-KR" sz="1000" dirty="0"/>
+            <a:endParaRPr lang="en-US" altLang="ko-KR" sz="1000" smtClean="0"/>
+          </a:p>
+          <a:p>
+            <a:r>
+              <a:rPr lang="en-US" altLang="ko-KR" sz="1000"/>
               <a:t> </a:t>
             </a:r>
             <a:r>
-              <a:rPr lang="en-US" altLang="ko-KR" sz="1000" dirty="0" smtClean="0"/>
+              <a:rPr lang="en-US" altLang="ko-KR" sz="1000" smtClean="0"/>
               <a:t>  </a:t>
             </a:r>
             <a:r>
-              <a:rPr lang="ko-KR" altLang="en-US" sz="1000" dirty="0" smtClean="0"/>
+              <a:rPr lang="ko-KR" altLang="en-US" sz="1000" smtClean="0"/>
               <a:t>의약품 검색 결과 페이지에서 품목명을 </a:t>
             </a:r>
             <a:r>
-              <a:rPr lang="ko-KR" altLang="en-US" sz="1000" dirty="0" err="1" smtClean="0"/>
+              <a:rPr lang="ko-KR" altLang="en-US" sz="1000" err="1" smtClean="0"/>
               <a:t>기준으</a:t>
             </a:r>
-            <a:endParaRPr lang="en-US" altLang="ko-KR" sz="1000" dirty="0" smtClean="0"/>
-          </a:p>
-          <a:p>
-            <a:r>
-              <a:rPr lang="en-US" altLang="ko-KR" sz="1000" dirty="0" smtClean="0"/>
+            <a:endParaRPr lang="en-US" altLang="ko-KR" sz="1000" smtClean="0"/>
+          </a:p>
+          <a:p>
+            <a:r>
+              <a:rPr lang="en-US" altLang="ko-KR" sz="1000" smtClean="0"/>
               <a:t>   </a:t>
             </a:r>
             <a:r>
-              <a:rPr lang="ko-KR" altLang="en-US" sz="1000" dirty="0" smtClean="0"/>
+              <a:rPr lang="ko-KR" altLang="en-US" sz="1000" smtClean="0"/>
               <a:t>로 검색 후 출력되는 품목기준코드</a:t>
             </a:r>
             <a:r>
-              <a:rPr lang="en-US" altLang="ko-KR" sz="1000" dirty="0" smtClean="0"/>
+              <a:rPr lang="en-US" altLang="ko-KR" sz="1000" smtClean="0"/>
               <a:t>, </a:t>
             </a:r>
             <a:r>
-              <a:rPr lang="ko-KR" altLang="en-US" sz="1000" dirty="0" smtClean="0"/>
+              <a:rPr lang="ko-KR" altLang="en-US" sz="1000" smtClean="0"/>
               <a:t>품목명</a:t>
             </a:r>
             <a:r>
-              <a:rPr lang="en-US" altLang="ko-KR" sz="1000" dirty="0" smtClean="0"/>
+              <a:rPr lang="en-US" altLang="ko-KR" sz="1000" smtClean="0"/>
               <a:t>, </a:t>
             </a:r>
             <a:r>
-              <a:rPr lang="ko-KR" altLang="en-US" sz="1000" dirty="0" smtClean="0"/>
+              <a:rPr lang="ko-KR" altLang="en-US" sz="1000" smtClean="0"/>
               <a:t>업</a:t>
             </a:r>
-            <a:endParaRPr lang="en-US" altLang="ko-KR" sz="1000" dirty="0" smtClean="0"/>
-          </a:p>
-          <a:p>
-            <a:r>
-              <a:rPr lang="en-US" altLang="ko-KR" sz="1000" dirty="0" smtClean="0"/>
+            <a:endParaRPr lang="en-US" altLang="ko-KR" sz="1000" smtClean="0"/>
+          </a:p>
+          <a:p>
+            <a:r>
+              <a:rPr lang="en-US" altLang="ko-KR" sz="1000" smtClean="0"/>
               <a:t>   </a:t>
             </a:r>
             <a:r>
-              <a:rPr lang="ko-KR" altLang="en-US" sz="1000" dirty="0" err="1" smtClean="0"/>
+              <a:rPr lang="ko-KR" altLang="en-US" sz="1000" err="1" smtClean="0"/>
               <a:t>체명</a:t>
             </a:r>
             <a:r>
-              <a:rPr lang="en-US" altLang="ko-KR" sz="1000" dirty="0" smtClean="0"/>
+              <a:rPr lang="en-US" altLang="ko-KR" sz="1000" smtClean="0"/>
               <a:t>, </a:t>
             </a:r>
             <a:r>
-              <a:rPr lang="ko-KR" altLang="en-US" sz="1000" dirty="0" smtClean="0"/>
+              <a:rPr lang="ko-KR" altLang="en-US" sz="1000" smtClean="0"/>
               <a:t>허가일자</a:t>
             </a:r>
             <a:r>
-              <a:rPr lang="en-US" altLang="ko-KR" sz="1000" dirty="0" smtClean="0"/>
+              <a:rPr lang="en-US" altLang="ko-KR" sz="1000" smtClean="0"/>
               <a:t>, </a:t>
             </a:r>
             <a:r>
-              <a:rPr lang="ko-KR" altLang="en-US" sz="1000" dirty="0" smtClean="0"/>
+              <a:rPr lang="ko-KR" altLang="en-US" sz="1000" smtClean="0"/>
               <a:t>주의사항</a:t>
             </a:r>
             <a:r>
-              <a:rPr lang="en-US" altLang="ko-KR" sz="1000" dirty="0" smtClean="0"/>
+              <a:rPr lang="en-US" altLang="ko-KR" sz="1000" smtClean="0"/>
               <a:t>, </a:t>
             </a:r>
             <a:r>
-              <a:rPr lang="ko-KR" altLang="en-US" sz="1000" dirty="0" smtClean="0"/>
+              <a:rPr lang="ko-KR" altLang="en-US" sz="1000" smtClean="0"/>
               <a:t>취소일자</a:t>
             </a:r>
             <a:r>
-              <a:rPr lang="en-US" altLang="ko-KR" sz="1000" dirty="0" smtClean="0"/>
+              <a:rPr lang="en-US" altLang="ko-KR" sz="1000" smtClean="0"/>
               <a:t>, </a:t>
             </a:r>
             <a:r>
-              <a:rPr lang="ko-KR" altLang="en-US" sz="1000" dirty="0" smtClean="0"/>
+              <a:rPr lang="ko-KR" altLang="en-US" sz="1000" smtClean="0"/>
               <a:t>전문일반</a:t>
             </a:r>
             <a:r>
-              <a:rPr lang="en-US" altLang="ko-KR" sz="1000" dirty="0" smtClean="0"/>
+              <a:rPr lang="en-US" altLang="ko-KR" sz="1000" smtClean="0"/>
               <a:t>, </a:t>
             </a:r>
           </a:p>
           <a:p>
             <a:r>
-              <a:rPr lang="en-US" altLang="ko-KR" sz="1000" dirty="0" smtClean="0"/>
+              <a:rPr lang="en-US" altLang="ko-KR" sz="1000" smtClean="0"/>
               <a:t>   </a:t>
             </a:r>
             <a:r>
-              <a:rPr lang="ko-KR" altLang="en-US" sz="1000" dirty="0" smtClean="0"/>
+              <a:rPr lang="ko-KR" altLang="en-US" sz="1000" smtClean="0"/>
               <a:t>용법용량</a:t>
             </a:r>
             <a:r>
-              <a:rPr lang="en-US" altLang="ko-KR" sz="1000" dirty="0" smtClean="0"/>
+              <a:rPr lang="en-US" altLang="ko-KR" sz="1000" smtClean="0"/>
               <a:t>, </a:t>
             </a:r>
             <a:r>
-              <a:rPr lang="ko-KR" altLang="en-US" sz="1000" dirty="0" smtClean="0"/>
+              <a:rPr lang="ko-KR" altLang="en-US" sz="1000" smtClean="0"/>
               <a:t>변경일자</a:t>
             </a:r>
             <a:r>
-              <a:rPr lang="en-US" altLang="ko-KR" sz="1000" dirty="0" smtClean="0"/>
+              <a:rPr lang="en-US" altLang="ko-KR" sz="1000" smtClean="0"/>
               <a:t>, </a:t>
             </a:r>
             <a:r>
-              <a:rPr lang="ko-KR" altLang="en-US" sz="1000" dirty="0" smtClean="0"/>
+              <a:rPr lang="ko-KR" altLang="en-US" sz="1000" smtClean="0"/>
               <a:t>분류</a:t>
             </a:r>
             <a:r>
-              <a:rPr lang="en-US" altLang="ko-KR" sz="1000" dirty="0" smtClean="0"/>
+              <a:rPr lang="en-US" altLang="ko-KR" sz="1000" smtClean="0"/>
               <a:t>, </a:t>
             </a:r>
             <a:r>
-              <a:rPr lang="ko-KR" altLang="en-US" sz="1000" dirty="0" smtClean="0"/>
+              <a:rPr lang="ko-KR" altLang="en-US" sz="1000" smtClean="0"/>
               <a:t>성상</a:t>
             </a:r>
             <a:r>
-              <a:rPr lang="en-US" altLang="ko-KR" sz="1000" dirty="0" smtClean="0"/>
+              <a:rPr lang="en-US" altLang="ko-KR" sz="1000" smtClean="0"/>
               <a:t>, </a:t>
             </a:r>
             <a:r>
-              <a:rPr lang="ko-KR" altLang="en-US" sz="1000" dirty="0" smtClean="0"/>
+              <a:rPr lang="ko-KR" altLang="en-US" sz="1000" smtClean="0"/>
               <a:t>포장단위</a:t>
             </a:r>
             <a:r>
-              <a:rPr lang="en-US" altLang="ko-KR" sz="1000" dirty="0" smtClean="0"/>
+              <a:rPr lang="en-US" altLang="ko-KR" sz="1000" smtClean="0"/>
               <a:t>, </a:t>
             </a:r>
             <a:r>
-              <a:rPr lang="ko-KR" altLang="en-US" sz="1000" dirty="0" smtClean="0"/>
+              <a:rPr lang="ko-KR" altLang="en-US" sz="1000" smtClean="0"/>
               <a:t>효</a:t>
             </a:r>
-            <a:endParaRPr lang="en-US" altLang="ko-KR" sz="1000" dirty="0" smtClean="0"/>
-          </a:p>
-          <a:p>
-            <a:r>
-              <a:rPr lang="en-US" altLang="ko-KR" sz="1000" dirty="0" smtClean="0"/>
+            <a:endParaRPr lang="en-US" altLang="ko-KR" sz="1000" smtClean="0"/>
+          </a:p>
+          <a:p>
+            <a:r>
+              <a:rPr lang="en-US" altLang="ko-KR" sz="1000" smtClean="0"/>
               <a:t>   </a:t>
             </a:r>
             <a:r>
-              <a:rPr lang="ko-KR" altLang="en-US" sz="1000" dirty="0" err="1" smtClean="0"/>
+              <a:rPr lang="ko-KR" altLang="en-US" sz="1000" err="1" smtClean="0"/>
               <a:t>능효과를</a:t>
             </a:r>
             <a:r>
-              <a:rPr lang="ko-KR" altLang="en-US" sz="1000" dirty="0" smtClean="0"/>
+              <a:rPr lang="ko-KR" altLang="en-US" sz="1000" smtClean="0"/>
               <a:t> 조회 할 수 있는 부분</a:t>
             </a:r>
-            <a:endParaRPr lang="en-US" altLang="ko-KR" sz="1000" dirty="0" smtClean="0"/>
-          </a:p>
-          <a:p>
-            <a:endParaRPr lang="en-US" altLang="ko-KR" sz="1000" dirty="0" smtClean="0"/>
-          </a:p>
-          <a:p>
-            <a:r>
-              <a:rPr lang="en-US" altLang="ko-KR" sz="1000" dirty="0" smtClean="0"/>
+            <a:endParaRPr lang="en-US" altLang="ko-KR" sz="1000" smtClean="0"/>
+          </a:p>
+          <a:p>
+            <a:endParaRPr lang="en-US" altLang="ko-KR" sz="1000" smtClean="0"/>
+          </a:p>
+          <a:p>
+            <a:r>
+              <a:rPr lang="en-US" altLang="ko-KR" sz="1000" smtClean="0"/>
               <a:t>3. </a:t>
             </a:r>
             <a:r>
-              <a:rPr lang="ko-KR" altLang="en-US" sz="1000" dirty="0" smtClean="0"/>
+              <a:rPr lang="ko-KR" altLang="en-US" sz="1000" smtClean="0"/>
               <a:t>수정 및 삭제</a:t>
             </a:r>
-            <a:endParaRPr lang="en-US" altLang="ko-KR" sz="1000" dirty="0" smtClean="0"/>
-          </a:p>
-          <a:p>
-            <a:r>
-              <a:rPr lang="en-US" altLang="ko-KR" sz="1000" dirty="0"/>
+            <a:endParaRPr lang="en-US" altLang="ko-KR" sz="1000" smtClean="0"/>
+          </a:p>
+          <a:p>
+            <a:r>
+              <a:rPr lang="en-US" altLang="ko-KR" sz="1000"/>
               <a:t> </a:t>
             </a:r>
             <a:r>
-              <a:rPr lang="en-US" altLang="ko-KR" sz="1000" dirty="0" smtClean="0"/>
+              <a:rPr lang="en-US" altLang="ko-KR" sz="1000" smtClean="0"/>
               <a:t>  </a:t>
             </a:r>
             <a:r>
-              <a:rPr lang="ko-KR" altLang="en-US" sz="1000" dirty="0" smtClean="0"/>
+              <a:rPr lang="ko-KR" altLang="en-US" sz="1000" smtClean="0"/>
               <a:t>상세 보기 페이지에서 수정을 클릭 시</a:t>
             </a:r>
             <a:r>
-              <a:rPr lang="en-US" altLang="ko-KR" sz="1000" dirty="0" smtClean="0"/>
+              <a:rPr lang="en-US" altLang="ko-KR" sz="1000" smtClean="0"/>
               <a:t>, </a:t>
             </a:r>
             <a:r>
-              <a:rPr lang="ko-KR" altLang="en-US" sz="1000" dirty="0" smtClean="0"/>
+              <a:rPr lang="ko-KR" altLang="en-US" sz="1000" smtClean="0"/>
               <a:t>해당 의</a:t>
             </a:r>
-            <a:endParaRPr lang="en-US" altLang="ko-KR" sz="1000" dirty="0" smtClean="0"/>
-          </a:p>
-          <a:p>
-            <a:r>
-              <a:rPr lang="en-US" altLang="ko-KR" sz="1000" dirty="0" smtClean="0"/>
+            <a:endParaRPr lang="en-US" altLang="ko-KR" sz="1000" smtClean="0"/>
+          </a:p>
+          <a:p>
+            <a:r>
+              <a:rPr lang="en-US" altLang="ko-KR" sz="1000" smtClean="0"/>
               <a:t>   </a:t>
             </a:r>
             <a:r>
-              <a:rPr lang="ko-KR" altLang="en-US" sz="1000" dirty="0" smtClean="0"/>
+              <a:rPr lang="ko-KR" altLang="en-US" sz="1000" smtClean="0"/>
               <a:t>약품 정보를 수정할 수 있는 페이지로 넘어가</a:t>
             </a:r>
-            <a:endParaRPr lang="en-US" altLang="ko-KR" sz="1000" dirty="0" smtClean="0"/>
-          </a:p>
-          <a:p>
-            <a:r>
-              <a:rPr lang="en-US" altLang="ko-KR" sz="1000" dirty="0" smtClean="0"/>
+            <a:endParaRPr lang="en-US" altLang="ko-KR" sz="1000" smtClean="0"/>
+          </a:p>
+          <a:p>
+            <a:r>
+              <a:rPr lang="en-US" altLang="ko-KR" sz="1000" smtClean="0"/>
               <a:t>   </a:t>
             </a:r>
             <a:r>
-              <a:rPr lang="ko-KR" altLang="en-US" sz="1000" dirty="0" smtClean="0"/>
+              <a:rPr lang="ko-KR" altLang="en-US" sz="1000" smtClean="0"/>
               <a:t>는 기능을 담당</a:t>
             </a:r>
             <a:r>
-              <a:rPr lang="en-US" altLang="ko-KR" sz="1000" dirty="0" smtClean="0"/>
+              <a:rPr lang="en-US" altLang="ko-KR" sz="1000" smtClean="0"/>
               <a:t>. </a:t>
             </a:r>
             <a:r>
-              <a:rPr lang="ko-KR" altLang="en-US" sz="1000" dirty="0" smtClean="0"/>
+              <a:rPr lang="ko-KR" altLang="en-US" sz="1000" smtClean="0"/>
               <a:t>또한 삭제를 클릭 할 시 해당</a:t>
             </a:r>
-            <a:endParaRPr lang="en-US" altLang="ko-KR" sz="1000" dirty="0" smtClean="0"/>
-          </a:p>
-          <a:p>
-            <a:r>
-              <a:rPr lang="en-US" altLang="ko-KR" sz="1000" dirty="0" smtClean="0"/>
+            <a:endParaRPr lang="en-US" altLang="ko-KR" sz="1000" smtClean="0"/>
+          </a:p>
+          <a:p>
+            <a:r>
+              <a:rPr lang="en-US" altLang="ko-KR" sz="1000" smtClean="0"/>
               <a:t>   </a:t>
             </a:r>
             <a:r>
-              <a:rPr lang="ko-KR" altLang="en-US" sz="1000" dirty="0" smtClean="0"/>
+              <a:rPr lang="ko-KR" altLang="en-US" sz="1000" smtClean="0"/>
               <a:t>되는 의약품의 정보가 데이터베이스에서 삭제 </a:t>
             </a:r>
-            <a:endParaRPr lang="en-US" altLang="ko-KR" sz="1000" dirty="0" smtClean="0"/>
-          </a:p>
-          <a:p>
-            <a:r>
-              <a:rPr lang="en-US" altLang="ko-KR" sz="1000" dirty="0" smtClean="0"/>
+            <a:endParaRPr lang="en-US" altLang="ko-KR" sz="1000" smtClean="0"/>
+          </a:p>
+          <a:p>
+            <a:r>
+              <a:rPr lang="en-US" altLang="ko-KR" sz="1000" smtClean="0"/>
               <a:t>   </a:t>
             </a:r>
             <a:r>
-              <a:rPr lang="ko-KR" altLang="en-US" sz="1000" dirty="0" smtClean="0"/>
+              <a:rPr lang="ko-KR" altLang="en-US" sz="1000" smtClean="0"/>
               <a:t>됨</a:t>
             </a:r>
-            <a:endParaRPr lang="ko-KR" altLang="en-US" sz="1000" dirty="0"/>
+            <a:endParaRPr lang="ko-KR" altLang="en-US" sz="1000"/>
           </a:p>
         </p:txBody>
       </p:sp>
@@ -11355,7 +11359,7 @@
           <a:blip r:embed="rId2" cstate="print">
             <a:extLst>
               <a:ext uri="{28A0092B-C50C-407E-A947-70E740481C1C}">
-                <a14:useLocalDpi xmlns:a14="http://schemas.microsoft.com/office/drawing/2010/main" xmlns="" val="0"/>
+                <a14:useLocalDpi xmlns="" xmlns:a14="http://schemas.microsoft.com/office/drawing/2010/main" val="0"/>
               </a:ext>
             </a:extLst>
           </a:blip>
@@ -11442,10 +11446,10 @@
           <a:p>
             <a:pPr algn="ctr"/>
             <a:r>
-              <a:rPr lang="en-US" altLang="ko-KR" dirty="0" smtClean="0"/>
+              <a:rPr lang="en-US" altLang="ko-KR" smtClean="0"/>
               <a:t>4</a:t>
             </a:r>
-            <a:endParaRPr lang="ko-KR" altLang="en-US" dirty="0"/>
+            <a:endParaRPr lang="ko-KR" altLang="en-US"/>
           </a:p>
         </p:txBody>
       </p:sp>
@@ -11518,10 +11522,10 @@
           <a:p>
             <a:pPr algn="ctr"/>
             <a:r>
-              <a:rPr lang="en-US" altLang="ko-KR" dirty="0"/>
+              <a:rPr lang="en-US" altLang="ko-KR"/>
               <a:t>1</a:t>
             </a:r>
-            <a:endParaRPr lang="ko-KR" altLang="en-US" dirty="0"/>
+            <a:endParaRPr lang="ko-KR" altLang="en-US"/>
           </a:p>
         </p:txBody>
       </p:sp>
@@ -11562,10 +11566,10 @@
           <a:p>
             <a:pPr algn="ctr"/>
             <a:r>
-              <a:rPr lang="en-US" altLang="ko-KR" dirty="0" smtClean="0"/>
+              <a:rPr lang="en-US" altLang="ko-KR" smtClean="0"/>
               <a:t>2</a:t>
             </a:r>
-            <a:endParaRPr lang="ko-KR" altLang="en-US" dirty="0"/>
+            <a:endParaRPr lang="ko-KR" altLang="en-US"/>
           </a:p>
         </p:txBody>
       </p:sp>
@@ -11606,10 +11610,10 @@
           <a:p>
             <a:pPr algn="ctr"/>
             <a:r>
-              <a:rPr lang="en-US" altLang="ko-KR" dirty="0" smtClean="0"/>
+              <a:rPr lang="en-US" altLang="ko-KR" smtClean="0"/>
               <a:t>3</a:t>
             </a:r>
-            <a:endParaRPr lang="ko-KR" altLang="en-US" dirty="0"/>
+            <a:endParaRPr lang="ko-KR" altLang="en-US"/>
           </a:p>
         </p:txBody>
       </p:sp>
@@ -11650,10 +11654,10 @@
           <a:p>
             <a:pPr algn="ctr"/>
             <a:r>
-              <a:rPr lang="en-US" altLang="ko-KR" dirty="0"/>
+              <a:rPr lang="en-US" altLang="ko-KR"/>
               <a:t>5</a:t>
             </a:r>
-            <a:endParaRPr lang="ko-KR" altLang="en-US" dirty="0"/>
+            <a:endParaRPr lang="ko-KR" altLang="en-US"/>
           </a:p>
         </p:txBody>
       </p:sp>
@@ -11666,8 +11670,8 @@
           <p:nvPr/>
         </p:nvGraphicFramePr>
         <p:xfrm>
-          <a:off x="9067115" y="4549320"/>
-          <a:ext cx="2877751" cy="2054514"/>
+          <a:off x="9067115" y="4368736"/>
+          <a:ext cx="2877751" cy="2228616"/>
         </p:xfrm>
         <a:graphic>
           <a:graphicData uri="http://schemas.openxmlformats.org/drawingml/2006/table">
@@ -11678,7 +11682,7 @@
               <a:tblGrid>
                 <a:gridCol w="2877751"/>
               </a:tblGrid>
-              <a:tr h="302766">
+              <a:tr h="264765">
                 <a:tc>
                   <a:txBody>
                     <a:bodyPr/>
@@ -11686,16 +11690,16 @@
                     <a:p>
                       <a:pPr algn="ctr" latinLnBrk="1"/>
                       <a:r>
-                        <a:rPr lang="ko-KR" altLang="en-US" sz="1200" dirty="0" smtClean="0"/>
+                        <a:rPr lang="ko-KR" altLang="en-US" sz="1200" smtClean="0"/>
                         <a:t>경로</a:t>
                       </a:r>
-                      <a:endParaRPr lang="ko-KR" altLang="en-US" sz="1200" dirty="0"/>
+                      <a:endParaRPr lang="ko-KR" altLang="en-US" sz="1200"/>
                     </a:p>
                   </a:txBody>
                   <a:tcPr/>
                 </a:tc>
               </a:tr>
-              <a:tr h="291958">
+              <a:tr h="255314">
                 <a:tc>
                   <a:txBody>
                     <a:bodyPr/>
@@ -11703,16 +11707,16 @@
                     <a:p>
                       <a:pPr latinLnBrk="1"/>
                       <a:r>
-                        <a:rPr lang="en-US" altLang="ko-KR" sz="1200" dirty="0" smtClean="0"/>
+                        <a:rPr lang="en-US" altLang="ko-KR" sz="1200" smtClean="0"/>
                         <a:t>Request</a:t>
                       </a:r>
-                      <a:endParaRPr lang="ko-KR" altLang="en-US" sz="1200" dirty="0"/>
+                      <a:endParaRPr lang="ko-KR" altLang="en-US" sz="1200"/>
                     </a:p>
                   </a:txBody>
                   <a:tcPr/>
                 </a:tc>
               </a:tr>
-              <a:tr h="291958">
+              <a:tr h="399816">
                 <a:tc>
                   <a:txBody>
                     <a:bodyPr/>
@@ -11736,20 +11740,48 @@
                         <a:defRPr/>
                       </a:pPr>
                       <a:r>
-                        <a:rPr lang="en-US" altLang="ko-KR" sz="1200" dirty="0" smtClean="0"/>
+                        <a:rPr lang="en-US" altLang="ko-KR" sz="1200" smtClean="0"/>
                         <a:t>/</a:t>
                       </a:r>
                       <a:r>
-                        <a:rPr lang="en-US" altLang="ko-KR" sz="1200" dirty="0" err="1" smtClean="0"/>
+                        <a:rPr lang="en-US" altLang="ko-KR" sz="1200" err="1" smtClean="0"/>
                         <a:t>modiinfo.do</a:t>
                       </a:r>
-                      <a:endParaRPr lang="ko-KR" altLang="en-US" sz="1200" dirty="0"/>
+                      <a:endParaRPr lang="en-US" altLang="ko-KR" sz="1200" smtClean="0"/>
+                    </a:p>
+                    <a:p>
+                      <a:pPr marL="0" marR="0" indent="0" algn="l" defTabSz="914400" rtl="0" eaLnBrk="1" fontAlgn="auto" latinLnBrk="1" hangingPunct="1">
+                        <a:lnSpc>
+                          <a:spcPct val="100000"/>
+                        </a:lnSpc>
+                        <a:spcBef>
+                          <a:spcPts val="0"/>
+                        </a:spcBef>
+                        <a:spcAft>
+                          <a:spcPts val="0"/>
+                        </a:spcAft>
+                        <a:buClrTx/>
+                        <a:buSzTx/>
+                        <a:buFontTx/>
+                        <a:buNone/>
+                        <a:tabLst/>
+                        <a:defRPr/>
+                      </a:pPr>
+                      <a:r>
+                        <a:rPr lang="en-US" altLang="ko-KR" sz="1200" smtClean="0"/>
+                        <a:t>/</a:t>
+                      </a:r>
+                      <a:r>
+                        <a:rPr lang="en-US" altLang="ko-KR" sz="1200" err="1" smtClean="0"/>
+                        <a:t>deleteinfo.do</a:t>
+                      </a:r>
+                      <a:endParaRPr lang="ko-KR" altLang="en-US" sz="1200"/>
                     </a:p>
                   </a:txBody>
                   <a:tcPr/>
                 </a:tc>
               </a:tr>
-              <a:tr h="291958">
+              <a:tr h="255314">
                 <a:tc>
                   <a:txBody>
                     <a:bodyPr/>
@@ -11757,16 +11789,16 @@
                     <a:p>
                       <a:pPr latinLnBrk="1"/>
                       <a:r>
-                        <a:rPr lang="en-US" altLang="ko-KR" sz="1200" dirty="0" smtClean="0"/>
+                        <a:rPr lang="en-US" altLang="ko-KR" sz="1200" smtClean="0"/>
                         <a:t>Controller</a:t>
                       </a:r>
-                      <a:endParaRPr lang="ko-KR" altLang="en-US" sz="1200" dirty="0"/>
+                      <a:endParaRPr lang="ko-KR" altLang="en-US" sz="1200"/>
                     </a:p>
                   </a:txBody>
                   <a:tcPr/>
                 </a:tc>
               </a:tr>
-              <a:tr h="291958">
+              <a:tr h="255314">
                 <a:tc>
                   <a:txBody>
                     <a:bodyPr/>
@@ -11790,16 +11822,16 @@
                         <a:defRPr/>
                       </a:pPr>
                       <a:r>
-                        <a:rPr lang="en-US" altLang="ko-KR" sz="1200" dirty="0" err="1" smtClean="0"/>
+                        <a:rPr lang="en-US" altLang="ko-KR" sz="1200" err="1" smtClean="0"/>
                         <a:t>controller.ModiInfoController</a:t>
                       </a:r>
-                      <a:endParaRPr lang="ko-KR" altLang="en-US" sz="1200" dirty="0"/>
+                      <a:endParaRPr lang="ko-KR" altLang="en-US" sz="1200"/>
                     </a:p>
                   </a:txBody>
                   <a:tcPr/>
                 </a:tc>
               </a:tr>
-              <a:tr h="291958">
+              <a:tr h="255314">
                 <a:tc>
                   <a:txBody>
                     <a:bodyPr/>
@@ -11807,16 +11839,16 @@
                     <a:p>
                       <a:pPr latinLnBrk="1"/>
                       <a:r>
-                        <a:rPr lang="en-US" altLang="ko-KR" sz="1200" dirty="0" smtClean="0"/>
+                        <a:rPr lang="en-US" altLang="ko-KR" sz="1200" smtClean="0"/>
                         <a:t>View</a:t>
                       </a:r>
-                      <a:endParaRPr lang="ko-KR" altLang="en-US" sz="1200" dirty="0"/>
+                      <a:endParaRPr lang="ko-KR" altLang="en-US" sz="1200"/>
                     </a:p>
                   </a:txBody>
                   <a:tcPr/>
                 </a:tc>
               </a:tr>
-              <a:tr h="291958">
+              <a:tr h="399816">
                 <a:tc>
                   <a:txBody>
                     <a:bodyPr/>
@@ -11840,10 +11872,21 @@
                         <a:defRPr/>
                       </a:pPr>
                       <a:r>
-                        <a:rPr lang="en-US" altLang="ko-KR" sz="1200" dirty="0" smtClean="0"/>
-                        <a:t>/view/product/modiinfo.jsp</a:t>
+                        <a:rPr lang="en-US" altLang="ko-KR" sz="1200" smtClean="0"/>
+                        <a:t>/</a:t>
                       </a:r>
-                      <a:endParaRPr lang="ko-KR" altLang="en-US" sz="1200" dirty="0"/>
+                      <a:r>
+                        <a:rPr lang="en-US" altLang="ko-KR" sz="1200" smtClean="0"/>
+                        <a:t>view/product/</a:t>
+                      </a:r>
+                      <a:r>
+                        <a:rPr lang="en-US" altLang="ko-KR" sz="1200" err="1" smtClean="0"/>
+                        <a:t>modiinfo</a:t>
+                      </a:r>
+                      <a:r>
+                        <a:rPr lang="en-US" altLang="ko-KR" sz="1200" smtClean="0"/>
+                        <a:t>. jsp</a:t>
+                      </a:r>
                     </a:p>
                   </a:txBody>
                   <a:tcPr/>
@@ -11856,7 +11899,7 @@
     </p:spTree>
     <p:extLst>
       <p:ext uri="{BB962C8B-B14F-4D97-AF65-F5344CB8AC3E}">
-        <p14:creationId xmlns:p14="http://schemas.microsoft.com/office/powerpoint/2010/main" xmlns="" val="3659078940"/>
+        <p14:creationId xmlns="" xmlns:p14="http://schemas.microsoft.com/office/powerpoint/2010/main" val="3659078940"/>
       </p:ext>
     </p:extLst>
   </p:cSld>
@@ -11900,7 +11943,7 @@
           <p:nvPr>
             <p:extLst>
               <p:ext uri="{D42A27DB-BD31-4B8C-83A1-F6EECF244321}">
-                <p14:modId xmlns:p14="http://schemas.microsoft.com/office/powerpoint/2010/main" xmlns="" val="1049505336"/>
+                <p14:modId xmlns="" xmlns:p14="http://schemas.microsoft.com/office/powerpoint/2010/main" val="1049505336"/>
               </p:ext>
             </p:extLst>
           </p:nvPr>
@@ -11919,42 +11962,42 @@
                 <a:gridCol w="1840576">
                   <a:extLst>
                     <a:ext uri="{9D8B030D-6E8A-4147-A177-3AD203B41FA5}">
-                      <a16:colId xmlns:a16="http://schemas.microsoft.com/office/drawing/2014/main" xmlns="" val="20000"/>
+                      <a16:colId xmlns="" xmlns:a16="http://schemas.microsoft.com/office/drawing/2014/main" val="20000"/>
                     </a:ext>
                   </a:extLst>
                 </a:gridCol>
                 <a:gridCol w="2927856">
                   <a:extLst>
                     <a:ext uri="{9D8B030D-6E8A-4147-A177-3AD203B41FA5}">
-                      <a16:colId xmlns:a16="http://schemas.microsoft.com/office/drawing/2014/main" xmlns="" val="20001"/>
+                      <a16:colId xmlns="" xmlns:a16="http://schemas.microsoft.com/office/drawing/2014/main" val="20001"/>
                     </a:ext>
                   </a:extLst>
                 </a:gridCol>
                 <a:gridCol w="1448009">
                   <a:extLst>
                     <a:ext uri="{9D8B030D-6E8A-4147-A177-3AD203B41FA5}">
-                      <a16:colId xmlns:a16="http://schemas.microsoft.com/office/drawing/2014/main" xmlns="" val="20002"/>
+                      <a16:colId xmlns="" xmlns:a16="http://schemas.microsoft.com/office/drawing/2014/main" val="20002"/>
                     </a:ext>
                   </a:extLst>
                 </a:gridCol>
                 <a:gridCol w="2570627">
                   <a:extLst>
                     <a:ext uri="{9D8B030D-6E8A-4147-A177-3AD203B41FA5}">
-                      <a16:colId xmlns:a16="http://schemas.microsoft.com/office/drawing/2014/main" xmlns="" val="20003"/>
+                      <a16:colId xmlns="" xmlns:a16="http://schemas.microsoft.com/office/drawing/2014/main" val="20003"/>
                     </a:ext>
                   </a:extLst>
                 </a:gridCol>
                 <a:gridCol w="1644650">
                   <a:extLst>
                     <a:ext uri="{9D8B030D-6E8A-4147-A177-3AD203B41FA5}">
-                      <a16:colId xmlns:a16="http://schemas.microsoft.com/office/drawing/2014/main" xmlns="" val="20004"/>
+                      <a16:colId xmlns="" xmlns:a16="http://schemas.microsoft.com/office/drawing/2014/main" val="20004"/>
                     </a:ext>
                   </a:extLst>
                 </a:gridCol>
                 <a:gridCol w="1295399">
                   <a:extLst>
                     <a:ext uri="{9D8B030D-6E8A-4147-A177-3AD203B41FA5}">
-                      <a16:colId xmlns:a16="http://schemas.microsoft.com/office/drawing/2014/main" xmlns="" val="20006"/>
+                      <a16:colId xmlns="" xmlns:a16="http://schemas.microsoft.com/office/drawing/2014/main" val="20006"/>
                     </a:ext>
                   </a:extLst>
                 </a:gridCol>
@@ -11969,7 +12012,7 @@
                         <a:defRPr lang="ko-KR" altLang="en-US"/>
                       </a:pPr>
                       <a:r>
-                        <a:rPr lang="ko-KR" altLang="en-US" sz="1000" b="0" dirty="0" smtClean="0">
+                        <a:rPr lang="ko-KR" altLang="en-US" sz="1000" b="0" smtClean="0">
                           <a:solidFill>
                             <a:schemeClr val="tx1"/>
                           </a:solidFill>
@@ -11978,7 +12021,7 @@
                         </a:rPr>
                         <a:t>프로젝트 명 </a:t>
                       </a:r>
-                      <a:endParaRPr lang="ko-KR" altLang="en-US" sz="1000" b="0" dirty="0">
+                      <a:endParaRPr lang="ko-KR" altLang="en-US" sz="1000" b="0">
                         <a:solidFill>
                           <a:schemeClr val="tx1"/>
                         </a:solidFill>
@@ -12040,7 +12083,7 @@
                         <a:defRPr lang="ko-KR" altLang="en-US"/>
                       </a:pPr>
                       <a:r>
-                        <a:rPr lang="en-US" altLang="ko-KR" sz="1000" b="0" dirty="0" err="1" smtClean="0">
+                        <a:rPr lang="en-US" altLang="ko-KR" sz="1000" b="0" err="1" smtClean="0">
                           <a:solidFill>
                             <a:schemeClr val="tx1"/>
                           </a:solidFill>
@@ -12049,7 +12092,7 @@
                         </a:rPr>
                         <a:t>mediQ</a:t>
                       </a:r>
-                      <a:endParaRPr lang="ko-KR" altLang="en-US" sz="1000" b="0" dirty="0">
+                      <a:endParaRPr lang="ko-KR" altLang="en-US" sz="1000" b="0">
                         <a:solidFill>
                           <a:schemeClr val="tx1"/>
                         </a:solidFill>
@@ -12107,7 +12150,7 @@
                         <a:defRPr lang="ko-KR" altLang="en-US"/>
                       </a:pPr>
                       <a:r>
-                        <a:rPr lang="ko-KR" altLang="en-US" sz="1000" b="0" dirty="0" smtClean="0">
+                        <a:rPr lang="ko-KR" altLang="en-US" sz="1000" b="0" smtClean="0">
                           <a:solidFill>
                             <a:schemeClr val="tx1"/>
                           </a:solidFill>
@@ -12116,7 +12159,7 @@
                         </a:rPr>
                         <a:t>페이지 명</a:t>
                       </a:r>
-                      <a:endParaRPr lang="ko-KR" altLang="en-US" sz="1000" b="0" dirty="0">
+                      <a:endParaRPr lang="ko-KR" altLang="en-US" sz="1000" b="0">
                         <a:solidFill>
                           <a:schemeClr val="tx1"/>
                         </a:solidFill>
@@ -12178,7 +12221,7 @@
                         <a:defRPr lang="ko-KR" altLang="en-US"/>
                       </a:pPr>
                       <a:r>
-                        <a:rPr lang="ko-KR" altLang="en-US" sz="1000" b="0" dirty="0" smtClean="0">
+                        <a:rPr lang="ko-KR" altLang="en-US" sz="1000" b="0" smtClean="0">
                           <a:solidFill>
                             <a:schemeClr val="tx1"/>
                           </a:solidFill>
@@ -12187,7 +12230,7 @@
                         </a:rPr>
                         <a:t>의약품 정보 수정</a:t>
                       </a:r>
-                      <a:endParaRPr lang="ko-KR" altLang="en-US" sz="1000" b="0" dirty="0">
+                      <a:endParaRPr lang="ko-KR" altLang="en-US" sz="1000" b="0">
                         <a:solidFill>
                           <a:schemeClr val="tx1"/>
                         </a:solidFill>
@@ -12245,7 +12288,7 @@
                         <a:defRPr lang="ko-KR" altLang="en-US"/>
                       </a:pPr>
                       <a:r>
-                        <a:rPr lang="ko-KR" altLang="en-US" sz="1000" b="0" dirty="0" smtClean="0">
+                        <a:rPr lang="ko-KR" altLang="en-US" sz="1000" b="0" smtClean="0">
                           <a:solidFill>
                             <a:schemeClr val="tx1"/>
                           </a:solidFill>
@@ -12254,7 +12297,7 @@
                         </a:rPr>
                         <a:t>작성자</a:t>
                       </a:r>
-                      <a:endParaRPr lang="ko-KR" altLang="en-US" sz="1000" b="0" dirty="0">
+                      <a:endParaRPr lang="ko-KR" altLang="en-US" sz="1000" b="0">
                         <a:solidFill>
                           <a:schemeClr val="tx1"/>
                         </a:solidFill>
@@ -12316,7 +12359,7 @@
                         <a:defRPr lang="ko-KR" altLang="en-US"/>
                       </a:pPr>
                       <a:r>
-                        <a:rPr lang="ko-KR" altLang="en-US" sz="1000" b="0" dirty="0" smtClean="0">
+                        <a:rPr lang="ko-KR" altLang="en-US" sz="1000" b="0" smtClean="0">
                           <a:solidFill>
                             <a:schemeClr val="tx1"/>
                           </a:solidFill>
@@ -12325,7 +12368,7 @@
                         </a:rPr>
                         <a:t>박종수</a:t>
                       </a:r>
-                      <a:endParaRPr lang="ko-KR" altLang="en-US" sz="1000" b="0" dirty="0">
+                      <a:endParaRPr lang="ko-KR" altLang="en-US" sz="1000" b="0">
                         <a:solidFill>
                           <a:schemeClr val="tx1"/>
                         </a:solidFill>
@@ -12378,7 +12421,7 @@
                 </a:tc>
                 <a:extLst>
                   <a:ext uri="{0D108BD9-81ED-4DB2-BD59-A6C34878D82A}">
-                    <a16:rowId xmlns:a16="http://schemas.microsoft.com/office/drawing/2014/main" xmlns="" val="10000"/>
+                    <a16:rowId xmlns="" xmlns:a16="http://schemas.microsoft.com/office/drawing/2014/main" val="10000"/>
                   </a:ext>
                 </a:extLst>
               </a:tr>
@@ -12395,7 +12438,7 @@
           <p:nvPr>
             <p:extLst>
               <p:ext uri="{D42A27DB-BD31-4B8C-83A1-F6EECF244321}">
-                <p14:modId xmlns:p14="http://schemas.microsoft.com/office/powerpoint/2010/main" xmlns="" val="3232632018"/>
+                <p14:modId xmlns="" xmlns:p14="http://schemas.microsoft.com/office/powerpoint/2010/main" val="3232632018"/>
               </p:ext>
             </p:extLst>
           </p:nvPr>
@@ -12414,7 +12457,7 @@
                 <a:gridCol w="8783894">
                   <a:extLst>
                     <a:ext uri="{9D8B030D-6E8A-4147-A177-3AD203B41FA5}">
-                      <a16:colId xmlns:a16="http://schemas.microsoft.com/office/drawing/2014/main" xmlns="" val="20000"/>
+                      <a16:colId xmlns="" xmlns:a16="http://schemas.microsoft.com/office/drawing/2014/main" val="20000"/>
                     </a:ext>
                   </a:extLst>
                 </a:gridCol>
@@ -12430,7 +12473,7 @@
                         <a:defRPr lang="ko-KR" altLang="en-US"/>
                       </a:pPr>
                       <a:r>
-                        <a:rPr lang="ko-KR" altLang="en-US" sz="1000" b="0" dirty="0" smtClean="0">
+                        <a:rPr lang="ko-KR" altLang="en-US" sz="1000" b="0" smtClean="0">
                           <a:solidFill>
                             <a:schemeClr val="tx1"/>
                           </a:solidFill>
@@ -12439,7 +12482,7 @@
                         </a:rPr>
                         <a:t>화면 구성</a:t>
                       </a:r>
-                      <a:endParaRPr lang="ko-KR" altLang="en-US" sz="1000" b="0" dirty="0">
+                      <a:endParaRPr lang="ko-KR" altLang="en-US" sz="1000" b="0">
                         <a:solidFill>
                           <a:schemeClr val="tx1"/>
                         </a:solidFill>
@@ -12505,7 +12548,7 @@
                         <a:defRPr lang="ko-KR" altLang="en-US"/>
                       </a:pPr>
                       <a:r>
-                        <a:rPr lang="ko-KR" altLang="en-US" sz="1000" b="0" dirty="0" smtClean="0">
+                        <a:rPr lang="ko-KR" altLang="en-US" sz="1000" b="0" smtClean="0">
                           <a:solidFill>
                             <a:schemeClr val="tx1"/>
                           </a:solidFill>
@@ -12514,7 +12557,7 @@
                         </a:rPr>
                         <a:t>화면 설명</a:t>
                       </a:r>
-                      <a:endParaRPr lang="ko-KR" altLang="en-US" sz="1000" b="0" dirty="0">
+                      <a:endParaRPr lang="ko-KR" altLang="en-US" sz="1000" b="0">
                         <a:solidFill>
                           <a:schemeClr val="tx1"/>
                         </a:solidFill>
@@ -12571,7 +12614,7 @@
                 </a:tc>
                 <a:extLst>
                   <a:ext uri="{0D108BD9-81ED-4DB2-BD59-A6C34878D82A}">
-                    <a16:rowId xmlns:a16="http://schemas.microsoft.com/office/drawing/2014/main" xmlns="" val="10000"/>
+                    <a16:rowId xmlns="" xmlns:a16="http://schemas.microsoft.com/office/drawing/2014/main" val="10000"/>
                   </a:ext>
                 </a:extLst>
               </a:tr>
@@ -12584,7 +12627,7 @@
                       <a:pPr algn="ctr" latinLnBrk="1">
                         <a:defRPr lang="ko-KR" altLang="en-US"/>
                       </a:pPr>
-                      <a:endParaRPr lang="ko-KR" altLang="en-US" sz="1000" b="0" dirty="0">
+                      <a:endParaRPr lang="ko-KR" altLang="en-US" sz="1000" b="0">
                         <a:solidFill>
                           <a:schemeClr val="tx1"/>
                         </a:solidFill>
@@ -12645,7 +12688,7 @@
                       <a:pPr algn="ctr" latinLnBrk="1">
                         <a:defRPr lang="ko-KR" altLang="en-US"/>
                       </a:pPr>
-                      <a:endParaRPr lang="ko-KR" altLang="en-US" sz="1000" b="0" dirty="0">
+                      <a:endParaRPr lang="ko-KR" altLang="en-US" sz="1000" b="0">
                         <a:solidFill>
                           <a:schemeClr val="tx1"/>
                         </a:solidFill>
@@ -12725,265 +12768,265 @@
           <a:lstStyle/>
           <a:p>
             <a:r>
-              <a:rPr lang="en-US" altLang="ko-KR" sz="1000" dirty="0" smtClean="0"/>
+              <a:rPr lang="en-US" altLang="ko-KR" sz="1000" smtClean="0"/>
               <a:t>1. </a:t>
             </a:r>
             <a:r>
-              <a:rPr lang="ko-KR" altLang="en-US" sz="1000" dirty="0" smtClean="0"/>
+              <a:rPr lang="ko-KR" altLang="en-US" sz="1000" smtClean="0"/>
               <a:t>의약품 정보 수정 페이지</a:t>
             </a:r>
-            <a:endParaRPr lang="en-US" altLang="ko-KR" sz="1000" dirty="0"/>
-          </a:p>
-          <a:p>
-            <a:endParaRPr lang="en-US" altLang="ko-KR" sz="1000" dirty="0" smtClean="0"/>
-          </a:p>
-          <a:p>
-            <a:r>
-              <a:rPr lang="en-US" altLang="ko-KR" sz="1000" dirty="0" smtClean="0"/>
+            <a:endParaRPr lang="en-US" altLang="ko-KR" sz="1000"/>
+          </a:p>
+          <a:p>
+            <a:endParaRPr lang="en-US" altLang="ko-KR" sz="1000" smtClean="0"/>
+          </a:p>
+          <a:p>
+            <a:r>
+              <a:rPr lang="en-US" altLang="ko-KR" sz="1000" smtClean="0"/>
               <a:t>2. </a:t>
             </a:r>
             <a:r>
-              <a:rPr lang="ko-KR" altLang="en-US" sz="1000" dirty="0" smtClean="0"/>
+              <a:rPr lang="ko-KR" altLang="en-US" sz="1000" smtClean="0"/>
               <a:t>의약품 정보 수정 표시</a:t>
             </a:r>
             <a:r>
-              <a:rPr lang="en-US" altLang="ko-KR" sz="1000" dirty="0"/>
+              <a:rPr lang="en-US" altLang="ko-KR" sz="1000"/>
               <a:t> </a:t>
             </a:r>
             <a:r>
-              <a:rPr lang="ko-KR" altLang="en-US" sz="1000" dirty="0" smtClean="0"/>
+              <a:rPr lang="ko-KR" altLang="en-US" sz="1000" smtClean="0"/>
               <a:t>항목</a:t>
             </a:r>
-            <a:endParaRPr lang="en-US" altLang="ko-KR" sz="1000" dirty="0" smtClean="0"/>
-          </a:p>
-          <a:p>
-            <a:r>
-              <a:rPr lang="en-US" altLang="ko-KR" sz="1000" dirty="0"/>
+            <a:endParaRPr lang="en-US" altLang="ko-KR" sz="1000" smtClean="0"/>
+          </a:p>
+          <a:p>
+            <a:r>
+              <a:rPr lang="en-US" altLang="ko-KR" sz="1000"/>
               <a:t> </a:t>
             </a:r>
             <a:r>
-              <a:rPr lang="en-US" altLang="ko-KR" sz="1000" dirty="0" smtClean="0"/>
+              <a:rPr lang="en-US" altLang="ko-KR" sz="1000" smtClean="0"/>
               <a:t>  </a:t>
             </a:r>
             <a:r>
-              <a:rPr lang="ko-KR" altLang="en-US" sz="1000" dirty="0" smtClean="0"/>
+              <a:rPr lang="ko-KR" altLang="en-US" sz="1000" smtClean="0"/>
               <a:t>수정할 의약품 정보를 표시함</a:t>
             </a:r>
             <a:r>
-              <a:rPr lang="en-US" altLang="ko-KR" sz="1000" dirty="0" smtClean="0"/>
+              <a:rPr lang="en-US" altLang="ko-KR" sz="1000" smtClean="0"/>
               <a:t>.</a:t>
             </a:r>
           </a:p>
           <a:p>
-            <a:endParaRPr lang="en-US" altLang="ko-KR" sz="1000" dirty="0" smtClean="0"/>
-          </a:p>
-          <a:p>
-            <a:r>
-              <a:rPr lang="en-US" altLang="ko-KR" sz="1000" dirty="0" smtClean="0"/>
+            <a:endParaRPr lang="en-US" altLang="ko-KR" sz="1000" smtClean="0"/>
+          </a:p>
+          <a:p>
+            <a:r>
+              <a:rPr lang="en-US" altLang="ko-KR" sz="1000" smtClean="0"/>
               <a:t>3. </a:t>
             </a:r>
             <a:r>
-              <a:rPr lang="ko-KR" altLang="en-US" sz="1000" dirty="0" smtClean="0"/>
+              <a:rPr lang="ko-KR" altLang="en-US" sz="1000" smtClean="0"/>
               <a:t>의약품 정보 수정</a:t>
             </a:r>
-            <a:endParaRPr lang="en-US" altLang="ko-KR" sz="1000" dirty="0" smtClean="0"/>
-          </a:p>
-          <a:p>
-            <a:r>
-              <a:rPr lang="en-US" altLang="ko-KR" sz="1000" dirty="0" smtClean="0"/>
+            <a:endParaRPr lang="en-US" altLang="ko-KR" sz="1000" smtClean="0"/>
+          </a:p>
+          <a:p>
+            <a:r>
+              <a:rPr lang="en-US" altLang="ko-KR" sz="1000" smtClean="0"/>
               <a:t>   </a:t>
             </a:r>
             <a:r>
-              <a:rPr lang="ko-KR" altLang="en-US" sz="1000" dirty="0" smtClean="0"/>
+              <a:rPr lang="ko-KR" altLang="en-US" sz="1000" smtClean="0"/>
               <a:t>의약품 검색 결과 페이지에 출력되는 </a:t>
             </a:r>
             <a:r>
-              <a:rPr lang="ko-KR" altLang="en-US" sz="1000" dirty="0" err="1" smtClean="0"/>
+              <a:rPr lang="ko-KR" altLang="en-US" sz="1000" err="1" smtClean="0"/>
               <a:t>업체명</a:t>
             </a:r>
             <a:r>
-              <a:rPr lang="en-US" altLang="ko-KR" sz="1000" dirty="0" smtClean="0"/>
+              <a:rPr lang="en-US" altLang="ko-KR" sz="1000" smtClean="0"/>
               <a:t>, </a:t>
             </a:r>
           </a:p>
           <a:p>
             <a:r>
-              <a:rPr lang="en-US" altLang="ko-KR" sz="1000" dirty="0" smtClean="0"/>
+              <a:rPr lang="en-US" altLang="ko-KR" sz="1000" smtClean="0"/>
               <a:t>   </a:t>
             </a:r>
             <a:r>
-              <a:rPr lang="ko-KR" altLang="en-US" sz="1000" dirty="0" smtClean="0"/>
+              <a:rPr lang="ko-KR" altLang="en-US" sz="1000" smtClean="0"/>
               <a:t>품목명</a:t>
             </a:r>
             <a:r>
-              <a:rPr lang="en-US" altLang="ko-KR" sz="1000" dirty="0" smtClean="0"/>
+              <a:rPr lang="en-US" altLang="ko-KR" sz="1000" smtClean="0"/>
               <a:t>, </a:t>
             </a:r>
             <a:r>
-              <a:rPr lang="ko-KR" altLang="en-US" sz="1000" dirty="0" smtClean="0"/>
+              <a:rPr lang="ko-KR" altLang="en-US" sz="1000" smtClean="0"/>
               <a:t>전문일반</a:t>
             </a:r>
             <a:r>
-              <a:rPr lang="en-US" altLang="ko-KR" sz="1000" dirty="0" smtClean="0"/>
+              <a:rPr lang="en-US" altLang="ko-KR" sz="1000" smtClean="0"/>
               <a:t>, </a:t>
             </a:r>
             <a:r>
-              <a:rPr lang="ko-KR" altLang="en-US" sz="1000" dirty="0" smtClean="0"/>
+              <a:rPr lang="ko-KR" altLang="en-US" sz="1000" smtClean="0"/>
               <a:t>성상</a:t>
             </a:r>
             <a:r>
-              <a:rPr lang="en-US" altLang="ko-KR" sz="1000" dirty="0" smtClean="0"/>
+              <a:rPr lang="en-US" altLang="ko-KR" sz="1000" smtClean="0"/>
               <a:t>,</a:t>
             </a:r>
             <a:r>
-              <a:rPr lang="ko-KR" altLang="en-US" sz="1000" dirty="0" smtClean="0"/>
+              <a:rPr lang="ko-KR" altLang="en-US" sz="1000" smtClean="0"/>
               <a:t> 품목기준코드</a:t>
             </a:r>
             <a:r>
-              <a:rPr lang="en-US" altLang="ko-KR" sz="1000" dirty="0" smtClean="0"/>
+              <a:rPr lang="en-US" altLang="ko-KR" sz="1000" smtClean="0"/>
               <a:t>, </a:t>
             </a:r>
             <a:r>
-              <a:rPr lang="ko-KR" altLang="en-US" sz="1000" dirty="0" err="1" smtClean="0"/>
+              <a:rPr lang="ko-KR" altLang="en-US" sz="1000" err="1" smtClean="0"/>
               <a:t>주의사</a:t>
             </a:r>
-            <a:endParaRPr lang="en-US" altLang="ko-KR" sz="1000" dirty="0" smtClean="0"/>
-          </a:p>
-          <a:p>
-            <a:r>
-              <a:rPr lang="en-US" altLang="ko-KR" sz="1000" dirty="0" smtClean="0"/>
+            <a:endParaRPr lang="en-US" altLang="ko-KR" sz="1000" smtClean="0"/>
+          </a:p>
+          <a:p>
+            <a:r>
+              <a:rPr lang="en-US" altLang="ko-KR" sz="1000" smtClean="0"/>
               <a:t>   </a:t>
             </a:r>
             <a:r>
-              <a:rPr lang="ko-KR" altLang="en-US" sz="1000" dirty="0" smtClean="0"/>
+              <a:rPr lang="ko-KR" altLang="en-US" sz="1000" smtClean="0"/>
               <a:t>항</a:t>
             </a:r>
             <a:r>
-              <a:rPr lang="en-US" altLang="ko-KR" sz="1000" dirty="0" smtClean="0"/>
+              <a:rPr lang="en-US" altLang="ko-KR" sz="1000" smtClean="0"/>
               <a:t>, </a:t>
             </a:r>
             <a:r>
-              <a:rPr lang="ko-KR" altLang="en-US" sz="1000" dirty="0" smtClean="0"/>
+              <a:rPr lang="ko-KR" altLang="en-US" sz="1000" smtClean="0"/>
               <a:t>취소일자</a:t>
             </a:r>
             <a:r>
-              <a:rPr lang="en-US" altLang="ko-KR" sz="1000" dirty="0" smtClean="0"/>
+              <a:rPr lang="en-US" altLang="ko-KR" sz="1000" smtClean="0"/>
               <a:t>, </a:t>
             </a:r>
             <a:r>
-              <a:rPr lang="ko-KR" altLang="en-US" sz="1000" dirty="0" smtClean="0"/>
+              <a:rPr lang="ko-KR" altLang="en-US" sz="1000" smtClean="0"/>
               <a:t>효능효과</a:t>
             </a:r>
             <a:r>
-              <a:rPr lang="en-US" altLang="ko-KR" sz="1000" dirty="0" smtClean="0"/>
+              <a:rPr lang="en-US" altLang="ko-KR" sz="1000" smtClean="0"/>
               <a:t>, </a:t>
             </a:r>
             <a:r>
-              <a:rPr lang="ko-KR" altLang="en-US" sz="1000" dirty="0" smtClean="0"/>
+              <a:rPr lang="ko-KR" altLang="en-US" sz="1000" smtClean="0"/>
               <a:t>용법용량</a:t>
             </a:r>
             <a:r>
-              <a:rPr lang="en-US" altLang="ko-KR" sz="1000" dirty="0" smtClean="0"/>
+              <a:rPr lang="en-US" altLang="ko-KR" sz="1000" smtClean="0"/>
               <a:t>, </a:t>
             </a:r>
             <a:r>
-              <a:rPr lang="ko-KR" altLang="en-US" sz="1000" dirty="0" smtClean="0"/>
+              <a:rPr lang="ko-KR" altLang="en-US" sz="1000" smtClean="0"/>
               <a:t>변경일자</a:t>
             </a:r>
             <a:r>
-              <a:rPr lang="en-US" altLang="ko-KR" sz="1000" dirty="0" smtClean="0"/>
+              <a:rPr lang="en-US" altLang="ko-KR" sz="1000" smtClean="0"/>
               <a:t>, </a:t>
             </a:r>
           </a:p>
           <a:p>
             <a:r>
-              <a:rPr lang="en-US" altLang="ko-KR" sz="1000" dirty="0" smtClean="0"/>
+              <a:rPr lang="en-US" altLang="ko-KR" sz="1000" smtClean="0"/>
               <a:t>   </a:t>
             </a:r>
             <a:r>
-              <a:rPr lang="ko-KR" altLang="en-US" sz="1000" dirty="0" smtClean="0"/>
+              <a:rPr lang="ko-KR" altLang="en-US" sz="1000" smtClean="0"/>
               <a:t>분류</a:t>
             </a:r>
             <a:r>
-              <a:rPr lang="en-US" altLang="ko-KR" sz="1000" dirty="0" smtClean="0"/>
+              <a:rPr lang="en-US" altLang="ko-KR" sz="1000" smtClean="0"/>
               <a:t>, </a:t>
             </a:r>
             <a:r>
-              <a:rPr lang="ko-KR" altLang="en-US" sz="1000" dirty="0" smtClean="0"/>
+              <a:rPr lang="ko-KR" altLang="en-US" sz="1000" smtClean="0"/>
               <a:t> 포장단위를 편집할 수 있다</a:t>
             </a:r>
             <a:r>
-              <a:rPr lang="en-US" altLang="ko-KR" sz="1000" dirty="0" smtClean="0"/>
+              <a:rPr lang="en-US" altLang="ko-KR" sz="1000" smtClean="0"/>
               <a:t>.</a:t>
             </a:r>
           </a:p>
           <a:p>
-            <a:endParaRPr lang="en-US" altLang="ko-KR" sz="1000" dirty="0" smtClean="0"/>
-          </a:p>
-          <a:p>
-            <a:r>
-              <a:rPr lang="en-US" altLang="ko-KR" sz="1000" dirty="0" smtClean="0"/>
+            <a:endParaRPr lang="en-US" altLang="ko-KR" sz="1000" smtClean="0"/>
+          </a:p>
+          <a:p>
+            <a:r>
+              <a:rPr lang="en-US" altLang="ko-KR" sz="1000" smtClean="0"/>
               <a:t>4. </a:t>
             </a:r>
             <a:r>
-              <a:rPr lang="ko-KR" altLang="en-US" sz="1000" dirty="0"/>
+              <a:rPr lang="ko-KR" altLang="en-US" sz="1000"/>
               <a:t>취소 및 </a:t>
             </a:r>
             <a:r>
-              <a:rPr lang="ko-KR" altLang="en-US" sz="1000" dirty="0" smtClean="0"/>
+              <a:rPr lang="ko-KR" altLang="en-US" sz="1000" smtClean="0"/>
               <a:t>수정</a:t>
             </a:r>
-            <a:endParaRPr lang="en-US" altLang="ko-KR" sz="1000" dirty="0"/>
-          </a:p>
-          <a:p>
-            <a:r>
-              <a:rPr lang="en-US" altLang="ko-KR" sz="1000" dirty="0"/>
+            <a:endParaRPr lang="en-US" altLang="ko-KR" sz="1000"/>
+          </a:p>
+          <a:p>
+            <a:r>
+              <a:rPr lang="en-US" altLang="ko-KR" sz="1000"/>
               <a:t>   </a:t>
             </a:r>
             <a:r>
-              <a:rPr lang="ko-KR" altLang="en-US" sz="1000" dirty="0"/>
+              <a:rPr lang="ko-KR" altLang="en-US" sz="1000"/>
               <a:t> 작성한 사항을 저장하지 않고 의약품 검색 </a:t>
             </a:r>
             <a:r>
-              <a:rPr lang="ko-KR" altLang="en-US" sz="1000" dirty="0" err="1"/>
+              <a:rPr lang="ko-KR" altLang="en-US" sz="1000" err="1"/>
               <a:t>페</a:t>
             </a:r>
-            <a:endParaRPr lang="en-US" altLang="ko-KR" sz="1000" dirty="0"/>
-          </a:p>
-          <a:p>
-            <a:r>
-              <a:rPr lang="en-US" altLang="ko-KR" sz="1000" dirty="0"/>
+            <a:endParaRPr lang="en-US" altLang="ko-KR" sz="1000"/>
+          </a:p>
+          <a:p>
+            <a:r>
+              <a:rPr lang="en-US" altLang="ko-KR" sz="1000"/>
               <a:t>    </a:t>
             </a:r>
             <a:r>
-              <a:rPr lang="ko-KR" altLang="en-US" sz="1000" dirty="0"/>
+              <a:rPr lang="ko-KR" altLang="en-US" sz="1000"/>
               <a:t>이지로 되돌아 갈 수 있는 버튼과 작성한 사항</a:t>
             </a:r>
-            <a:endParaRPr lang="en-US" altLang="ko-KR" sz="1000" dirty="0"/>
-          </a:p>
-          <a:p>
-            <a:r>
-              <a:rPr lang="en-US" altLang="ko-KR" sz="1000" dirty="0"/>
+            <a:endParaRPr lang="en-US" altLang="ko-KR" sz="1000"/>
+          </a:p>
+          <a:p>
+            <a:r>
+              <a:rPr lang="en-US" altLang="ko-KR" sz="1000"/>
               <a:t>    </a:t>
             </a:r>
             <a:r>
-              <a:rPr lang="ko-KR" altLang="en-US" sz="1000" dirty="0"/>
+              <a:rPr lang="ko-KR" altLang="en-US" sz="1000"/>
               <a:t>을 데이터베이스에 저장하여 출력할 수 있게  </a:t>
             </a:r>
-            <a:endParaRPr lang="en-US" altLang="ko-KR" sz="1000" dirty="0"/>
-          </a:p>
-          <a:p>
-            <a:r>
-              <a:rPr lang="en-US" altLang="ko-KR" sz="1000" dirty="0"/>
+            <a:endParaRPr lang="en-US" altLang="ko-KR" sz="1000"/>
+          </a:p>
+          <a:p>
+            <a:r>
+              <a:rPr lang="en-US" altLang="ko-KR" sz="1000"/>
               <a:t>    </a:t>
             </a:r>
             <a:r>
-              <a:rPr lang="ko-KR" altLang="en-US" sz="1000" dirty="0"/>
+              <a:rPr lang="ko-KR" altLang="en-US" sz="1000"/>
               <a:t>하는 버튼을 포함한 부분</a:t>
             </a:r>
           </a:p>
           <a:p>
-            <a:endParaRPr lang="ko-KR" altLang="en-US" sz="1000" dirty="0"/>
+            <a:endParaRPr lang="ko-KR" altLang="en-US" sz="1000"/>
           </a:p>
         </p:txBody>
       </p:sp>
@@ -12999,7 +13042,7 @@
           <a:blip r:embed="rId2" cstate="print">
             <a:extLst>
               <a:ext uri="{28A0092B-C50C-407E-A947-70E740481C1C}">
-                <a14:useLocalDpi xmlns:a14="http://schemas.microsoft.com/office/drawing/2010/main" xmlns="" val="0"/>
+                <a14:useLocalDpi xmlns="" xmlns:a14="http://schemas.microsoft.com/office/drawing/2010/main" val="0"/>
               </a:ext>
             </a:extLst>
           </a:blip>
@@ -13086,10 +13129,10 @@
           <a:p>
             <a:pPr algn="ctr"/>
             <a:r>
-              <a:rPr lang="en-US" altLang="ko-KR" dirty="0"/>
+              <a:rPr lang="en-US" altLang="ko-KR"/>
               <a:t>1</a:t>
             </a:r>
-            <a:endParaRPr lang="ko-KR" altLang="en-US" dirty="0"/>
+            <a:endParaRPr lang="ko-KR" altLang="en-US"/>
           </a:p>
         </p:txBody>
       </p:sp>
@@ -13130,10 +13173,10 @@
           <a:p>
             <a:pPr algn="ctr"/>
             <a:r>
-              <a:rPr lang="en-US" altLang="ko-KR" dirty="0" smtClean="0"/>
+              <a:rPr lang="en-US" altLang="ko-KR" smtClean="0"/>
               <a:t>2</a:t>
             </a:r>
-            <a:endParaRPr lang="ko-KR" altLang="en-US" dirty="0"/>
+            <a:endParaRPr lang="ko-KR" altLang="en-US"/>
           </a:p>
         </p:txBody>
       </p:sp>
@@ -13174,10 +13217,10 @@
           <a:p>
             <a:pPr algn="ctr"/>
             <a:r>
-              <a:rPr lang="en-US" altLang="ko-KR" dirty="0"/>
+              <a:rPr lang="en-US" altLang="ko-KR"/>
               <a:t>3</a:t>
             </a:r>
-            <a:endParaRPr lang="ko-KR" altLang="en-US" dirty="0"/>
+            <a:endParaRPr lang="ko-KR" altLang="en-US"/>
           </a:p>
         </p:txBody>
       </p:sp>
@@ -13218,10 +13261,10 @@
           <a:p>
             <a:pPr algn="ctr"/>
             <a:r>
-              <a:rPr lang="en-US" altLang="ko-KR" dirty="0"/>
+              <a:rPr lang="en-US" altLang="ko-KR"/>
               <a:t>4</a:t>
             </a:r>
-            <a:endParaRPr lang="ko-KR" altLang="en-US" dirty="0"/>
+            <a:endParaRPr lang="ko-KR" altLang="en-US"/>
           </a:p>
         </p:txBody>
       </p:sp>
@@ -13234,8 +13277,8 @@
           <p:nvPr/>
         </p:nvGraphicFramePr>
         <p:xfrm>
-          <a:off x="9034163" y="4549321"/>
-          <a:ext cx="2877751" cy="2054514"/>
+          <a:off x="9085650" y="4244402"/>
+          <a:ext cx="2877751" cy="2384998"/>
         </p:xfrm>
         <a:graphic>
           <a:graphicData uri="http://schemas.openxmlformats.org/drawingml/2006/table">
@@ -13254,10 +13297,10 @@
                     <a:p>
                       <a:pPr algn="ctr" latinLnBrk="1"/>
                       <a:r>
-                        <a:rPr lang="ko-KR" altLang="en-US" sz="1200" dirty="0" smtClean="0"/>
+                        <a:rPr lang="ko-KR" altLang="en-US" sz="1200" smtClean="0"/>
                         <a:t>경로</a:t>
                       </a:r>
-                      <a:endParaRPr lang="ko-KR" altLang="en-US" sz="1200" dirty="0"/>
+                      <a:endParaRPr lang="ko-KR" altLang="en-US" sz="1200"/>
                     </a:p>
                   </a:txBody>
                   <a:tcPr/>
@@ -13271,10 +13314,10 @@
                     <a:p>
                       <a:pPr latinLnBrk="1"/>
                       <a:r>
-                        <a:rPr lang="en-US" altLang="ko-KR" sz="1200" dirty="0" smtClean="0"/>
+                        <a:rPr lang="en-US" altLang="ko-KR" sz="1200" smtClean="0"/>
                         <a:t>Request</a:t>
                       </a:r>
-                      <a:endParaRPr lang="ko-KR" altLang="en-US" sz="1200" dirty="0"/>
+                      <a:endParaRPr lang="ko-KR" altLang="en-US" sz="1200"/>
                     </a:p>
                   </a:txBody>
                   <a:tcPr/>
@@ -13304,14 +13347,37 @@
                         <a:defRPr/>
                       </a:pPr>
                       <a:r>
-                        <a:rPr lang="en-US" altLang="ko-KR" sz="1200" dirty="0" smtClean="0"/>
+                        <a:rPr lang="en-US" altLang="ko-KR" sz="1200" smtClean="0"/>
                         <a:t>/</a:t>
                       </a:r>
                       <a:r>
-                        <a:rPr lang="en-US" altLang="ko-KR" sz="1200" dirty="0" err="1" smtClean="0"/>
-                        <a:t>modiinfo.do</a:t>
+                        <a:rPr lang="en-US" altLang="ko-KR" sz="1200" smtClean="0"/>
+                        <a:t>modiinfo.do </a:t>
                       </a:r>
-                      <a:endParaRPr lang="ko-KR" altLang="en-US" sz="1200" dirty="0"/>
+                    </a:p>
+                    <a:p>
+                      <a:pPr marL="0" marR="0" indent="0" algn="l" defTabSz="914400" rtl="0" eaLnBrk="1" fontAlgn="auto" latinLnBrk="1" hangingPunct="1">
+                        <a:lnSpc>
+                          <a:spcPct val="100000"/>
+                        </a:lnSpc>
+                        <a:spcBef>
+                          <a:spcPts val="0"/>
+                        </a:spcBef>
+                        <a:spcAft>
+                          <a:spcPts val="0"/>
+                        </a:spcAft>
+                        <a:buClrTx/>
+                        <a:buSzTx/>
+                        <a:buFontTx/>
+                        <a:buNone/>
+                        <a:tabLst/>
+                        <a:defRPr/>
+                      </a:pPr>
+                      <a:r>
+                        <a:rPr lang="en-US" altLang="ko-KR" sz="1200" smtClean="0"/>
+                        <a:t>/deleteinfo.do</a:t>
+                      </a:r>
+                      <a:endParaRPr lang="ko-KR" altLang="en-US" sz="1200"/>
                     </a:p>
                   </a:txBody>
                   <a:tcPr/>
@@ -13325,10 +13391,10 @@
                     <a:p>
                       <a:pPr latinLnBrk="1"/>
                       <a:r>
-                        <a:rPr lang="en-US" altLang="ko-KR" sz="1200" dirty="0" smtClean="0"/>
+                        <a:rPr lang="en-US" altLang="ko-KR" sz="1200" smtClean="0"/>
                         <a:t>Controller</a:t>
                       </a:r>
-                      <a:endParaRPr lang="ko-KR" altLang="en-US" sz="1200" dirty="0"/>
+                      <a:endParaRPr lang="ko-KR" altLang="en-US" sz="1200"/>
                     </a:p>
                   </a:txBody>
                   <a:tcPr/>
@@ -13358,10 +13424,33 @@
                         <a:defRPr/>
                       </a:pPr>
                       <a:r>
-                        <a:rPr lang="en-US" altLang="ko-KR" sz="1200" dirty="0" err="1" smtClean="0"/>
+                        <a:rPr lang="en-US" altLang="ko-KR" sz="1200" smtClean="0"/>
                         <a:t>controller.ModiInfoController</a:t>
                       </a:r>
-                      <a:endParaRPr lang="ko-KR" altLang="en-US" sz="1200" dirty="0"/>
+                    </a:p>
+                    <a:p>
+                      <a:pPr marL="0" marR="0" indent="0" algn="l" defTabSz="914400" rtl="0" eaLnBrk="1" fontAlgn="auto" latinLnBrk="1" hangingPunct="1">
+                        <a:lnSpc>
+                          <a:spcPct val="100000"/>
+                        </a:lnSpc>
+                        <a:spcBef>
+                          <a:spcPts val="0"/>
+                        </a:spcBef>
+                        <a:spcAft>
+                          <a:spcPts val="0"/>
+                        </a:spcAft>
+                        <a:buClrTx/>
+                        <a:buSzTx/>
+                        <a:buFontTx/>
+                        <a:buNone/>
+                        <a:tabLst/>
+                        <a:defRPr/>
+                      </a:pPr>
+                      <a:r>
+                        <a:rPr lang="en-US" altLang="ko-KR" sz="1200" smtClean="0"/>
+                        <a:t>controller.DeleteInfoController</a:t>
+                      </a:r>
+                      <a:endParaRPr lang="ko-KR" altLang="en-US" sz="1200"/>
                     </a:p>
                   </a:txBody>
                   <a:tcPr/>
@@ -13375,10 +13464,10 @@
                     <a:p>
                       <a:pPr latinLnBrk="1"/>
                       <a:r>
-                        <a:rPr lang="en-US" altLang="ko-KR" sz="1200" dirty="0" smtClean="0"/>
+                        <a:rPr lang="en-US" altLang="ko-KR" sz="1200" smtClean="0"/>
                         <a:t>View</a:t>
                       </a:r>
-                      <a:endParaRPr lang="ko-KR" altLang="en-US" sz="1200" dirty="0"/>
+                      <a:endParaRPr lang="ko-KR" altLang="en-US" sz="1200"/>
                     </a:p>
                   </a:txBody>
                   <a:tcPr/>
@@ -13408,10 +13497,14 @@
                         <a:defRPr/>
                       </a:pPr>
                       <a:r>
-                        <a:rPr lang="en-US" altLang="ko-KR" sz="1200" dirty="0" smtClean="0"/>
-                        <a:t>/view/product/modiinfo.jsp</a:t>
+                        <a:rPr lang="en-US" altLang="ko-KR" sz="1200" smtClean="0"/>
+                        <a:t>/</a:t>
                       </a:r>
-                      <a:endParaRPr lang="ko-KR" altLang="en-US" sz="1200" dirty="0"/>
+                      <a:r>
+                        <a:rPr lang="en-US" altLang="ko-KR" sz="1200" smtClean="0"/>
+                        <a:t>view/product/modiinfo.jsp</a:t>
+                      </a:r>
+                      <a:endParaRPr lang="ko-KR" altLang="en-US" sz="1200"/>
                     </a:p>
                   </a:txBody>
                   <a:tcPr/>
@@ -13424,7 +13517,7 @@
     </p:spTree>
     <p:extLst>
       <p:ext uri="{BB962C8B-B14F-4D97-AF65-F5344CB8AC3E}">
-        <p14:creationId xmlns:p14="http://schemas.microsoft.com/office/powerpoint/2010/main" xmlns="" val="583569323"/>
+        <p14:creationId xmlns="" xmlns:p14="http://schemas.microsoft.com/office/powerpoint/2010/main" val="583569323"/>
       </p:ext>
     </p:extLst>
   </p:cSld>
@@ -13697,7 +13790,7 @@
   <a:extraClrSchemeLst/>
   <a:extLst>
     <a:ext uri="{05A4C25C-085E-4340-85A3-A5531E510DB2}">
-      <thm15:themeFamily xmlns:thm15="http://schemas.microsoft.com/office/thememl/2012/main" xmlns="" name="Office Theme" id="{62F939B6-93AF-4DB8-9C6B-D6C7DFDC589F}" vid="{4A3C46E8-61CC-4603-A589-7422A47A8E4A}"/>
+      <thm15:themeFamily xmlns="" xmlns:thm15="http://schemas.microsoft.com/office/thememl/2012/main" name="Office Theme" id="{62F939B6-93AF-4DB8-9C6B-D6C7DFDC589F}" vid="{4A3C46E8-61CC-4603-A589-7422A47A8E4A}"/>
     </a:ext>
   </a:extLst>
 </a:theme>
